--- a/The Knicks Java Final Project Presentation.pptx
+++ b/The Knicks Java Final Project Presentation.pptx
@@ -13171,37 +13171,9 @@
           </a:p>
         </p:txBody>
       </p:sp>
-      <p:pic>
-        <p:nvPicPr>
-          <p:cNvPr id="232" name="Google Shape;232;p27"/>
-          <p:cNvPicPr preferRelativeResize="0"/>
-          <p:nvPr/>
-        </p:nvPicPr>
-        <p:blipFill>
-          <a:blip r:embed="rId3">
-            <a:alphaModFix/>
-          </a:blip>
-          <a:stretch>
-            <a:fillRect/>
-          </a:stretch>
-        </p:blipFill>
-        <p:spPr>
-          <a:xfrm>
-            <a:off x="4349375" y="1307850"/>
-            <a:ext cx="4150726" cy="3045674"/>
-          </a:xfrm>
-          <a:prstGeom prst="rect">
-            <a:avLst/>
-          </a:prstGeom>
-          <a:noFill/>
-          <a:ln>
-            <a:noFill/>
-          </a:ln>
-        </p:spPr>
-      </p:pic>
       <p:sp>
         <p:nvSpPr>
-          <p:cNvPr id="233" name="Google Shape;233;p27"/>
+          <p:cNvPr id="232" name="Google Shape;232;p27"/>
           <p:cNvSpPr txBox="1"/>
           <p:nvPr/>
         </p:nvSpPr>
@@ -13250,7 +13222,7 @@
       </p:sp>
       <p:sp>
         <p:nvSpPr>
-          <p:cNvPr id="234" name="Google Shape;234;p27"/>
+          <p:cNvPr id="233" name="Google Shape;233;p27"/>
           <p:cNvSpPr txBox="1"/>
           <p:nvPr/>
         </p:nvSpPr>
@@ -13309,6 +13281,34 @@
           </a:p>
         </p:txBody>
       </p:sp>
+      <p:pic>
+        <p:nvPicPr>
+          <p:cNvPr id="234" name="Google Shape;234;p27"/>
+          <p:cNvPicPr preferRelativeResize="0"/>
+          <p:nvPr/>
+        </p:nvPicPr>
+        <p:blipFill>
+          <a:blip r:embed="rId3">
+            <a:alphaModFix/>
+          </a:blip>
+          <a:stretch>
+            <a:fillRect/>
+          </a:stretch>
+        </p:blipFill>
+        <p:spPr>
+          <a:xfrm>
+            <a:off x="4614125" y="1131700"/>
+            <a:ext cx="4042798" cy="2880099"/>
+          </a:xfrm>
+          <a:prstGeom prst="rect">
+            <a:avLst/>
+          </a:prstGeom>
+          <a:noFill/>
+          <a:ln>
+            <a:noFill/>
+          </a:ln>
+        </p:spPr>
+      </p:pic>
     </p:spTree>
   </p:cSld>
   <p:clrMapOvr>
@@ -16840,37 +16840,9 @@
           </a:p>
         </p:txBody>
       </p:sp>
-      <p:pic>
-        <p:nvPicPr>
-          <p:cNvPr id="188" name="Google Shape;188;p21"/>
-          <p:cNvPicPr preferRelativeResize="0"/>
-          <p:nvPr/>
-        </p:nvPicPr>
-        <p:blipFill>
-          <a:blip r:embed="rId3">
-            <a:alphaModFix/>
-          </a:blip>
-          <a:stretch>
-            <a:fillRect/>
-          </a:stretch>
-        </p:blipFill>
-        <p:spPr>
-          <a:xfrm>
-            <a:off x="4498650" y="1156675"/>
-            <a:ext cx="3986100" cy="3604099"/>
-          </a:xfrm>
-          <a:prstGeom prst="rect">
-            <a:avLst/>
-          </a:prstGeom>
-          <a:noFill/>
-          <a:ln>
-            <a:noFill/>
-          </a:ln>
-        </p:spPr>
-      </p:pic>
       <p:sp>
         <p:nvSpPr>
-          <p:cNvPr id="189" name="Google Shape;189;p21"/>
+          <p:cNvPr id="188" name="Google Shape;188;p21"/>
           <p:cNvSpPr txBox="1"/>
           <p:nvPr/>
         </p:nvSpPr>
@@ -16929,6 +16901,34 @@
           </a:p>
         </p:txBody>
       </p:sp>
+      <p:pic>
+        <p:nvPicPr>
+          <p:cNvPr id="189" name="Google Shape;189;p21"/>
+          <p:cNvPicPr preferRelativeResize="0"/>
+          <p:nvPr/>
+        </p:nvPicPr>
+        <p:blipFill>
+          <a:blip r:embed="rId3">
+            <a:alphaModFix/>
+          </a:blip>
+          <a:stretch>
+            <a:fillRect/>
+          </a:stretch>
+        </p:blipFill>
+        <p:spPr>
+          <a:xfrm>
+            <a:off x="4365575" y="863138"/>
+            <a:ext cx="4641376" cy="3417213"/>
+          </a:xfrm>
+          <a:prstGeom prst="rect">
+            <a:avLst/>
+          </a:prstGeom>
+          <a:noFill/>
+          <a:ln>
+            <a:noFill/>
+          </a:ln>
+        </p:spPr>
+      </p:pic>
     </p:spTree>
   </p:cSld>
   <p:clrMapOvr>

--- a/The Knicks Java Final Project Presentation.pptx
+++ b/The Knicks Java Final Project Presentation.pptx
@@ -836,7 +836,7 @@
   <p:cSld>
     <p:spTree>
       <p:nvGrpSpPr>
-        <p:cNvPr id="190" name="Shape 190"/>
+        <p:cNvPr id="198" name="Shape 198"/>
         <p:cNvGrpSpPr/>
         <p:nvPr/>
       </p:nvGrpSpPr>
@@ -850,7 +850,7 @@
       </p:grpSpPr>
       <p:sp>
         <p:nvSpPr>
-          <p:cNvPr id="191" name="Google Shape;191;gd04c478625_0_41:notes"/>
+          <p:cNvPr id="199" name="Google Shape;199;gcd8045d72a_1_14:notes"/>
           <p:cNvSpPr/>
           <p:nvPr>
             <p:ph idx="2" type="sldImg"/>
@@ -885,7 +885,7 @@
       </p:sp>
       <p:sp>
         <p:nvSpPr>
-          <p:cNvPr id="192" name="Google Shape;192;gd04c478625_0_41:notes"/>
+          <p:cNvPr id="200" name="Google Shape;200;gcd8045d72a_1_14:notes"/>
           <p:cNvSpPr txBox="1"/>
           <p:nvPr>
             <p:ph idx="1" type="body"/>
@@ -935,7 +935,7 @@
   <p:cSld>
     <p:spTree>
       <p:nvGrpSpPr>
-        <p:cNvPr id="196" name="Shape 196"/>
+        <p:cNvPr id="206" name="Shape 206"/>
         <p:cNvGrpSpPr/>
         <p:nvPr/>
       </p:nvGrpSpPr>
@@ -949,7 +949,7 @@
       </p:grpSpPr>
       <p:sp>
         <p:nvSpPr>
-          <p:cNvPr id="197" name="Google Shape;197;gd51e87aa91_0_68:notes"/>
+          <p:cNvPr id="207" name="Google Shape;207;gcd8045d72a_2_0:notes"/>
           <p:cNvSpPr/>
           <p:nvPr>
             <p:ph idx="2" type="sldImg"/>
@@ -984,7 +984,7 @@
       </p:sp>
       <p:sp>
         <p:nvSpPr>
-          <p:cNvPr id="198" name="Google Shape;198;gd51e87aa91_0_68:notes"/>
+          <p:cNvPr id="208" name="Google Shape;208;gcd8045d72a_2_0:notes"/>
           <p:cNvSpPr txBox="1"/>
           <p:nvPr>
             <p:ph idx="1" type="body"/>
@@ -1034,7 +1034,7 @@
   <p:cSld>
     <p:spTree>
       <p:nvGrpSpPr>
-        <p:cNvPr id="202" name="Shape 202"/>
+        <p:cNvPr id="214" name="Shape 214"/>
         <p:cNvGrpSpPr/>
         <p:nvPr/>
       </p:nvGrpSpPr>
@@ -1048,7 +1048,7 @@
       </p:grpSpPr>
       <p:sp>
         <p:nvSpPr>
-          <p:cNvPr id="203" name="Google Shape;203;gd425a55f0b_0_127:notes"/>
+          <p:cNvPr id="215" name="Google Shape;215;gd425a55f0b_0_127:notes"/>
           <p:cNvSpPr/>
           <p:nvPr>
             <p:ph idx="2" type="sldImg"/>
@@ -1083,7 +1083,7 @@
       </p:sp>
       <p:sp>
         <p:nvSpPr>
-          <p:cNvPr id="204" name="Google Shape;204;gd425a55f0b_0_127:notes"/>
+          <p:cNvPr id="216" name="Google Shape;216;gd425a55f0b_0_127:notes"/>
           <p:cNvSpPr txBox="1"/>
           <p:nvPr>
             <p:ph idx="1" type="body"/>
@@ -1133,7 +1133,7 @@
   <p:cSld>
     <p:spTree>
       <p:nvGrpSpPr>
-        <p:cNvPr id="208" name="Shape 208"/>
+        <p:cNvPr id="221" name="Shape 221"/>
         <p:cNvGrpSpPr/>
         <p:nvPr/>
       </p:nvGrpSpPr>
@@ -1147,7 +1147,7 @@
       </p:grpSpPr>
       <p:sp>
         <p:nvSpPr>
-          <p:cNvPr id="209" name="Google Shape;209;gd51e87aa91_0_2:notes"/>
+          <p:cNvPr id="222" name="Google Shape;222;gd51e87aa91_0_2:notes"/>
           <p:cNvSpPr/>
           <p:nvPr>
             <p:ph idx="2" type="sldImg"/>
@@ -1182,7 +1182,7 @@
       </p:sp>
       <p:sp>
         <p:nvSpPr>
-          <p:cNvPr id="210" name="Google Shape;210;gd51e87aa91_0_2:notes"/>
+          <p:cNvPr id="223" name="Google Shape;223;gd51e87aa91_0_2:notes"/>
           <p:cNvSpPr txBox="1"/>
           <p:nvPr>
             <p:ph idx="1" type="body"/>
@@ -1232,7 +1232,7 @@
   <p:cSld>
     <p:spTree>
       <p:nvGrpSpPr>
-        <p:cNvPr id="216" name="Shape 216"/>
+        <p:cNvPr id="230" name="Shape 230"/>
         <p:cNvGrpSpPr/>
         <p:nvPr/>
       </p:nvGrpSpPr>
@@ -1246,7 +1246,7 @@
       </p:grpSpPr>
       <p:sp>
         <p:nvSpPr>
-          <p:cNvPr id="217" name="Google Shape;217;gcd8045cc97_0_4:notes"/>
+          <p:cNvPr id="231" name="Google Shape;231;gcd8045cc97_0_4:notes"/>
           <p:cNvSpPr/>
           <p:nvPr>
             <p:ph idx="2" type="sldImg"/>
@@ -1281,7 +1281,7 @@
       </p:sp>
       <p:sp>
         <p:nvSpPr>
-          <p:cNvPr id="218" name="Google Shape;218;gcd8045cc97_0_4:notes"/>
+          <p:cNvPr id="232" name="Google Shape;232;gcd8045cc97_0_4:notes"/>
           <p:cNvSpPr txBox="1"/>
           <p:nvPr>
             <p:ph idx="1" type="body"/>
@@ -1331,7 +1331,7 @@
   <p:cSld>
     <p:spTree>
       <p:nvGrpSpPr>
-        <p:cNvPr id="227" name="Shape 227"/>
+        <p:cNvPr id="242" name="Shape 242"/>
         <p:cNvGrpSpPr/>
         <p:nvPr/>
       </p:nvGrpSpPr>
@@ -1345,7 +1345,7 @@
       </p:grpSpPr>
       <p:sp>
         <p:nvSpPr>
-          <p:cNvPr id="228" name="Google Shape;228;gd425a55f0b_0_132:notes"/>
+          <p:cNvPr id="243" name="Google Shape;243;gd425a55f0b_0_132:notes"/>
           <p:cNvSpPr/>
           <p:nvPr>
             <p:ph idx="2" type="sldImg"/>
@@ -1380,7 +1380,7 @@
       </p:sp>
       <p:sp>
         <p:nvSpPr>
-          <p:cNvPr id="229" name="Google Shape;229;gd425a55f0b_0_132:notes"/>
+          <p:cNvPr id="244" name="Google Shape;244;gd425a55f0b_0_132:notes"/>
           <p:cNvSpPr txBox="1"/>
           <p:nvPr>
             <p:ph idx="1" type="body"/>
@@ -1430,7 +1430,7 @@
   <p:cSld>
     <p:spTree>
       <p:nvGrpSpPr>
-        <p:cNvPr id="235" name="Shape 235"/>
+        <p:cNvPr id="250" name="Shape 250"/>
         <p:cNvGrpSpPr/>
         <p:nvPr/>
       </p:nvGrpSpPr>
@@ -1444,7 +1444,7 @@
       </p:grpSpPr>
       <p:sp>
         <p:nvSpPr>
-          <p:cNvPr id="236" name="Google Shape;236;gcd8045d72a_1_40:notes"/>
+          <p:cNvPr id="251" name="Google Shape;251;gcd8045d72a_1_40:notes"/>
           <p:cNvSpPr/>
           <p:nvPr>
             <p:ph idx="2" type="sldImg"/>
@@ -1479,7 +1479,7 @@
       </p:sp>
       <p:sp>
         <p:nvSpPr>
-          <p:cNvPr id="237" name="Google Shape;237;gcd8045d72a_1_40:notes"/>
+          <p:cNvPr id="252" name="Google Shape;252;gcd8045d72a_1_40:notes"/>
           <p:cNvSpPr txBox="1"/>
           <p:nvPr>
             <p:ph idx="1" type="body"/>
@@ -1529,7 +1529,7 @@
   <p:cSld>
     <p:spTree>
       <p:nvGrpSpPr>
-        <p:cNvPr id="241" name="Shape 241"/>
+        <p:cNvPr id="257" name="Shape 257"/>
         <p:cNvGrpSpPr/>
         <p:nvPr/>
       </p:nvGrpSpPr>
@@ -1543,7 +1543,7 @@
       </p:grpSpPr>
       <p:sp>
         <p:nvSpPr>
-          <p:cNvPr id="242" name="Google Shape;242;gcd8045d72a_1_52:notes"/>
+          <p:cNvPr id="258" name="Google Shape;258;gcd8045d72a_1_52:notes"/>
           <p:cNvSpPr/>
           <p:nvPr>
             <p:ph idx="2" type="sldImg"/>
@@ -1578,7 +1578,7 @@
       </p:sp>
       <p:sp>
         <p:nvSpPr>
-          <p:cNvPr id="243" name="Google Shape;243;gcd8045d72a_1_52:notes"/>
+          <p:cNvPr id="259" name="Google Shape;259;gcd8045d72a_1_52:notes"/>
           <p:cNvSpPr txBox="1"/>
           <p:nvPr>
             <p:ph idx="1" type="body"/>
@@ -1628,7 +1628,7 @@
   <p:cSld>
     <p:spTree>
       <p:nvGrpSpPr>
-        <p:cNvPr id="248" name="Shape 248"/>
+        <p:cNvPr id="265" name="Shape 265"/>
         <p:cNvGrpSpPr/>
         <p:nvPr/>
       </p:nvGrpSpPr>
@@ -1642,7 +1642,7 @@
       </p:grpSpPr>
       <p:sp>
         <p:nvSpPr>
-          <p:cNvPr id="249" name="Google Shape;249;gd425a55f0b_0_1284:notes"/>
+          <p:cNvPr id="266" name="Google Shape;266;gd425a55f0b_0_1284:notes"/>
           <p:cNvSpPr/>
           <p:nvPr>
             <p:ph idx="2" type="sldImg"/>
@@ -1677,7 +1677,7 @@
       </p:sp>
       <p:sp>
         <p:nvSpPr>
-          <p:cNvPr id="250" name="Google Shape;250;gd425a55f0b_0_1284:notes"/>
+          <p:cNvPr id="267" name="Google Shape;267;gd425a55f0b_0_1284:notes"/>
           <p:cNvSpPr txBox="1"/>
           <p:nvPr>
             <p:ph idx="1" type="body"/>
@@ -1727,7 +1727,7 @@
   <p:cSld>
     <p:spTree>
       <p:nvGrpSpPr>
-        <p:cNvPr id="254" name="Shape 254"/>
+        <p:cNvPr id="272" name="Shape 272"/>
         <p:cNvGrpSpPr/>
         <p:nvPr/>
       </p:nvGrpSpPr>
@@ -1741,7 +1741,7 @@
       </p:grpSpPr>
       <p:sp>
         <p:nvSpPr>
-          <p:cNvPr id="255" name="Google Shape;255;gcd8045d72a_1_27:notes"/>
+          <p:cNvPr id="273" name="Google Shape;273;gcd8045d72a_1_27:notes"/>
           <p:cNvSpPr/>
           <p:nvPr>
             <p:ph idx="2" type="sldImg"/>
@@ -1776,7 +1776,7 @@
       </p:sp>
       <p:sp>
         <p:nvSpPr>
-          <p:cNvPr id="256" name="Google Shape;256;gcd8045d72a_1_27:notes"/>
+          <p:cNvPr id="274" name="Google Shape;274;gcd8045d72a_1_27:notes"/>
           <p:cNvSpPr txBox="1"/>
           <p:nvPr>
             <p:ph idx="1" type="body"/>
@@ -1826,7 +1826,7 @@
   <p:cSld>
     <p:spTree>
       <p:nvGrpSpPr>
-        <p:cNvPr id="136" name="Shape 136"/>
+        <p:cNvPr id="138" name="Shape 138"/>
         <p:cNvGrpSpPr/>
         <p:nvPr/>
       </p:nvGrpSpPr>
@@ -1840,7 +1840,7 @@
       </p:grpSpPr>
       <p:sp>
         <p:nvSpPr>
-          <p:cNvPr id="137" name="Google Shape;137;gd425a55f0b_0_122:notes"/>
+          <p:cNvPr id="139" name="Google Shape;139;gd425a55f0b_0_122:notes"/>
           <p:cNvSpPr/>
           <p:nvPr>
             <p:ph idx="2" type="sldImg"/>
@@ -1875,7 +1875,7 @@
       </p:sp>
       <p:sp>
         <p:nvSpPr>
-          <p:cNvPr id="138" name="Google Shape;138;gd425a55f0b_0_122:notes"/>
+          <p:cNvPr id="140" name="Google Shape;140;gd425a55f0b_0_122:notes"/>
           <p:cNvSpPr txBox="1"/>
           <p:nvPr>
             <p:ph idx="1" type="body"/>
@@ -1925,7 +1925,7 @@
   <p:cSld>
     <p:spTree>
       <p:nvGrpSpPr>
-        <p:cNvPr id="261" name="Shape 261"/>
+        <p:cNvPr id="280" name="Shape 280"/>
         <p:cNvGrpSpPr/>
         <p:nvPr/>
       </p:nvGrpSpPr>
@@ -1939,7 +1939,7 @@
       </p:grpSpPr>
       <p:sp>
         <p:nvSpPr>
-          <p:cNvPr id="262" name="Google Shape;262;gd425a55f0b_0_1289:notes"/>
+          <p:cNvPr id="281" name="Google Shape;281;gd425a55f0b_0_1289:notes"/>
           <p:cNvSpPr/>
           <p:nvPr>
             <p:ph idx="2" type="sldImg"/>
@@ -1974,7 +1974,7 @@
       </p:sp>
       <p:sp>
         <p:nvSpPr>
-          <p:cNvPr id="263" name="Google Shape;263;gd425a55f0b_0_1289:notes"/>
+          <p:cNvPr id="282" name="Google Shape;282;gd425a55f0b_0_1289:notes"/>
           <p:cNvSpPr txBox="1"/>
           <p:nvPr>
             <p:ph idx="1" type="body"/>
@@ -2024,7 +2024,7 @@
   <p:cSld>
     <p:spTree>
       <p:nvGrpSpPr>
-        <p:cNvPr id="268" name="Shape 268"/>
+        <p:cNvPr id="288" name="Shape 288"/>
         <p:cNvGrpSpPr/>
         <p:nvPr/>
       </p:nvGrpSpPr>
@@ -2038,7 +2038,7 @@
       </p:grpSpPr>
       <p:sp>
         <p:nvSpPr>
-          <p:cNvPr id="269" name="Google Shape;269;gcd8045d72a_1_66:notes"/>
+          <p:cNvPr id="289" name="Google Shape;289;gcd8045d72a_1_66:notes"/>
           <p:cNvSpPr/>
           <p:nvPr>
             <p:ph idx="2" type="sldImg"/>
@@ -2073,7 +2073,7 @@
       </p:sp>
       <p:sp>
         <p:nvSpPr>
-          <p:cNvPr id="270" name="Google Shape;270;gcd8045d72a_1_66:notes"/>
+          <p:cNvPr id="290" name="Google Shape;290;gcd8045d72a_1_66:notes"/>
           <p:cNvSpPr txBox="1"/>
           <p:nvPr>
             <p:ph idx="1" type="body"/>
@@ -2123,7 +2123,7 @@
   <p:cSld>
     <p:spTree>
       <p:nvGrpSpPr>
-        <p:cNvPr id="276" name="Shape 276"/>
+        <p:cNvPr id="297" name="Shape 297"/>
         <p:cNvGrpSpPr/>
         <p:nvPr/>
       </p:nvGrpSpPr>
@@ -2137,7 +2137,7 @@
       </p:grpSpPr>
       <p:sp>
         <p:nvSpPr>
-          <p:cNvPr id="277" name="Google Shape;277;gcd8045d72a_1_75:notes"/>
+          <p:cNvPr id="298" name="Google Shape;298;gcd8045d72a_1_75:notes"/>
           <p:cNvSpPr/>
           <p:nvPr>
             <p:ph idx="2" type="sldImg"/>
@@ -2172,7 +2172,7 @@
       </p:sp>
       <p:sp>
         <p:nvSpPr>
-          <p:cNvPr id="278" name="Google Shape;278;gcd8045d72a_1_75:notes"/>
+          <p:cNvPr id="299" name="Google Shape;299;gcd8045d72a_1_75:notes"/>
           <p:cNvSpPr txBox="1"/>
           <p:nvPr>
             <p:ph idx="1" type="body"/>
@@ -2222,7 +2222,7 @@
   <p:cSld>
     <p:spTree>
       <p:nvGrpSpPr>
-        <p:cNvPr id="283" name="Shape 283"/>
+        <p:cNvPr id="305" name="Shape 305"/>
         <p:cNvGrpSpPr/>
         <p:nvPr/>
       </p:nvGrpSpPr>
@@ -2236,7 +2236,7 @@
       </p:grpSpPr>
       <p:sp>
         <p:nvSpPr>
-          <p:cNvPr id="284" name="Google Shape;284;gd04c478625_0_0:notes"/>
+          <p:cNvPr id="306" name="Google Shape;306;gd04c478625_0_0:notes"/>
           <p:cNvSpPr/>
           <p:nvPr>
             <p:ph idx="2" type="sldImg"/>
@@ -2271,7 +2271,7 @@
       </p:sp>
       <p:sp>
         <p:nvSpPr>
-          <p:cNvPr id="285" name="Google Shape;285;gd04c478625_0_0:notes"/>
+          <p:cNvPr id="307" name="Google Shape;307;gd04c478625_0_0:notes"/>
           <p:cNvSpPr txBox="1"/>
           <p:nvPr>
             <p:ph idx="1" type="body"/>
@@ -2321,7 +2321,7 @@
   <p:cSld>
     <p:spTree>
       <p:nvGrpSpPr>
-        <p:cNvPr id="290" name="Shape 290"/>
+        <p:cNvPr id="313" name="Shape 313"/>
         <p:cNvGrpSpPr/>
         <p:nvPr/>
       </p:nvGrpSpPr>
@@ -2335,7 +2335,7 @@
       </p:grpSpPr>
       <p:sp>
         <p:nvSpPr>
-          <p:cNvPr id="291" name="Google Shape;291;gcd8045d72a_2_12:notes"/>
+          <p:cNvPr id="314" name="Google Shape;314;gcd8045d72a_2_12:notes"/>
           <p:cNvSpPr/>
           <p:nvPr>
             <p:ph idx="2" type="sldImg"/>
@@ -2370,7 +2370,7 @@
       </p:sp>
       <p:sp>
         <p:nvSpPr>
-          <p:cNvPr id="292" name="Google Shape;292;gcd8045d72a_2_12:notes"/>
+          <p:cNvPr id="315" name="Google Shape;315;gcd8045d72a_2_12:notes"/>
           <p:cNvSpPr txBox="1"/>
           <p:nvPr>
             <p:ph idx="1" type="body"/>
@@ -2420,7 +2420,7 @@
   <p:cSld>
     <p:spTree>
       <p:nvGrpSpPr>
-        <p:cNvPr id="297" name="Shape 297"/>
+        <p:cNvPr id="321" name="Shape 321"/>
         <p:cNvGrpSpPr/>
         <p:nvPr/>
       </p:nvGrpSpPr>
@@ -2434,7 +2434,7 @@
       </p:grpSpPr>
       <p:sp>
         <p:nvSpPr>
-          <p:cNvPr id="298" name="Google Shape;298;gd04c478625_0_5:notes"/>
+          <p:cNvPr id="322" name="Google Shape;322;gd04c478625_0_5:notes"/>
           <p:cNvSpPr/>
           <p:nvPr>
             <p:ph idx="2" type="sldImg"/>
@@ -2469,7 +2469,7 @@
       </p:sp>
       <p:sp>
         <p:nvSpPr>
-          <p:cNvPr id="299" name="Google Shape;299;gd04c478625_0_5:notes"/>
+          <p:cNvPr id="323" name="Google Shape;323;gd04c478625_0_5:notes"/>
           <p:cNvSpPr txBox="1"/>
           <p:nvPr>
             <p:ph idx="1" type="body"/>
@@ -2519,7 +2519,7 @@
   <p:cSld>
     <p:spTree>
       <p:nvGrpSpPr>
-        <p:cNvPr id="303" name="Shape 303"/>
+        <p:cNvPr id="328" name="Shape 328"/>
         <p:cNvGrpSpPr/>
         <p:nvPr/>
       </p:nvGrpSpPr>
@@ -2533,7 +2533,7 @@
       </p:grpSpPr>
       <p:sp>
         <p:nvSpPr>
-          <p:cNvPr id="304" name="Google Shape;304;gd04c478625_0_15:notes"/>
+          <p:cNvPr id="329" name="Google Shape;329;gd04c478625_0_15:notes"/>
           <p:cNvSpPr/>
           <p:nvPr>
             <p:ph idx="2" type="sldImg"/>
@@ -2568,7 +2568,7 @@
       </p:sp>
       <p:sp>
         <p:nvSpPr>
-          <p:cNvPr id="305" name="Google Shape;305;gd04c478625_0_15:notes"/>
+          <p:cNvPr id="330" name="Google Shape;330;gd04c478625_0_15:notes"/>
           <p:cNvSpPr txBox="1"/>
           <p:nvPr>
             <p:ph idx="1" type="body"/>
@@ -2618,7 +2618,7 @@
   <p:cSld>
     <p:spTree>
       <p:nvGrpSpPr>
-        <p:cNvPr id="309" name="Shape 309"/>
+        <p:cNvPr id="335" name="Shape 335"/>
         <p:cNvGrpSpPr/>
         <p:nvPr/>
       </p:nvGrpSpPr>
@@ -2632,7 +2632,7 @@
       </p:grpSpPr>
       <p:sp>
         <p:nvSpPr>
-          <p:cNvPr id="310" name="Google Shape;310;gcd8045d72a_1_21:notes"/>
+          <p:cNvPr id="336" name="Google Shape;336;gcd8045d72a_1_21:notes"/>
           <p:cNvSpPr/>
           <p:nvPr>
             <p:ph idx="2" type="sldImg"/>
@@ -2667,7 +2667,7 @@
       </p:sp>
       <p:sp>
         <p:nvSpPr>
-          <p:cNvPr id="311" name="Google Shape;311;gcd8045d72a_1_21:notes"/>
+          <p:cNvPr id="337" name="Google Shape;337;gcd8045d72a_1_21:notes"/>
           <p:cNvSpPr txBox="1"/>
           <p:nvPr>
             <p:ph idx="1" type="body"/>
@@ -2717,7 +2717,7 @@
   <p:cSld>
     <p:spTree>
       <p:nvGrpSpPr>
-        <p:cNvPr id="315" name="Shape 315"/>
+        <p:cNvPr id="342" name="Shape 342"/>
         <p:cNvGrpSpPr/>
         <p:nvPr/>
       </p:nvGrpSpPr>
@@ -2731,7 +2731,7 @@
       </p:grpSpPr>
       <p:sp>
         <p:nvSpPr>
-          <p:cNvPr id="316" name="Google Shape;316;gd04c478625_0_25:notes"/>
+          <p:cNvPr id="343" name="Google Shape;343;gd04c478625_0_25:notes"/>
           <p:cNvSpPr/>
           <p:nvPr>
             <p:ph idx="2" type="sldImg"/>
@@ -2766,7 +2766,7 @@
       </p:sp>
       <p:sp>
         <p:nvSpPr>
-          <p:cNvPr id="317" name="Google Shape;317;gd04c478625_0_25:notes"/>
+          <p:cNvPr id="344" name="Google Shape;344;gd04c478625_0_25:notes"/>
           <p:cNvSpPr txBox="1"/>
           <p:nvPr>
             <p:ph idx="1" type="body"/>
@@ -2816,7 +2816,7 @@
   <p:cSld>
     <p:spTree>
       <p:nvGrpSpPr>
-        <p:cNvPr id="322" name="Shape 322"/>
+        <p:cNvPr id="350" name="Shape 350"/>
         <p:cNvGrpSpPr/>
         <p:nvPr/>
       </p:nvGrpSpPr>
@@ -2830,7 +2830,7 @@
       </p:grpSpPr>
       <p:sp>
         <p:nvSpPr>
-          <p:cNvPr id="323" name="Google Shape;323;gd51e87aa91_0_13:notes"/>
+          <p:cNvPr id="351" name="Google Shape;351;gd51e87aa91_0_13:notes"/>
           <p:cNvSpPr/>
           <p:nvPr>
             <p:ph idx="2" type="sldImg"/>
@@ -2865,7 +2865,7 @@
       </p:sp>
       <p:sp>
         <p:nvSpPr>
-          <p:cNvPr id="324" name="Google Shape;324;gd51e87aa91_0_13:notes"/>
+          <p:cNvPr id="352" name="Google Shape;352;gd51e87aa91_0_13:notes"/>
           <p:cNvSpPr txBox="1"/>
           <p:nvPr>
             <p:ph idx="1" type="body"/>
@@ -2915,7 +2915,7 @@
   <p:cSld>
     <p:spTree>
       <p:nvGrpSpPr>
-        <p:cNvPr id="142" name="Shape 142"/>
+        <p:cNvPr id="145" name="Shape 145"/>
         <p:cNvGrpSpPr/>
         <p:nvPr/>
       </p:nvGrpSpPr>
@@ -2929,7 +2929,7 @@
       </p:grpSpPr>
       <p:sp>
         <p:nvSpPr>
-          <p:cNvPr id="143" name="Google Shape;143;gd425a55f0b_0_1279:notes"/>
+          <p:cNvPr id="146" name="Google Shape;146;gd425a55f0b_0_1279:notes"/>
           <p:cNvSpPr/>
           <p:nvPr>
             <p:ph idx="2" type="sldImg"/>
@@ -2964,7 +2964,7 @@
       </p:sp>
       <p:sp>
         <p:nvSpPr>
-          <p:cNvPr id="144" name="Google Shape;144;gd425a55f0b_0_1279:notes"/>
+          <p:cNvPr id="147" name="Google Shape;147;gd425a55f0b_0_1279:notes"/>
           <p:cNvSpPr txBox="1"/>
           <p:nvPr>
             <p:ph idx="1" type="body"/>
@@ -3014,7 +3014,7 @@
   <p:cSld>
     <p:spTree>
       <p:nvGrpSpPr>
-        <p:cNvPr id="329" name="Shape 329"/>
+        <p:cNvPr id="357" name="Shape 357"/>
         <p:cNvGrpSpPr/>
         <p:nvPr/>
       </p:nvGrpSpPr>
@@ -3028,7 +3028,7 @@
       </p:grpSpPr>
       <p:sp>
         <p:nvSpPr>
-          <p:cNvPr id="330" name="Google Shape;330;gd51e87aa91_0_18:notes"/>
+          <p:cNvPr id="358" name="Google Shape;358;gd51e87aa91_0_18:notes"/>
           <p:cNvSpPr/>
           <p:nvPr>
             <p:ph idx="2" type="sldImg"/>
@@ -3063,7 +3063,7 @@
       </p:sp>
       <p:sp>
         <p:nvSpPr>
-          <p:cNvPr id="331" name="Google Shape;331;gd51e87aa91_0_18:notes"/>
+          <p:cNvPr id="359" name="Google Shape;359;gd51e87aa91_0_18:notes"/>
           <p:cNvSpPr txBox="1"/>
           <p:nvPr>
             <p:ph idx="1" type="body"/>
@@ -3113,7 +3113,7 @@
   <p:cSld>
     <p:spTree>
       <p:nvGrpSpPr>
-        <p:cNvPr id="334" name="Shape 334"/>
+        <p:cNvPr id="363" name="Shape 363"/>
         <p:cNvGrpSpPr/>
         <p:nvPr/>
       </p:nvGrpSpPr>
@@ -3127,7 +3127,7 @@
       </p:grpSpPr>
       <p:sp>
         <p:nvSpPr>
-          <p:cNvPr id="335" name="Google Shape;335;gcd8045cc97_0_12:notes"/>
+          <p:cNvPr id="364" name="Google Shape;364;gcd8045cc97_0_12:notes"/>
           <p:cNvSpPr/>
           <p:nvPr>
             <p:ph idx="2" type="sldImg"/>
@@ -3162,7 +3162,7 @@
       </p:sp>
       <p:sp>
         <p:nvSpPr>
-          <p:cNvPr id="336" name="Google Shape;336;gcd8045cc97_0_12:notes"/>
+          <p:cNvPr id="365" name="Google Shape;365;gcd8045cc97_0_12:notes"/>
           <p:cNvSpPr txBox="1"/>
           <p:nvPr>
             <p:ph idx="1" type="body"/>
@@ -3212,7 +3212,7 @@
   <p:cSld>
     <p:spTree>
       <p:nvGrpSpPr>
-        <p:cNvPr id="148" name="Shape 148"/>
+        <p:cNvPr id="152" name="Shape 152"/>
         <p:cNvGrpSpPr/>
         <p:nvPr/>
       </p:nvGrpSpPr>
@@ -3226,7 +3226,7 @@
       </p:grpSpPr>
       <p:sp>
         <p:nvSpPr>
-          <p:cNvPr id="149" name="Google Shape;149;gd04c478625_0_31:notes"/>
+          <p:cNvPr id="153" name="Google Shape;153;gd04c478625_0_36:notes"/>
           <p:cNvSpPr/>
           <p:nvPr>
             <p:ph idx="2" type="sldImg"/>
@@ -3261,7 +3261,7 @@
       </p:sp>
       <p:sp>
         <p:nvSpPr>
-          <p:cNvPr id="150" name="Google Shape;150;gd04c478625_0_31:notes"/>
+          <p:cNvPr id="154" name="Google Shape;154;gd04c478625_0_36:notes"/>
           <p:cNvSpPr txBox="1"/>
           <p:nvPr>
             <p:ph idx="1" type="body"/>
@@ -3311,7 +3311,7 @@
   <p:cSld>
     <p:spTree>
       <p:nvGrpSpPr>
-        <p:cNvPr id="155" name="Shape 155"/>
+        <p:cNvPr id="160" name="Shape 160"/>
         <p:cNvGrpSpPr/>
         <p:nvPr/>
       </p:nvGrpSpPr>
@@ -3325,7 +3325,7 @@
       </p:grpSpPr>
       <p:sp>
         <p:nvSpPr>
-          <p:cNvPr id="156" name="Google Shape;156;gcd8045d72a_1_0:notes"/>
+          <p:cNvPr id="161" name="Google Shape;161;gd04c478625_0_31:notes"/>
           <p:cNvSpPr/>
           <p:nvPr>
             <p:ph idx="2" type="sldImg"/>
@@ -3360,7 +3360,7 @@
       </p:sp>
       <p:sp>
         <p:nvSpPr>
-          <p:cNvPr id="157" name="Google Shape;157;gcd8045d72a_1_0:notes"/>
+          <p:cNvPr id="162" name="Google Shape;162;gd04c478625_0_31:notes"/>
           <p:cNvSpPr txBox="1"/>
           <p:nvPr>
             <p:ph idx="1" type="body"/>
@@ -3410,7 +3410,7 @@
   <p:cSld>
     <p:spTree>
       <p:nvGrpSpPr>
-        <p:cNvPr id="162" name="Shape 162"/>
+        <p:cNvPr id="168" name="Shape 168"/>
         <p:cNvGrpSpPr/>
         <p:nvPr/>
       </p:nvGrpSpPr>
@@ -3424,7 +3424,7 @@
       </p:grpSpPr>
       <p:sp>
         <p:nvSpPr>
-          <p:cNvPr id="163" name="Google Shape;163;gcd8045d72a_1_7:notes"/>
+          <p:cNvPr id="169" name="Google Shape;169;gd04c478625_0_41:notes"/>
           <p:cNvSpPr/>
           <p:nvPr>
             <p:ph idx="2" type="sldImg"/>
@@ -3459,7 +3459,7 @@
       </p:sp>
       <p:sp>
         <p:nvSpPr>
-          <p:cNvPr id="164" name="Google Shape;164;gcd8045d72a_1_7:notes"/>
+          <p:cNvPr id="170" name="Google Shape;170;gd04c478625_0_41:notes"/>
           <p:cNvSpPr txBox="1"/>
           <p:nvPr>
             <p:ph idx="1" type="body"/>
@@ -3509,7 +3509,7 @@
   <p:cSld>
     <p:spTree>
       <p:nvGrpSpPr>
-        <p:cNvPr id="169" name="Shape 169"/>
+        <p:cNvPr id="175" name="Shape 175"/>
         <p:cNvGrpSpPr/>
         <p:nvPr/>
       </p:nvGrpSpPr>
@@ -3523,7 +3523,7 @@
       </p:grpSpPr>
       <p:sp>
         <p:nvSpPr>
-          <p:cNvPr id="170" name="Google Shape;170;gcd8045d72a_1_14:notes"/>
+          <p:cNvPr id="176" name="Google Shape;176;gd51e87aa91_0_68:notes"/>
           <p:cNvSpPr/>
           <p:nvPr>
             <p:ph idx="2" type="sldImg"/>
@@ -3558,7 +3558,7 @@
       </p:sp>
       <p:sp>
         <p:nvSpPr>
-          <p:cNvPr id="171" name="Google Shape;171;gcd8045d72a_1_14:notes"/>
+          <p:cNvPr id="177" name="Google Shape;177;gd51e87aa91_0_68:notes"/>
           <p:cNvSpPr txBox="1"/>
           <p:nvPr>
             <p:ph idx="1" type="body"/>
@@ -3608,7 +3608,7 @@
   <p:cSld>
     <p:spTree>
       <p:nvGrpSpPr>
-        <p:cNvPr id="176" name="Shape 176"/>
+        <p:cNvPr id="182" name="Shape 182"/>
         <p:cNvGrpSpPr/>
         <p:nvPr/>
       </p:nvGrpSpPr>
@@ -3622,7 +3622,7 @@
       </p:grpSpPr>
       <p:sp>
         <p:nvSpPr>
-          <p:cNvPr id="177" name="Google Shape;177;gcd8045d72a_2_0:notes"/>
+          <p:cNvPr id="183" name="Google Shape;183;gcd8045d72a_1_0:notes"/>
           <p:cNvSpPr/>
           <p:nvPr>
             <p:ph idx="2" type="sldImg"/>
@@ -3657,7 +3657,7 @@
       </p:sp>
       <p:sp>
         <p:nvSpPr>
-          <p:cNvPr id="178" name="Google Shape;178;gcd8045d72a_2_0:notes"/>
+          <p:cNvPr id="184" name="Google Shape;184;gcd8045d72a_1_0:notes"/>
           <p:cNvSpPr txBox="1"/>
           <p:nvPr>
             <p:ph idx="1" type="body"/>
@@ -3707,7 +3707,7 @@
   <p:cSld>
     <p:spTree>
       <p:nvGrpSpPr>
-        <p:cNvPr id="183" name="Shape 183"/>
+        <p:cNvPr id="190" name="Shape 190"/>
         <p:cNvGrpSpPr/>
         <p:nvPr/>
       </p:nvGrpSpPr>
@@ -3721,7 +3721,7 @@
       </p:grpSpPr>
       <p:sp>
         <p:nvSpPr>
-          <p:cNvPr id="184" name="Google Shape;184;gd04c478625_0_36:notes"/>
+          <p:cNvPr id="191" name="Google Shape;191;gcd8045d72a_1_7:notes"/>
           <p:cNvSpPr/>
           <p:nvPr>
             <p:ph idx="2" type="sldImg"/>
@@ -3756,7 +3756,7 @@
       </p:sp>
       <p:sp>
         <p:nvSpPr>
-          <p:cNvPr id="185" name="Google Shape;185;gd04c478625_0_36:notes"/>
+          <p:cNvPr id="192" name="Google Shape;192;gcd8045d72a_1_7:notes"/>
           <p:cNvSpPr txBox="1"/>
           <p:nvPr>
             <p:ph idx="1" type="body"/>
@@ -11291,7 +11291,7 @@
     <p:sldLayoutId id="2147483657" r:id="rId10"/>
     <p:sldLayoutId id="2147483658" r:id="rId11"/>
   </p:sldLayoutIdLst>
-  <p:hf dt="0" ftr="0" hdr="0" sldNum="0"/>
+  <p:hf dt="0" ftr="0" hdr="0"/>
   <p:txStyles>
     <p:titleStyle>
       <a:defPPr lvl="0" marR="0" rtl="0" algn="l">
@@ -12011,7 +12011,7 @@
         </p:nvSpPr>
         <p:spPr>
           <a:xfrm>
-            <a:off x="3537150" y="1578400"/>
+            <a:off x="3537150" y="1324900"/>
             <a:ext cx="5017500" cy="1578900"/>
           </a:xfrm>
           <a:prstGeom prst="rect">
@@ -12020,7 +12020,7 @@
         </p:spPr>
         <p:txBody>
           <a:bodyPr anchorCtr="0" anchor="t" bIns="91425" lIns="91425" spcFirstLastPara="1" rIns="91425" wrap="square" tIns="91425">
-            <a:normAutofit/>
+            <a:normAutofit fontScale="90000"/>
           </a:bodyPr>
           <a:lstStyle/>
           <a:p>
@@ -12035,9 +12035,25 @@
             </a:pPr>
             <a:r>
               <a:rPr lang="en"/>
-              <a:t>Java Final Project</a:t>
+              <a:t>CSCI-2210-01 Java Final Project:</a:t>
             </a:r>
             <a:endParaRPr/>
+          </a:p>
+          <a:p>
+            <a:pPr indent="0" lvl="0" marL="0" rtl="0" algn="l">
+              <a:spcBef>
+                <a:spcPts val="0"/>
+              </a:spcBef>
+              <a:spcAft>
+                <a:spcPts val="0"/>
+              </a:spcAft>
+              <a:buNone/>
+            </a:pPr>
+            <a:r>
+              <a:rPr lang="en" sz="2800"/>
+              <a:t>Warehouse Management System (WMS)</a:t>
+            </a:r>
+            <a:endParaRPr sz="2800"/>
           </a:p>
         </p:txBody>
       </p:sp>
@@ -12051,8 +12067,8 @@
         </p:nvSpPr>
         <p:spPr>
           <a:xfrm>
-            <a:off x="5083950" y="3924925"/>
-            <a:ext cx="3470700" cy="506100"/>
+            <a:off x="5404925" y="3879675"/>
+            <a:ext cx="4134900" cy="506100"/>
           </a:xfrm>
           <a:prstGeom prst="rect">
             <a:avLst/>
@@ -12079,12 +12095,213 @@
             </a:pPr>
             <a:r>
               <a:rPr lang="en" sz="1202"/>
-              <a:t>Andrew Mahr, Jake Intravaia, Andrew Manfredi, Spencer Wondolowski, Antonio Lopez</a:t>
+              <a:t>Andrew Mahr - amahr1@unh.newhaven.edu</a:t>
+            </a:r>
+            <a:endParaRPr sz="1202"/>
+          </a:p>
+          <a:p>
+            <a:pPr indent="0" lvl="0" marL="0" rtl="0" algn="l">
+              <a:lnSpc>
+                <a:spcPct val="80000"/>
+              </a:lnSpc>
+              <a:spcBef>
+                <a:spcPts val="0"/>
+              </a:spcBef>
+              <a:spcAft>
+                <a:spcPts val="0"/>
+              </a:spcAft>
+              <a:buSzPts val="1018"/>
+              <a:buNone/>
+            </a:pPr>
+            <a:r>
+              <a:rPr lang="en" sz="1202"/>
+              <a:t>Jake Intravaia - jintr1@unh.newhaven.edu </a:t>
+            </a:r>
+            <a:endParaRPr sz="1202"/>
+          </a:p>
+          <a:p>
+            <a:pPr indent="0" lvl="0" marL="0" rtl="0" algn="l">
+              <a:lnSpc>
+                <a:spcPct val="80000"/>
+              </a:lnSpc>
+              <a:spcBef>
+                <a:spcPts val="0"/>
+              </a:spcBef>
+              <a:spcAft>
+                <a:spcPts val="0"/>
+              </a:spcAft>
+              <a:buSzPts val="1018"/>
+              <a:buNone/>
+            </a:pPr>
+            <a:r>
+              <a:rPr lang="en" sz="1202"/>
+              <a:t>Andrew Manfredi - amanf1@unh.newhaven.edu</a:t>
+            </a:r>
+            <a:endParaRPr sz="1202"/>
+          </a:p>
+          <a:p>
+            <a:pPr indent="0" lvl="0" marL="0" rtl="0" algn="l">
+              <a:lnSpc>
+                <a:spcPct val="80000"/>
+              </a:lnSpc>
+              <a:spcBef>
+                <a:spcPts val="0"/>
+              </a:spcBef>
+              <a:spcAft>
+                <a:spcPts val="0"/>
+              </a:spcAft>
+              <a:buSzPts val="1018"/>
+              <a:buNone/>
+            </a:pPr>
+            <a:r>
+              <a:rPr lang="en" sz="1202"/>
+              <a:t>Spencer Wondolowski - swond1@unh.newhaven.edu</a:t>
+            </a:r>
+            <a:endParaRPr sz="1202"/>
+          </a:p>
+          <a:p>
+            <a:pPr indent="0" lvl="0" marL="0" rtl="0" algn="l">
+              <a:lnSpc>
+                <a:spcPct val="80000"/>
+              </a:lnSpc>
+              <a:spcBef>
+                <a:spcPts val="0"/>
+              </a:spcBef>
+              <a:spcAft>
+                <a:spcPts val="0"/>
+              </a:spcAft>
+              <a:buSzPts val="1018"/>
+              <a:buNone/>
+            </a:pPr>
+            <a:r>
+              <a:rPr lang="en" sz="1202"/>
+              <a:t>Antonio Lopez - alope7@unh.newhaven.edu</a:t>
+            </a:r>
+            <a:endParaRPr sz="1202"/>
+          </a:p>
+          <a:p>
+            <a:pPr indent="0" lvl="0" marL="0" rtl="0" algn="l">
+              <a:lnSpc>
+                <a:spcPct val="80000"/>
+              </a:lnSpc>
+              <a:spcBef>
+                <a:spcPts val="0"/>
+              </a:spcBef>
+              <a:spcAft>
+                <a:spcPts val="0"/>
+              </a:spcAft>
+              <a:buSzPts val="1018"/>
+              <a:buNone/>
+            </a:pPr>
+            <a:r>
+              <a:t/>
+            </a:r>
+            <a:endParaRPr sz="1202"/>
+          </a:p>
+          <a:p>
+            <a:pPr indent="0" lvl="0" marL="0" rtl="0" algn="l">
+              <a:lnSpc>
+                <a:spcPct val="80000"/>
+              </a:lnSpc>
+              <a:spcBef>
+                <a:spcPts val="0"/>
+              </a:spcBef>
+              <a:spcAft>
+                <a:spcPts val="0"/>
+              </a:spcAft>
+              <a:buSzPts val="1018"/>
+              <a:buNone/>
+            </a:pPr>
+            <a:r>
+              <a:rPr lang="en" sz="1202"/>
+              <a:t>Dr. Reza Sadeghi</a:t>
             </a:r>
             <a:endParaRPr sz="1202"/>
           </a:p>
         </p:txBody>
       </p:sp>
+      <p:sp>
+        <p:nvSpPr>
+          <p:cNvPr id="136" name="Google Shape;136;p13"/>
+          <p:cNvSpPr txBox="1"/>
+          <p:nvPr>
+            <p:ph idx="12" type="sldNum"/>
+          </p:nvPr>
+        </p:nvSpPr>
+        <p:spPr>
+          <a:xfrm>
+            <a:off x="8472458" y="4663217"/>
+            <a:ext cx="548700" cy="393600"/>
+          </a:xfrm>
+          <a:prstGeom prst="rect">
+            <a:avLst/>
+          </a:prstGeom>
+        </p:spPr>
+        <p:txBody>
+          <a:bodyPr anchorCtr="0" anchor="ctr" bIns="91425" lIns="91425" spcFirstLastPara="1" rIns="91425" wrap="square" tIns="91425">
+            <a:normAutofit fontScale="85000" lnSpcReduction="20000"/>
+          </a:bodyPr>
+          <a:lstStyle/>
+          <a:p>
+            <a:pPr indent="0" lvl="0" marL="0" rtl="0" algn="r">
+              <a:spcBef>
+                <a:spcPts val="0"/>
+              </a:spcBef>
+              <a:spcAft>
+                <a:spcPts val="0"/>
+              </a:spcAft>
+              <a:buNone/>
+            </a:pPr>
+            <a:r>
+              <a:t/>
+            </a:r>
+            <a:endParaRPr/>
+          </a:p>
+          <a:p>
+            <a:pPr indent="0" lvl="0" marL="0" rtl="0" algn="r">
+              <a:spcBef>
+                <a:spcPts val="0"/>
+              </a:spcBef>
+              <a:spcAft>
+                <a:spcPts val="0"/>
+              </a:spcAft>
+              <a:buNone/>
+            </a:pPr>
+            <a:r>
+              <a:t/>
+            </a:r>
+            <a:endParaRPr/>
+          </a:p>
+        </p:txBody>
+      </p:sp>
+      <p:pic>
+        <p:nvPicPr>
+          <p:cNvPr id="137" name="Google Shape;137;p13"/>
+          <p:cNvPicPr preferRelativeResize="0"/>
+          <p:nvPr/>
+        </p:nvPicPr>
+        <p:blipFill>
+          <a:blip r:embed="rId3">
+            <a:alphaModFix/>
+          </a:blip>
+          <a:stretch>
+            <a:fillRect/>
+          </a:stretch>
+        </p:blipFill>
+        <p:spPr>
+          <a:xfrm>
+            <a:off x="709075" y="2988350"/>
+            <a:ext cx="1674875" cy="1674875"/>
+          </a:xfrm>
+          <a:prstGeom prst="rect">
+            <a:avLst/>
+          </a:prstGeom>
+          <a:noFill/>
+          <a:ln>
+            <a:noFill/>
+          </a:ln>
+        </p:spPr>
+      </p:pic>
     </p:spTree>
   </p:cSld>
   <p:clrMapOvr>
@@ -12098,7 +12315,7 @@
   <p:cSld>
     <p:spTree>
       <p:nvGrpSpPr>
-        <p:cNvPr id="193" name="Shape 193"/>
+        <p:cNvPr id="201" name="Shape 201"/>
         <p:cNvGrpSpPr/>
         <p:nvPr/>
       </p:nvGrpSpPr>
@@ -12112,7 +12329,7 @@
       </p:grpSpPr>
       <p:sp>
         <p:nvSpPr>
-          <p:cNvPr id="194" name="Google Shape;194;p22"/>
+          <p:cNvPr id="202" name="Google Shape;202;p22"/>
           <p:cNvSpPr txBox="1"/>
           <p:nvPr>
             <p:ph type="title"/>
@@ -12144,7 +12361,11 @@
             </a:pPr>
             <a:r>
               <a:rPr lang="en"/>
-              <a:t>Graphical User Interface Design</a:t>
+              <a:t>Our </a:t>
+            </a:r>
+            <a:r>
+              <a:rPr lang="en"/>
+              <a:t>Database - MySQL cont’d</a:t>
             </a:r>
             <a:endParaRPr/>
           </a:p>
@@ -12152,113 +12373,130 @@
       </p:sp>
       <p:sp>
         <p:nvSpPr>
-          <p:cNvPr id="195" name="Google Shape;195;p22"/>
+          <p:cNvPr id="203" name="Google Shape;203;p22"/>
           <p:cNvSpPr txBox="1"/>
-          <p:nvPr>
-            <p:ph idx="1" type="body"/>
-          </p:nvPr>
+          <p:nvPr/>
         </p:nvSpPr>
         <p:spPr>
           <a:xfrm>
-            <a:off x="1297500" y="1307850"/>
-            <a:ext cx="7038900" cy="3171000"/>
+            <a:off x="498875" y="1574925"/>
+            <a:ext cx="2748000" cy="2955300"/>
           </a:xfrm>
           <a:prstGeom prst="rect">
             <a:avLst/>
           </a:prstGeom>
+          <a:noFill/>
+          <a:ln>
+            <a:noFill/>
+          </a:ln>
         </p:spPr>
         <p:txBody>
           <a:bodyPr anchorCtr="0" anchor="t" bIns="91425" lIns="91425" spcFirstLastPara="1" rIns="91425" wrap="square" tIns="91425">
-            <a:noAutofit/>
+            <a:spAutoFit/>
           </a:bodyPr>
           <a:lstStyle/>
           <a:p>
-            <a:pPr indent="-323850" lvl="0" marL="457200" rtl="0" algn="l">
-              <a:spcBef>
-                <a:spcPts val="0"/>
-              </a:spcBef>
-              <a:spcAft>
-                <a:spcPts val="0"/>
-              </a:spcAft>
-              <a:buSzPts val="1500"/>
-              <a:buChar char="●"/>
+            <a:pPr indent="0" lvl="0" marL="0" rtl="0" algn="l">
+              <a:spcBef>
+                <a:spcPts val="0"/>
+              </a:spcBef>
+              <a:spcAft>
+                <a:spcPts val="0"/>
+              </a:spcAft>
+              <a:buNone/>
             </a:pPr>
             <a:r>
-              <a:rPr lang="en" sz="1500"/>
-              <a:t>For the GUI, we decided to go with a simple but intuitive design. </a:t>
+              <a:rPr lang="en" sz="1500">
+                <a:solidFill>
+                  <a:schemeClr val="lt1"/>
+                </a:solidFill>
+                <a:latin typeface="Lato"/>
+                <a:ea typeface="Lato"/>
+                <a:cs typeface="Lato"/>
+                <a:sym typeface="Lato"/>
+              </a:rPr>
+              <a:t>Our database connector houses almost all of our SQL queries, allowing us to communicate with our database and retrieve information. The class also houses multiple data verification methods - ensuring that when we ask the database for information, the information exists and doesn’t cause errors in our program.</a:t>
             </a:r>
-            <a:endParaRPr sz="1500"/>
-          </a:p>
-          <a:p>
-            <a:pPr indent="-323850" lvl="0" marL="457200" rtl="0" algn="l">
-              <a:spcBef>
-                <a:spcPts val="0"/>
-              </a:spcBef>
-              <a:spcAft>
-                <a:spcPts val="0"/>
-              </a:spcAft>
-              <a:buSzPts val="1500"/>
-              <a:buChar char="●"/>
-            </a:pPr>
-            <a:r>
-              <a:rPr lang="en" sz="1500"/>
-              <a:t>The GUI of both the Login and Sign-up page, is a modern design that was laid out with the intent to prevent confusing and/or overwhelming the user.</a:t>
-            </a:r>
-            <a:endParaRPr sz="1500"/>
-          </a:p>
-          <a:p>
-            <a:pPr indent="-323850" lvl="0" marL="457200" rtl="0" algn="l">
-              <a:spcBef>
-                <a:spcPts val="0"/>
-              </a:spcBef>
-              <a:spcAft>
-                <a:spcPts val="0"/>
-              </a:spcAft>
-              <a:buSzPts val="1500"/>
-              <a:buChar char="●"/>
-            </a:pPr>
-            <a:r>
-              <a:rPr lang="en" sz="1500"/>
-              <a:t>Each of the widgets displayed on the Login screen is labeled and designed for the ease of the user’s experience (UX).</a:t>
-            </a:r>
-            <a:endParaRPr sz="1500"/>
-          </a:p>
-          <a:p>
-            <a:pPr indent="-323850" lvl="0" marL="457200" rtl="0" algn="l">
-              <a:spcBef>
-                <a:spcPts val="0"/>
-              </a:spcBef>
-              <a:spcAft>
-                <a:spcPts val="0"/>
-              </a:spcAft>
-              <a:buSzPts val="1500"/>
-              <a:buChar char="●"/>
-            </a:pPr>
-            <a:r>
-              <a:rPr lang="en" sz="1500"/>
-              <a:t>The same is done for the Sign-up page, with the addition of the “confirm password” widget</a:t>
-            </a:r>
-            <a:endParaRPr sz="1500"/>
-          </a:p>
-          <a:p>
-            <a:pPr indent="-323850" lvl="0" marL="457200" rtl="0" algn="l">
-              <a:spcBef>
-                <a:spcPts val="0"/>
-              </a:spcBef>
-              <a:spcAft>
-                <a:spcPts val="0"/>
-              </a:spcAft>
-              <a:buSzPts val="1500"/>
-              <a:buChar char="●"/>
-            </a:pPr>
-            <a:r>
-              <a:rPr lang="en" sz="1500"/>
-              <a:t>The widgets used to either login or sign-up are within a rounded box with a different color styling than the rest of the widgets, which is done to show the user that those are the main interactive widgets for the respective screen.</a:t>
-            </a:r>
-            <a:endParaRPr sz="1500"/>
+            <a:endParaRPr sz="1500">
+              <a:solidFill>
+                <a:schemeClr val="lt1"/>
+              </a:solidFill>
+              <a:latin typeface="Lato"/>
+              <a:ea typeface="Lato"/>
+              <a:cs typeface="Lato"/>
+              <a:sym typeface="Lato"/>
+            </a:endParaRPr>
           </a:p>
         </p:txBody>
       </p:sp>
+      <p:sp>
+        <p:nvSpPr>
+          <p:cNvPr id="204" name="Google Shape;204;p22"/>
+          <p:cNvSpPr txBox="1"/>
+          <p:nvPr>
+            <p:ph idx="12" type="sldNum"/>
+          </p:nvPr>
+        </p:nvSpPr>
+        <p:spPr>
+          <a:xfrm>
+            <a:off x="8472458" y="4663217"/>
+            <a:ext cx="548700" cy="393600"/>
+          </a:xfrm>
+          <a:prstGeom prst="rect">
+            <a:avLst/>
+          </a:prstGeom>
+        </p:spPr>
+        <p:txBody>
+          <a:bodyPr anchorCtr="0" anchor="ctr" bIns="91425" lIns="91425" spcFirstLastPara="1" rIns="91425" wrap="square" tIns="91425">
+            <a:normAutofit/>
+          </a:bodyPr>
+          <a:lstStyle/>
+          <a:p>
+            <a:pPr indent="0" lvl="0" marL="0" rtl="0" algn="r">
+              <a:spcBef>
+                <a:spcPts val="0"/>
+              </a:spcBef>
+              <a:spcAft>
+                <a:spcPts val="0"/>
+              </a:spcAft>
+              <a:buNone/>
+            </a:pPr>
+            <a:fld id="{00000000-1234-1234-1234-123412341234}" type="slidenum">
+              <a:rPr lang="en"/>
+              <a:t>‹#›</a:t>
+            </a:fld>
+            <a:endParaRPr/>
+          </a:p>
+        </p:txBody>
+      </p:sp>
+      <p:pic>
+        <p:nvPicPr>
+          <p:cNvPr id="205" name="Google Shape;205;p22"/>
+          <p:cNvPicPr preferRelativeResize="0"/>
+          <p:nvPr/>
+        </p:nvPicPr>
+        <p:blipFill>
+          <a:blip r:embed="rId3">
+            <a:alphaModFix/>
+          </a:blip>
+          <a:stretch>
+            <a:fillRect/>
+          </a:stretch>
+        </p:blipFill>
+        <p:spPr>
+          <a:xfrm>
+            <a:off x="3376075" y="2035525"/>
+            <a:ext cx="5592324" cy="2034093"/>
+          </a:xfrm>
+          <a:prstGeom prst="rect">
+            <a:avLst/>
+          </a:prstGeom>
+          <a:noFill/>
+          <a:ln>
+            <a:noFill/>
+          </a:ln>
+        </p:spPr>
+      </p:pic>
     </p:spTree>
   </p:cSld>
   <p:clrMapOvr>
@@ -12272,7 +12510,7 @@
   <p:cSld>
     <p:spTree>
       <p:nvGrpSpPr>
-        <p:cNvPr id="199" name="Shape 199"/>
+        <p:cNvPr id="209" name="Shape 209"/>
         <p:cNvGrpSpPr/>
         <p:nvPr/>
       </p:nvGrpSpPr>
@@ -12286,7 +12524,7 @@
       </p:grpSpPr>
       <p:sp>
         <p:nvSpPr>
-          <p:cNvPr id="200" name="Google Shape;200;p23"/>
+          <p:cNvPr id="210" name="Google Shape;210;p23"/>
           <p:cNvSpPr txBox="1"/>
           <p:nvPr>
             <p:ph type="title"/>
@@ -12318,7 +12556,7 @@
             </a:pPr>
             <a:r>
               <a:rPr lang="en"/>
-              <a:t>Graphical User Interface Design Cont.</a:t>
+              <a:t>Dynamic Table View</a:t>
             </a:r>
             <a:endParaRPr/>
           </a:p>
@@ -12326,7 +12564,7 @@
       </p:sp>
       <p:sp>
         <p:nvSpPr>
-          <p:cNvPr id="201" name="Google Shape;201;p23"/>
+          <p:cNvPr id="211" name="Google Shape;211;p23"/>
           <p:cNvSpPr txBox="1"/>
           <p:nvPr>
             <p:ph idx="1" type="body"/>
@@ -12334,8 +12572,8 @@
         </p:nvSpPr>
         <p:spPr>
           <a:xfrm>
-            <a:off x="1297500" y="1307850"/>
-            <a:ext cx="7038900" cy="3171000"/>
+            <a:off x="1297500" y="1415150"/>
+            <a:ext cx="3519600" cy="2911200"/>
           </a:xfrm>
           <a:prstGeom prst="rect">
             <a:avLst/>
@@ -12347,104 +12585,96 @@
           </a:bodyPr>
           <a:lstStyle/>
           <a:p>
-            <a:pPr indent="-323850" lvl="0" marL="457200" rtl="0" algn="l">
-              <a:lnSpc>
-                <a:spcPct val="105000"/>
-              </a:lnSpc>
-              <a:spcBef>
-                <a:spcPts val="0"/>
-              </a:spcBef>
-              <a:spcAft>
-                <a:spcPts val="0"/>
-              </a:spcAft>
-              <a:buSzPts val="1500"/>
-              <a:buChar char="●"/>
+            <a:pPr indent="0" lvl="0" marL="0" rtl="0" algn="l">
+              <a:spcBef>
+                <a:spcPts val="0"/>
+              </a:spcBef>
+              <a:spcAft>
+                <a:spcPts val="1200"/>
+              </a:spcAft>
+              <a:buNone/>
             </a:pPr>
             <a:r>
-              <a:rPr lang="en" sz="1500"/>
-              <a:t>As for the dashboard of the application, we kept the same familiar color styling to show continuity between the screens of the application.</a:t>
+              <a:rPr lang="en" sz="1600"/>
+              <a:t>Our DynamicTableView class was used to structure and display data to the user via the GUI. It works by first issuing a query, placing the captured data into an object array and finally placing each individual object into a row in our table. We decided to </a:t>
             </a:r>
-            <a:endParaRPr sz="1500"/>
+            <a:r>
+              <a:rPr lang="en" sz="1600"/>
+              <a:t>separate</a:t>
+            </a:r>
+            <a:r>
+              <a:rPr lang="en" sz="1600"/>
+              <a:t> table building into its own class for ease of access, organization and functionality.</a:t>
+            </a:r>
+            <a:endParaRPr sz="1600"/>
           </a:p>
+        </p:txBody>
+      </p:sp>
+      <p:pic>
+        <p:nvPicPr>
+          <p:cNvPr id="212" name="Google Shape;212;p23"/>
+          <p:cNvPicPr preferRelativeResize="0"/>
+          <p:nvPr/>
+        </p:nvPicPr>
+        <p:blipFill>
+          <a:blip r:embed="rId3">
+            <a:alphaModFix/>
+          </a:blip>
+          <a:stretch>
+            <a:fillRect/>
+          </a:stretch>
+        </p:blipFill>
+        <p:spPr>
+          <a:xfrm>
+            <a:off x="5152026" y="822325"/>
+            <a:ext cx="3625225" cy="3799774"/>
+          </a:xfrm>
+          <a:prstGeom prst="rect">
+            <a:avLst/>
+          </a:prstGeom>
+          <a:noFill/>
+          <a:ln>
+            <a:noFill/>
+          </a:ln>
+        </p:spPr>
+      </p:pic>
+      <p:sp>
+        <p:nvSpPr>
+          <p:cNvPr id="213" name="Google Shape;213;p23"/>
+          <p:cNvSpPr txBox="1"/>
+          <p:nvPr>
+            <p:ph idx="12" type="sldNum"/>
+          </p:nvPr>
+        </p:nvSpPr>
+        <p:spPr>
+          <a:xfrm>
+            <a:off x="8472458" y="4663217"/>
+            <a:ext cx="548700" cy="393600"/>
+          </a:xfrm>
+          <a:prstGeom prst="rect">
+            <a:avLst/>
+          </a:prstGeom>
+        </p:spPr>
+        <p:txBody>
+          <a:bodyPr anchorCtr="0" anchor="ctr" bIns="91425" lIns="91425" spcFirstLastPara="1" rIns="91425" wrap="square" tIns="91425">
+            <a:normAutofit/>
+          </a:bodyPr>
+          <a:lstStyle/>
           <a:p>
-            <a:pPr indent="-323850" lvl="0" marL="457200" rtl="0" algn="l">
-              <a:lnSpc>
-                <a:spcPct val="105000"/>
-              </a:lnSpc>
-              <a:spcBef>
-                <a:spcPts val="0"/>
-              </a:spcBef>
-              <a:spcAft>
-                <a:spcPts val="0"/>
-              </a:spcAft>
-              <a:buSzPts val="1500"/>
-              <a:buChar char="●"/>
+            <a:pPr indent="0" lvl="0" marL="0" rtl="0" algn="r">
+              <a:spcBef>
+                <a:spcPts val="0"/>
+              </a:spcBef>
+              <a:spcAft>
+                <a:spcPts val="0"/>
+              </a:spcAft>
+              <a:buNone/>
             </a:pPr>
-            <a:r>
-              <a:rPr lang="en" sz="1500"/>
-              <a:t>For the dashboard, we we utilized the JavaFX frame known as a border pane, which allows us to keep our screen uniform and clean.</a:t>
-            </a:r>
-            <a:endParaRPr sz="1500"/>
-          </a:p>
-          <a:p>
-            <a:pPr indent="-323850" lvl="0" marL="457200" rtl="0" algn="l">
-              <a:lnSpc>
-                <a:spcPct val="105000"/>
-              </a:lnSpc>
-              <a:spcBef>
-                <a:spcPts val="0"/>
-              </a:spcBef>
-              <a:spcAft>
-                <a:spcPts val="0"/>
-              </a:spcAft>
-              <a:buSzPts val="1500"/>
-              <a:buChar char="●"/>
-            </a:pPr>
-            <a:r>
-              <a:rPr lang="en" sz="1500"/>
-              <a:t>On the left-hand side of the screen, we have the list of functions that a typical user may utilize, such as a buttons to add and delete items from the database.</a:t>
-            </a:r>
-            <a:endParaRPr sz="1500"/>
-          </a:p>
-          <a:p>
-            <a:pPr indent="-323850" lvl="0" marL="457200" rtl="0" algn="l">
-              <a:lnSpc>
-                <a:spcPct val="105000"/>
-              </a:lnSpc>
-              <a:spcBef>
-                <a:spcPts val="0"/>
-              </a:spcBef>
-              <a:spcAft>
-                <a:spcPts val="0"/>
-              </a:spcAft>
-              <a:buSzPts val="1500"/>
-              <a:buChar char="●"/>
-            </a:pPr>
-            <a:r>
-              <a:rPr lang="en" sz="1500"/>
-              <a:t>On the right-handed portion of the screen, we have a table that displays the items when queries are run.</a:t>
-            </a:r>
-            <a:endParaRPr sz="1500"/>
-          </a:p>
-          <a:p>
-            <a:pPr indent="-323850" lvl="0" marL="457200" rtl="0" algn="l">
-              <a:lnSpc>
-                <a:spcPct val="105000"/>
-              </a:lnSpc>
-              <a:spcBef>
-                <a:spcPts val="0"/>
-              </a:spcBef>
-              <a:spcAft>
-                <a:spcPts val="0"/>
-              </a:spcAft>
-              <a:buSzPts val="1500"/>
-              <a:buChar char="●"/>
-            </a:pPr>
-            <a:r>
-              <a:rPr lang="en" sz="1500"/>
-              <a:t>The item display is naturally a different color than the rest of the screen to help the user easily differentiate between the menu and the important displayed information.</a:t>
-            </a:r>
-            <a:endParaRPr sz="1500"/>
+            <a:fld id="{00000000-1234-1234-1234-123412341234}" type="slidenum">
+              <a:rPr lang="en"/>
+              <a:t>‹#›</a:t>
+            </a:fld>
+            <a:endParaRPr/>
           </a:p>
         </p:txBody>
       </p:sp>
@@ -12461,7 +12691,7 @@
   <p:cSld>
     <p:spTree>
       <p:nvGrpSpPr>
-        <p:cNvPr id="205" name="Shape 205"/>
+        <p:cNvPr id="217" name="Shape 217"/>
         <p:cNvGrpSpPr/>
         <p:nvPr/>
       </p:nvGrpSpPr>
@@ -12475,7 +12705,7 @@
       </p:grpSpPr>
       <p:sp>
         <p:nvSpPr>
-          <p:cNvPr id="206" name="Google Shape;206;p24"/>
+          <p:cNvPr id="218" name="Google Shape;218;p24"/>
           <p:cNvSpPr txBox="1"/>
           <p:nvPr>
             <p:ph type="title"/>
@@ -12507,7 +12737,7 @@
             </a:pPr>
             <a:r>
               <a:rPr lang="en"/>
-              <a:t>System outline</a:t>
+              <a:t>Our System outline</a:t>
             </a:r>
             <a:endParaRPr/>
           </a:p>
@@ -12515,7 +12745,7 @@
       </p:sp>
       <p:sp>
         <p:nvSpPr>
-          <p:cNvPr id="207" name="Google Shape;207;p24"/>
+          <p:cNvPr id="219" name="Google Shape;219;p24"/>
           <p:cNvSpPr txBox="1"/>
           <p:nvPr>
             <p:ph idx="1" type="body"/>
@@ -12532,7 +12762,7 @@
         </p:spPr>
         <p:txBody>
           <a:bodyPr anchorCtr="0" anchor="t" bIns="91425" lIns="91425" spcFirstLastPara="1" rIns="91425" wrap="square" tIns="91425">
-            <a:normAutofit/>
+            <a:normAutofit lnSpcReduction="10000"/>
           </a:bodyPr>
           <a:lstStyle/>
           <a:p>
@@ -12547,7 +12777,15 @@
             </a:pPr>
             <a:r>
               <a:rPr lang="en" sz="1900"/>
-              <a:t>The WMS is composed of several </a:t>
+              <a:t>The </a:t>
+            </a:r>
+            <a:r>
+              <a:rPr lang="en" sz="1900"/>
+              <a:t>Warehouse Management System</a:t>
+            </a:r>
+            <a:r>
+              <a:rPr lang="en" sz="1900"/>
+              <a:t> is composed of several </a:t>
             </a:r>
             <a:r>
               <a:rPr lang="en" sz="1900"/>
@@ -12568,7 +12806,7 @@
                 <a:spcPts val="0"/>
               </a:spcAft>
               <a:buSzPts val="1900"/>
-              <a:buChar char="-"/>
+              <a:buChar char="●"/>
             </a:pPr>
             <a:r>
               <a:rPr lang="en" sz="1900"/>
@@ -12585,7 +12823,7 @@
                 <a:spcPts val="0"/>
               </a:spcAft>
               <a:buSzPts val="1900"/>
-              <a:buChar char="-"/>
+              <a:buChar char="●"/>
             </a:pPr>
             <a:r>
               <a:rPr lang="en" sz="1900"/>
@@ -12606,7 +12844,7 @@
                 <a:spcPts val="0"/>
               </a:spcAft>
               <a:buSzPts val="1900"/>
-              <a:buChar char="-"/>
+              <a:buChar char="●"/>
             </a:pPr>
             <a:r>
               <a:rPr lang="en" sz="1900"/>
@@ -12623,7 +12861,7 @@
                 <a:spcPts val="0"/>
               </a:spcAft>
               <a:buSzPts val="1900"/>
-              <a:buChar char="-"/>
+              <a:buChar char="●"/>
             </a:pPr>
             <a:r>
               <a:rPr lang="en" sz="1900"/>
@@ -12640,7 +12878,7 @@
                 <a:spcPts val="0"/>
               </a:spcAft>
               <a:buSzPts val="1900"/>
-              <a:buChar char="-"/>
+              <a:buChar char="●"/>
             </a:pPr>
             <a:r>
               <a:rPr lang="en" sz="1900"/>
@@ -12657,13 +12895,53 @@
                 <a:spcPts val="0"/>
               </a:spcAft>
               <a:buSzPts val="1900"/>
-              <a:buChar char="-"/>
+              <a:buChar char="●"/>
             </a:pPr>
             <a:r>
               <a:rPr lang="en" sz="1900"/>
               <a:t>User Dashboard</a:t>
             </a:r>
             <a:endParaRPr sz="1900"/>
+          </a:p>
+        </p:txBody>
+      </p:sp>
+      <p:sp>
+        <p:nvSpPr>
+          <p:cNvPr id="220" name="Google Shape;220;p24"/>
+          <p:cNvSpPr txBox="1"/>
+          <p:nvPr>
+            <p:ph idx="12" type="sldNum"/>
+          </p:nvPr>
+        </p:nvSpPr>
+        <p:spPr>
+          <a:xfrm>
+            <a:off x="8472458" y="4663217"/>
+            <a:ext cx="548700" cy="393600"/>
+          </a:xfrm>
+          <a:prstGeom prst="rect">
+            <a:avLst/>
+          </a:prstGeom>
+        </p:spPr>
+        <p:txBody>
+          <a:bodyPr anchorCtr="0" anchor="ctr" bIns="91425" lIns="91425" spcFirstLastPara="1" rIns="91425" wrap="square" tIns="91425">
+            <a:normAutofit/>
+          </a:bodyPr>
+          <a:lstStyle/>
+          <a:p>
+            <a:pPr indent="0" lvl="0" marL="0" rtl="0" algn="r">
+              <a:spcBef>
+                <a:spcPts val="0"/>
+              </a:spcBef>
+              <a:spcAft>
+                <a:spcPts val="0"/>
+              </a:spcAft>
+              <a:buNone/>
+            </a:pPr>
+            <a:fld id="{00000000-1234-1234-1234-123412341234}" type="slidenum">
+              <a:rPr lang="en"/>
+              <a:t>‹#›</a:t>
+            </a:fld>
+            <a:endParaRPr/>
           </a:p>
         </p:txBody>
       </p:sp>
@@ -12680,7 +12958,7 @@
   <p:cSld>
     <p:spTree>
       <p:nvGrpSpPr>
-        <p:cNvPr id="211" name="Shape 211"/>
+        <p:cNvPr id="224" name="Shape 224"/>
         <p:cNvGrpSpPr/>
         <p:nvPr/>
       </p:nvGrpSpPr>
@@ -12694,7 +12972,7 @@
       </p:grpSpPr>
       <p:sp>
         <p:nvSpPr>
-          <p:cNvPr id="212" name="Google Shape;212;p25"/>
+          <p:cNvPr id="225" name="Google Shape;225;p25"/>
           <p:cNvSpPr txBox="1"/>
           <p:nvPr>
             <p:ph type="title"/>
@@ -12734,7 +13012,7 @@
       </p:sp>
       <p:pic>
         <p:nvPicPr>
-          <p:cNvPr id="213" name="Google Shape;213;p25"/>
+          <p:cNvPr id="226" name="Google Shape;226;p25"/>
           <p:cNvPicPr preferRelativeResize="0"/>
           <p:nvPr/>
         </p:nvPicPr>
@@ -12762,7 +13040,7 @@
       </p:pic>
       <p:sp>
         <p:nvSpPr>
-          <p:cNvPr id="214" name="Google Shape;214;p25"/>
+          <p:cNvPr id="227" name="Google Shape;227;p25"/>
           <p:cNvSpPr txBox="1"/>
           <p:nvPr/>
         </p:nvSpPr>
@@ -12823,7 +13101,7 @@
       </p:sp>
       <p:pic>
         <p:nvPicPr>
-          <p:cNvPr id="215" name="Google Shape;215;p25"/>
+          <p:cNvPr id="228" name="Google Shape;228;p25"/>
           <p:cNvPicPr preferRelativeResize="0"/>
           <p:nvPr/>
         </p:nvPicPr>
@@ -12849,6 +13127,46 @@
           </a:ln>
         </p:spPr>
       </p:pic>
+      <p:sp>
+        <p:nvSpPr>
+          <p:cNvPr id="229" name="Google Shape;229;p25"/>
+          <p:cNvSpPr txBox="1"/>
+          <p:nvPr>
+            <p:ph idx="12" type="sldNum"/>
+          </p:nvPr>
+        </p:nvSpPr>
+        <p:spPr>
+          <a:xfrm>
+            <a:off x="8472458" y="4663217"/>
+            <a:ext cx="548700" cy="393600"/>
+          </a:xfrm>
+          <a:prstGeom prst="rect">
+            <a:avLst/>
+          </a:prstGeom>
+        </p:spPr>
+        <p:txBody>
+          <a:bodyPr anchorCtr="0" anchor="ctr" bIns="91425" lIns="91425" spcFirstLastPara="1" rIns="91425" wrap="square" tIns="91425">
+            <a:normAutofit/>
+          </a:bodyPr>
+          <a:lstStyle/>
+          <a:p>
+            <a:pPr indent="0" lvl="0" marL="0" rtl="0" algn="r">
+              <a:spcBef>
+                <a:spcPts val="0"/>
+              </a:spcBef>
+              <a:spcAft>
+                <a:spcPts val="0"/>
+              </a:spcAft>
+              <a:buNone/>
+            </a:pPr>
+            <a:fld id="{00000000-1234-1234-1234-123412341234}" type="slidenum">
+              <a:rPr lang="en"/>
+              <a:t>‹#›</a:t>
+            </a:fld>
+            <a:endParaRPr/>
+          </a:p>
+        </p:txBody>
+      </p:sp>
     </p:spTree>
   </p:cSld>
   <p:clrMapOvr>
@@ -12862,7 +13180,7 @@
   <p:cSld>
     <p:spTree>
       <p:nvGrpSpPr>
-        <p:cNvPr id="219" name="Shape 219"/>
+        <p:cNvPr id="233" name="Shape 233"/>
         <p:cNvGrpSpPr/>
         <p:nvPr/>
       </p:nvGrpSpPr>
@@ -12876,7 +13194,7 @@
       </p:grpSpPr>
       <p:sp>
         <p:nvSpPr>
-          <p:cNvPr id="220" name="Google Shape;220;p26"/>
+          <p:cNvPr id="234" name="Google Shape;234;p26"/>
           <p:cNvSpPr txBox="1"/>
           <p:nvPr>
             <p:ph type="title"/>
@@ -12916,7 +13234,7 @@
       </p:sp>
       <p:sp>
         <p:nvSpPr>
-          <p:cNvPr id="221" name="Google Shape;221;p26"/>
+          <p:cNvPr id="235" name="Google Shape;235;p26"/>
           <p:cNvSpPr txBox="1"/>
           <p:nvPr>
             <p:ph idx="1" type="body"/>
@@ -12924,8 +13242,8 @@
         </p:nvSpPr>
         <p:spPr>
           <a:xfrm>
-            <a:off x="1297500" y="1567550"/>
-            <a:ext cx="3523500" cy="2911200"/>
+            <a:off x="771525" y="1491350"/>
+            <a:ext cx="4049400" cy="2911200"/>
           </a:xfrm>
           <a:prstGeom prst="rect">
             <a:avLst/>
@@ -12947,28 +13265,28 @@
               <a:buNone/>
             </a:pPr>
             <a:r>
-              <a:rPr lang="en"/>
+              <a:rPr lang="en" sz="1600"/>
               <a:t>The </a:t>
             </a:r>
             <a:r>
-              <a:rPr lang="en"/>
+              <a:rPr lang="en" sz="1600"/>
               <a:t>loading</a:t>
             </a:r>
             <a:r>
-              <a:rPr lang="en"/>
+              <a:rPr lang="en" sz="1600"/>
               <a:t> page for the WMS was again designed in scene builder, </a:t>
             </a:r>
             <a:r>
-              <a:rPr lang="en"/>
+              <a:rPr lang="en" sz="1600"/>
               <a:t>both GIFs used were designed and animated by our team. The box was animated and rendered in Blender, an open source 3d modeling software. The loading text was animated and rendered in Adobe After Effects 2021.</a:t>
             </a:r>
-            <a:endParaRPr/>
+            <a:endParaRPr sz="1600"/>
           </a:p>
         </p:txBody>
       </p:sp>
       <p:pic>
         <p:nvPicPr>
-          <p:cNvPr id="222" name="Google Shape;222;p26"/>
+          <p:cNvPr id="236" name="Google Shape;236;p26"/>
           <p:cNvPicPr preferRelativeResize="0"/>
           <p:nvPr/>
         </p:nvPicPr>
@@ -12996,7 +13314,7 @@
       </p:pic>
       <p:pic>
         <p:nvPicPr>
-          <p:cNvPr id="223" name="Google Shape;223;p26"/>
+          <p:cNvPr id="237" name="Google Shape;237;p26"/>
           <p:cNvPicPr preferRelativeResize="0"/>
           <p:nvPr/>
         </p:nvPicPr>
@@ -13010,7 +13328,7 @@
         </p:blipFill>
         <p:spPr>
           <a:xfrm>
-            <a:off x="4973400" y="3172826"/>
+            <a:off x="4973400" y="3325226"/>
             <a:ext cx="1818274" cy="1818274"/>
           </a:xfrm>
           <a:prstGeom prst="rect">
@@ -13024,7 +13342,7 @@
       </p:pic>
       <p:pic>
         <p:nvPicPr>
-          <p:cNvPr id="224" name="Google Shape;224;p26"/>
+          <p:cNvPr id="238" name="Google Shape;238;p26"/>
           <p:cNvPicPr preferRelativeResize="0"/>
           <p:nvPr/>
         </p:nvPicPr>
@@ -13038,7 +13356,7 @@
         </p:blipFill>
         <p:spPr>
           <a:xfrm>
-            <a:off x="6791674" y="3843826"/>
+            <a:off x="6791674" y="3996226"/>
             <a:ext cx="1905000" cy="476250"/>
           </a:xfrm>
           <a:prstGeom prst="rect">
@@ -13052,7 +13370,7 @@
       </p:pic>
       <p:pic>
         <p:nvPicPr>
-          <p:cNvPr id="225" name="Google Shape;225;p26"/>
+          <p:cNvPr id="239" name="Google Shape;239;p26"/>
           <p:cNvPicPr preferRelativeResize="0"/>
           <p:nvPr/>
         </p:nvPicPr>
@@ -13066,7 +13384,7 @@
         </p:blipFill>
         <p:spPr>
           <a:xfrm>
-            <a:off x="3666832" y="3583959"/>
+            <a:off x="3666832" y="3736359"/>
             <a:ext cx="1217068" cy="996000"/>
           </a:xfrm>
           <a:prstGeom prst="rect">
@@ -13080,7 +13398,7 @@
       </p:pic>
       <p:pic>
         <p:nvPicPr>
-          <p:cNvPr id="226" name="Google Shape;226;p26"/>
+          <p:cNvPr id="240" name="Google Shape;240;p26"/>
           <p:cNvPicPr preferRelativeResize="0"/>
           <p:nvPr/>
         </p:nvPicPr>
@@ -13094,7 +13412,7 @@
         </p:blipFill>
         <p:spPr>
           <a:xfrm>
-            <a:off x="2264142" y="3661575"/>
+            <a:off x="2264142" y="3813975"/>
             <a:ext cx="1021557" cy="996001"/>
           </a:xfrm>
           <a:prstGeom prst="rect">
@@ -13106,6 +13424,46 @@
           </a:ln>
         </p:spPr>
       </p:pic>
+      <p:sp>
+        <p:nvSpPr>
+          <p:cNvPr id="241" name="Google Shape;241;p26"/>
+          <p:cNvSpPr txBox="1"/>
+          <p:nvPr>
+            <p:ph idx="12" type="sldNum"/>
+          </p:nvPr>
+        </p:nvSpPr>
+        <p:spPr>
+          <a:xfrm>
+            <a:off x="8472458" y="4663217"/>
+            <a:ext cx="548700" cy="393600"/>
+          </a:xfrm>
+          <a:prstGeom prst="rect">
+            <a:avLst/>
+          </a:prstGeom>
+        </p:spPr>
+        <p:txBody>
+          <a:bodyPr anchorCtr="0" anchor="ctr" bIns="91425" lIns="91425" spcFirstLastPara="1" rIns="91425" wrap="square" tIns="91425">
+            <a:normAutofit/>
+          </a:bodyPr>
+          <a:lstStyle/>
+          <a:p>
+            <a:pPr indent="0" lvl="0" marL="0" rtl="0" algn="r">
+              <a:spcBef>
+                <a:spcPts val="0"/>
+              </a:spcBef>
+              <a:spcAft>
+                <a:spcPts val="0"/>
+              </a:spcAft>
+              <a:buNone/>
+            </a:pPr>
+            <a:fld id="{00000000-1234-1234-1234-123412341234}" type="slidenum">
+              <a:rPr lang="en"/>
+              <a:t>‹#›</a:t>
+            </a:fld>
+            <a:endParaRPr/>
+          </a:p>
+        </p:txBody>
+      </p:sp>
     </p:spTree>
   </p:cSld>
   <p:clrMapOvr>
@@ -13119,7 +13477,7 @@
   <p:cSld>
     <p:spTree>
       <p:nvGrpSpPr>
-        <p:cNvPr id="230" name="Shape 230"/>
+        <p:cNvPr id="245" name="Shape 245"/>
         <p:cNvGrpSpPr/>
         <p:nvPr/>
       </p:nvGrpSpPr>
@@ -13133,7 +13491,7 @@
       </p:grpSpPr>
       <p:sp>
         <p:nvSpPr>
-          <p:cNvPr id="231" name="Google Shape;231;p27"/>
+          <p:cNvPr id="246" name="Google Shape;246;p27"/>
           <p:cNvSpPr txBox="1"/>
           <p:nvPr>
             <p:ph type="title"/>
@@ -13173,63 +13531,14 @@
       </p:sp>
       <p:sp>
         <p:nvSpPr>
-          <p:cNvPr id="232" name="Google Shape;232;p27"/>
+          <p:cNvPr id="247" name="Google Shape;247;p27"/>
           <p:cNvSpPr txBox="1"/>
           <p:nvPr/>
         </p:nvSpPr>
         <p:spPr>
           <a:xfrm>
-            <a:off x="1205275" y="1558400"/>
-            <a:ext cx="4422000" cy="400200"/>
-          </a:xfrm>
-          <a:prstGeom prst="rect">
-            <a:avLst/>
-          </a:prstGeom>
-          <a:noFill/>
-          <a:ln>
-            <a:noFill/>
-          </a:ln>
-        </p:spPr>
-        <p:txBody>
-          <a:bodyPr anchorCtr="0" anchor="t" bIns="91425" lIns="91425" spcFirstLastPara="1" rIns="91425" wrap="square" tIns="91425">
-            <a:spAutoFit/>
-          </a:bodyPr>
-          <a:lstStyle/>
-          <a:p>
-            <a:pPr indent="0" lvl="0" marL="0" rtl="0" algn="l">
-              <a:spcBef>
-                <a:spcPts val="0"/>
-              </a:spcBef>
-              <a:spcAft>
-                <a:spcPts val="0"/>
-              </a:spcAft>
-              <a:buNone/>
-            </a:pPr>
-            <a:r>
-              <a:t/>
-            </a:r>
-            <a:endParaRPr>
-              <a:solidFill>
-                <a:schemeClr val="lt1"/>
-              </a:solidFill>
-              <a:latin typeface="Lato"/>
-              <a:ea typeface="Lato"/>
-              <a:cs typeface="Lato"/>
-              <a:sym typeface="Lato"/>
-            </a:endParaRPr>
-          </a:p>
-        </p:txBody>
-      </p:sp>
-      <p:sp>
-        <p:nvSpPr>
-          <p:cNvPr id="233" name="Google Shape;233;p27"/>
-          <p:cNvSpPr txBox="1"/>
-          <p:nvPr/>
-        </p:nvSpPr>
-        <p:spPr>
-          <a:xfrm>
-            <a:off x="1297500" y="2011088"/>
-            <a:ext cx="3001800" cy="1639200"/>
+            <a:off x="1233200" y="1462213"/>
+            <a:ext cx="3001800" cy="2831400"/>
           </a:xfrm>
           <a:prstGeom prst="rect">
             <a:avLst/>
@@ -13258,7 +13567,7 @@
               <a:buNone/>
             </a:pPr>
             <a:r>
-              <a:rPr lang="en">
+              <a:rPr lang="en" sz="1900">
                 <a:solidFill>
                   <a:schemeClr val="lt1"/>
                 </a:solidFill>
@@ -13269,7 +13578,7 @@
               </a:rPr>
               <a:t>The login page was designed in SceneBuilder - a program designed to enhance the workflow of creating JavaFX based applications. The page was designed via drag and drop functionality. </a:t>
             </a:r>
-            <a:endParaRPr>
+            <a:endParaRPr sz="1900">
               <a:solidFill>
                 <a:schemeClr val="lt1"/>
               </a:solidFill>
@@ -13283,7 +13592,7 @@
       </p:sp>
       <p:pic>
         <p:nvPicPr>
-          <p:cNvPr id="234" name="Google Shape;234;p27"/>
+          <p:cNvPr id="248" name="Google Shape;248;p27"/>
           <p:cNvPicPr preferRelativeResize="0"/>
           <p:nvPr/>
         </p:nvPicPr>
@@ -13297,7 +13606,7 @@
         </p:blipFill>
         <p:spPr>
           <a:xfrm>
-            <a:off x="4614125" y="1131700"/>
+            <a:off x="4614125" y="1360300"/>
             <a:ext cx="4042798" cy="2880099"/>
           </a:xfrm>
           <a:prstGeom prst="rect">
@@ -13309,6 +13618,46 @@
           </a:ln>
         </p:spPr>
       </p:pic>
+      <p:sp>
+        <p:nvSpPr>
+          <p:cNvPr id="249" name="Google Shape;249;p27"/>
+          <p:cNvSpPr txBox="1"/>
+          <p:nvPr>
+            <p:ph idx="12" type="sldNum"/>
+          </p:nvPr>
+        </p:nvSpPr>
+        <p:spPr>
+          <a:xfrm>
+            <a:off x="8472458" y="4663217"/>
+            <a:ext cx="548700" cy="393600"/>
+          </a:xfrm>
+          <a:prstGeom prst="rect">
+            <a:avLst/>
+          </a:prstGeom>
+        </p:spPr>
+        <p:txBody>
+          <a:bodyPr anchorCtr="0" anchor="ctr" bIns="91425" lIns="91425" spcFirstLastPara="1" rIns="91425" wrap="square" tIns="91425">
+            <a:normAutofit/>
+          </a:bodyPr>
+          <a:lstStyle/>
+          <a:p>
+            <a:pPr indent="0" lvl="0" marL="0" rtl="0" algn="r">
+              <a:spcBef>
+                <a:spcPts val="0"/>
+              </a:spcBef>
+              <a:spcAft>
+                <a:spcPts val="0"/>
+              </a:spcAft>
+              <a:buNone/>
+            </a:pPr>
+            <a:fld id="{00000000-1234-1234-1234-123412341234}" type="slidenum">
+              <a:rPr lang="en"/>
+              <a:t>‹#›</a:t>
+            </a:fld>
+            <a:endParaRPr/>
+          </a:p>
+        </p:txBody>
+      </p:sp>
     </p:spTree>
   </p:cSld>
   <p:clrMapOvr>
@@ -13322,7 +13671,7 @@
   <p:cSld>
     <p:spTree>
       <p:nvGrpSpPr>
-        <p:cNvPr id="238" name="Shape 238"/>
+        <p:cNvPr id="253" name="Shape 253"/>
         <p:cNvGrpSpPr/>
         <p:nvPr/>
       </p:nvGrpSpPr>
@@ -13336,7 +13685,7 @@
       </p:grpSpPr>
       <p:sp>
         <p:nvSpPr>
-          <p:cNvPr id="239" name="Google Shape;239;p28"/>
+          <p:cNvPr id="254" name="Google Shape;254;p28"/>
           <p:cNvSpPr txBox="1"/>
           <p:nvPr>
             <p:ph type="title"/>
@@ -13380,7 +13729,7 @@
       </p:sp>
       <p:pic>
         <p:nvPicPr>
-          <p:cNvPr id="240" name="Google Shape;240;p28"/>
+          <p:cNvPr id="255" name="Google Shape;255;p28"/>
           <p:cNvPicPr preferRelativeResize="0"/>
           <p:nvPr/>
         </p:nvPicPr>
@@ -13406,6 +13755,46 @@
           </a:ln>
         </p:spPr>
       </p:pic>
+      <p:sp>
+        <p:nvSpPr>
+          <p:cNvPr id="256" name="Google Shape;256;p28"/>
+          <p:cNvSpPr txBox="1"/>
+          <p:nvPr>
+            <p:ph idx="12" type="sldNum"/>
+          </p:nvPr>
+        </p:nvSpPr>
+        <p:spPr>
+          <a:xfrm>
+            <a:off x="8472458" y="4663217"/>
+            <a:ext cx="548700" cy="393600"/>
+          </a:xfrm>
+          <a:prstGeom prst="rect">
+            <a:avLst/>
+          </a:prstGeom>
+        </p:spPr>
+        <p:txBody>
+          <a:bodyPr anchorCtr="0" anchor="ctr" bIns="91425" lIns="91425" spcFirstLastPara="1" rIns="91425" wrap="square" tIns="91425">
+            <a:normAutofit/>
+          </a:bodyPr>
+          <a:lstStyle/>
+          <a:p>
+            <a:pPr indent="0" lvl="0" marL="0" rtl="0" algn="r">
+              <a:spcBef>
+                <a:spcPts val="0"/>
+              </a:spcBef>
+              <a:spcAft>
+                <a:spcPts val="0"/>
+              </a:spcAft>
+              <a:buNone/>
+            </a:pPr>
+            <a:fld id="{00000000-1234-1234-1234-123412341234}" type="slidenum">
+              <a:rPr lang="en"/>
+              <a:t>‹#›</a:t>
+            </a:fld>
+            <a:endParaRPr/>
+          </a:p>
+        </p:txBody>
+      </p:sp>
     </p:spTree>
   </p:cSld>
   <p:clrMapOvr>
@@ -13419,7 +13808,7 @@
   <p:cSld>
     <p:spTree>
       <p:nvGrpSpPr>
-        <p:cNvPr id="244" name="Shape 244"/>
+        <p:cNvPr id="260" name="Shape 260"/>
         <p:cNvGrpSpPr/>
         <p:nvPr/>
       </p:nvGrpSpPr>
@@ -13433,7 +13822,7 @@
       </p:grpSpPr>
       <p:sp>
         <p:nvSpPr>
-          <p:cNvPr id="245" name="Google Shape;245;p29"/>
+          <p:cNvPr id="261" name="Google Shape;261;p29"/>
           <p:cNvSpPr txBox="1"/>
           <p:nvPr>
             <p:ph type="title"/>
@@ -13473,7 +13862,7 @@
       </p:sp>
       <p:pic>
         <p:nvPicPr>
-          <p:cNvPr id="246" name="Google Shape;246;p29"/>
+          <p:cNvPr id="262" name="Google Shape;262;p29"/>
           <p:cNvPicPr preferRelativeResize="0"/>
           <p:nvPr/>
         </p:nvPicPr>
@@ -13501,7 +13890,7 @@
       </p:pic>
       <p:pic>
         <p:nvPicPr>
-          <p:cNvPr id="247" name="Google Shape;247;p29"/>
+          <p:cNvPr id="263" name="Google Shape;263;p29"/>
           <p:cNvPicPr preferRelativeResize="0"/>
           <p:nvPr/>
         </p:nvPicPr>
@@ -13527,6 +13916,46 @@
           </a:ln>
         </p:spPr>
       </p:pic>
+      <p:sp>
+        <p:nvSpPr>
+          <p:cNvPr id="264" name="Google Shape;264;p29"/>
+          <p:cNvSpPr txBox="1"/>
+          <p:nvPr>
+            <p:ph idx="12" type="sldNum"/>
+          </p:nvPr>
+        </p:nvSpPr>
+        <p:spPr>
+          <a:xfrm>
+            <a:off x="8472458" y="4663217"/>
+            <a:ext cx="548700" cy="393600"/>
+          </a:xfrm>
+          <a:prstGeom prst="rect">
+            <a:avLst/>
+          </a:prstGeom>
+        </p:spPr>
+        <p:txBody>
+          <a:bodyPr anchorCtr="0" anchor="ctr" bIns="91425" lIns="91425" spcFirstLastPara="1" rIns="91425" wrap="square" tIns="91425">
+            <a:normAutofit/>
+          </a:bodyPr>
+          <a:lstStyle/>
+          <a:p>
+            <a:pPr indent="0" lvl="0" marL="0" rtl="0" algn="r">
+              <a:spcBef>
+                <a:spcPts val="0"/>
+              </a:spcBef>
+              <a:spcAft>
+                <a:spcPts val="0"/>
+              </a:spcAft>
+              <a:buNone/>
+            </a:pPr>
+            <a:fld id="{00000000-1234-1234-1234-123412341234}" type="slidenum">
+              <a:rPr lang="en"/>
+              <a:t>‹#›</a:t>
+            </a:fld>
+            <a:endParaRPr/>
+          </a:p>
+        </p:txBody>
+      </p:sp>
     </p:spTree>
   </p:cSld>
   <p:clrMapOvr>
@@ -13540,7 +13969,7 @@
   <p:cSld>
     <p:spTree>
       <p:nvGrpSpPr>
-        <p:cNvPr id="251" name="Shape 251"/>
+        <p:cNvPr id="268" name="Shape 268"/>
         <p:cNvGrpSpPr/>
         <p:nvPr/>
       </p:nvGrpSpPr>
@@ -13554,7 +13983,7 @@
       </p:grpSpPr>
       <p:sp>
         <p:nvSpPr>
-          <p:cNvPr id="252" name="Google Shape;252;p30"/>
+          <p:cNvPr id="269" name="Google Shape;269;p30"/>
           <p:cNvSpPr txBox="1"/>
           <p:nvPr>
             <p:ph type="title"/>
@@ -13594,22 +14023,21 @@
       </p:sp>
       <p:pic>
         <p:nvPicPr>
-          <p:cNvPr id="253" name="Google Shape;253;p30"/>
+          <p:cNvPr id="270" name="Google Shape;270;p30"/>
           <p:cNvPicPr preferRelativeResize="0"/>
           <p:nvPr/>
         </p:nvPicPr>
-        <p:blipFill>
+        <p:blipFill rotWithShape="1">
           <a:blip r:embed="rId3">
             <a:alphaModFix/>
           </a:blip>
-          <a:stretch>
-            <a:fillRect/>
-          </a:stretch>
+          <a:srcRect b="21751" l="0" r="0" t="2034"/>
+          <a:stretch/>
         </p:blipFill>
         <p:spPr>
           <a:xfrm>
-            <a:off x="1980375" y="1221450"/>
-            <a:ext cx="5183275" cy="3793699"/>
+            <a:off x="1471075" y="1231125"/>
+            <a:ext cx="6567949" cy="3663550"/>
           </a:xfrm>
           <a:prstGeom prst="rect">
             <a:avLst/>
@@ -13620,6 +14048,46 @@
           </a:ln>
         </p:spPr>
       </p:pic>
+      <p:sp>
+        <p:nvSpPr>
+          <p:cNvPr id="271" name="Google Shape;271;p30"/>
+          <p:cNvSpPr txBox="1"/>
+          <p:nvPr>
+            <p:ph idx="12" type="sldNum"/>
+          </p:nvPr>
+        </p:nvSpPr>
+        <p:spPr>
+          <a:xfrm>
+            <a:off x="8472458" y="4663217"/>
+            <a:ext cx="548700" cy="393600"/>
+          </a:xfrm>
+          <a:prstGeom prst="rect">
+            <a:avLst/>
+          </a:prstGeom>
+        </p:spPr>
+        <p:txBody>
+          <a:bodyPr anchorCtr="0" anchor="ctr" bIns="91425" lIns="91425" spcFirstLastPara="1" rIns="91425" wrap="square" tIns="91425">
+            <a:normAutofit/>
+          </a:bodyPr>
+          <a:lstStyle/>
+          <a:p>
+            <a:pPr indent="0" lvl="0" marL="0" rtl="0" algn="r">
+              <a:spcBef>
+                <a:spcPts val="0"/>
+              </a:spcBef>
+              <a:spcAft>
+                <a:spcPts val="0"/>
+              </a:spcAft>
+              <a:buNone/>
+            </a:pPr>
+            <a:fld id="{00000000-1234-1234-1234-123412341234}" type="slidenum">
+              <a:rPr lang="en"/>
+              <a:t>‹#›</a:t>
+            </a:fld>
+            <a:endParaRPr/>
+          </a:p>
+        </p:txBody>
+      </p:sp>
     </p:spTree>
   </p:cSld>
   <p:clrMapOvr>
@@ -13633,7 +14101,7 @@
   <p:cSld>
     <p:spTree>
       <p:nvGrpSpPr>
-        <p:cNvPr id="257" name="Shape 257"/>
+        <p:cNvPr id="275" name="Shape 275"/>
         <p:cNvGrpSpPr/>
         <p:nvPr/>
       </p:nvGrpSpPr>
@@ -13647,7 +14115,7 @@
       </p:grpSpPr>
       <p:sp>
         <p:nvSpPr>
-          <p:cNvPr id="258" name="Google Shape;258;p31"/>
+          <p:cNvPr id="276" name="Google Shape;276;p31"/>
           <p:cNvSpPr txBox="1"/>
           <p:nvPr>
             <p:ph type="title"/>
@@ -13687,7 +14155,7 @@
       </p:sp>
       <p:pic>
         <p:nvPicPr>
-          <p:cNvPr id="259" name="Google Shape;259;p31"/>
+          <p:cNvPr id="277" name="Google Shape;277;p31"/>
           <p:cNvPicPr preferRelativeResize="0"/>
           <p:nvPr/>
         </p:nvPicPr>
@@ -13714,7 +14182,7 @@
       </p:pic>
       <p:pic>
         <p:nvPicPr>
-          <p:cNvPr id="260" name="Google Shape;260;p31"/>
+          <p:cNvPr id="278" name="Google Shape;278;p31"/>
           <p:cNvPicPr preferRelativeResize="0"/>
           <p:nvPr/>
         </p:nvPicPr>
@@ -13740,6 +14208,46 @@
           </a:ln>
         </p:spPr>
       </p:pic>
+      <p:sp>
+        <p:nvSpPr>
+          <p:cNvPr id="279" name="Google Shape;279;p31"/>
+          <p:cNvSpPr txBox="1"/>
+          <p:nvPr>
+            <p:ph idx="12" type="sldNum"/>
+          </p:nvPr>
+        </p:nvSpPr>
+        <p:spPr>
+          <a:xfrm>
+            <a:off x="8472458" y="4663217"/>
+            <a:ext cx="548700" cy="393600"/>
+          </a:xfrm>
+          <a:prstGeom prst="rect">
+            <a:avLst/>
+          </a:prstGeom>
+        </p:spPr>
+        <p:txBody>
+          <a:bodyPr anchorCtr="0" anchor="ctr" bIns="91425" lIns="91425" spcFirstLastPara="1" rIns="91425" wrap="square" tIns="91425">
+            <a:normAutofit/>
+          </a:bodyPr>
+          <a:lstStyle/>
+          <a:p>
+            <a:pPr indent="0" lvl="0" marL="0" rtl="0" algn="r">
+              <a:spcBef>
+                <a:spcPts val="0"/>
+              </a:spcBef>
+              <a:spcAft>
+                <a:spcPts val="0"/>
+              </a:spcAft>
+              <a:buNone/>
+            </a:pPr>
+            <a:fld id="{00000000-1234-1234-1234-123412341234}" type="slidenum">
+              <a:rPr lang="en"/>
+              <a:t>‹#›</a:t>
+            </a:fld>
+            <a:endParaRPr/>
+          </a:p>
+        </p:txBody>
+      </p:sp>
     </p:spTree>
   </p:cSld>
   <p:clrMapOvr>
@@ -13753,7 +14261,7 @@
   <p:cSld>
     <p:spTree>
       <p:nvGrpSpPr>
-        <p:cNvPr id="139" name="Shape 139"/>
+        <p:cNvPr id="141" name="Shape 141"/>
         <p:cNvGrpSpPr/>
         <p:nvPr/>
       </p:nvGrpSpPr>
@@ -13767,7 +14275,7 @@
       </p:grpSpPr>
       <p:sp>
         <p:nvSpPr>
-          <p:cNvPr id="140" name="Google Shape;140;p14"/>
+          <p:cNvPr id="142" name="Google Shape;142;p14"/>
           <p:cNvSpPr txBox="1"/>
           <p:nvPr>
             <p:ph type="title"/>
@@ -13799,7 +14307,7 @@
             </a:pPr>
             <a:r>
               <a:rPr lang="en"/>
-              <a:t>Objective</a:t>
+              <a:t>Project Objective</a:t>
             </a:r>
             <a:endParaRPr/>
           </a:p>
@@ -13807,7 +14315,7 @@
       </p:sp>
       <p:sp>
         <p:nvSpPr>
-          <p:cNvPr id="141" name="Google Shape;141;p14"/>
+          <p:cNvPr id="143" name="Google Shape;143;p14"/>
           <p:cNvSpPr txBox="1"/>
           <p:nvPr>
             <p:ph idx="1" type="body"/>
@@ -13847,9 +14355,57 @@
             </a:r>
             <a:r>
               <a:rPr lang="en" sz="1900"/>
-              <a:t> of storing the details of store products. The WMS should allow guest users to search for different content and request to borrow/buy them.</a:t>
+              <a:t> of storing the details of store products. The Warehouse </a:t>
+            </a:r>
+            <a:r>
+              <a:rPr lang="en" sz="1900"/>
+              <a:t>Management</a:t>
+            </a:r>
+            <a:r>
+              <a:rPr lang="en" sz="1900"/>
+              <a:t> System should allow guest users to search for different content and request to borrow/buy them.</a:t>
             </a:r>
             <a:endParaRPr sz="1900"/>
+          </a:p>
+        </p:txBody>
+      </p:sp>
+      <p:sp>
+        <p:nvSpPr>
+          <p:cNvPr id="144" name="Google Shape;144;p14"/>
+          <p:cNvSpPr txBox="1"/>
+          <p:nvPr>
+            <p:ph idx="12" type="sldNum"/>
+          </p:nvPr>
+        </p:nvSpPr>
+        <p:spPr>
+          <a:xfrm>
+            <a:off x="8472458" y="4663217"/>
+            <a:ext cx="548700" cy="393600"/>
+          </a:xfrm>
+          <a:prstGeom prst="rect">
+            <a:avLst/>
+          </a:prstGeom>
+        </p:spPr>
+        <p:txBody>
+          <a:bodyPr anchorCtr="0" anchor="ctr" bIns="91425" lIns="91425" spcFirstLastPara="1" rIns="91425" wrap="square" tIns="91425">
+            <a:normAutofit/>
+          </a:bodyPr>
+          <a:lstStyle/>
+          <a:p>
+            <a:pPr indent="0" lvl="0" marL="0" rtl="0" algn="r">
+              <a:spcBef>
+                <a:spcPts val="0"/>
+              </a:spcBef>
+              <a:spcAft>
+                <a:spcPts val="0"/>
+              </a:spcAft>
+              <a:buNone/>
+            </a:pPr>
+            <a:fld id="{00000000-1234-1234-1234-123412341234}" type="slidenum">
+              <a:rPr lang="en"/>
+              <a:t>‹#›</a:t>
+            </a:fld>
+            <a:endParaRPr/>
           </a:p>
         </p:txBody>
       </p:sp>
@@ -13866,7 +14422,7 @@
   <p:cSld>
     <p:spTree>
       <p:nvGrpSpPr>
-        <p:cNvPr id="264" name="Shape 264"/>
+        <p:cNvPr id="283" name="Shape 283"/>
         <p:cNvGrpSpPr/>
         <p:nvPr/>
       </p:nvGrpSpPr>
@@ -13880,7 +14436,7 @@
       </p:grpSpPr>
       <p:sp>
         <p:nvSpPr>
-          <p:cNvPr id="265" name="Google Shape;265;p32"/>
+          <p:cNvPr id="284" name="Google Shape;284;p32"/>
           <p:cNvSpPr txBox="1"/>
           <p:nvPr>
             <p:ph type="title"/>
@@ -13920,7 +14476,7 @@
       </p:sp>
       <p:pic>
         <p:nvPicPr>
-          <p:cNvPr id="266" name="Google Shape;266;p32"/>
+          <p:cNvPr id="285" name="Google Shape;285;p32"/>
           <p:cNvPicPr preferRelativeResize="0"/>
           <p:nvPr/>
         </p:nvPicPr>
@@ -13948,7 +14504,7 @@
       </p:pic>
       <p:sp>
         <p:nvSpPr>
-          <p:cNvPr id="267" name="Google Shape;267;p32"/>
+          <p:cNvPr id="286" name="Google Shape;286;p32"/>
           <p:cNvSpPr txBox="1"/>
           <p:nvPr>
             <p:ph idx="1" type="body"/>
@@ -13956,8 +14512,8 @@
         </p:nvSpPr>
         <p:spPr>
           <a:xfrm>
-            <a:off x="642825" y="2028563"/>
-            <a:ext cx="2695200" cy="1783200"/>
+            <a:off x="642825" y="1640674"/>
+            <a:ext cx="2695200" cy="3011100"/>
           </a:xfrm>
           <a:prstGeom prst="rect">
             <a:avLst/>
@@ -13965,23 +14521,63 @@
         </p:spPr>
         <p:txBody>
           <a:bodyPr anchorCtr="0" anchor="t" bIns="91425" lIns="91425" spcFirstLastPara="1" rIns="91425" wrap="square" tIns="91425">
+            <a:noAutofit/>
+          </a:bodyPr>
+          <a:lstStyle/>
+          <a:p>
+            <a:pPr indent="0" lvl="0" marL="0" rtl="0" algn="l">
+              <a:spcBef>
+                <a:spcPts val="0"/>
+              </a:spcBef>
+              <a:spcAft>
+                <a:spcPts val="1200"/>
+              </a:spcAft>
+              <a:buNone/>
+            </a:pPr>
+            <a:r>
+              <a:rPr lang="en" sz="1800"/>
+              <a:t>The Admin Dashboard encompasses all of the actions that can be performed by a user, in addition to having the ability to edit items, users and accept/reject requests.</a:t>
+            </a:r>
+            <a:endParaRPr sz="1800"/>
+          </a:p>
+        </p:txBody>
+      </p:sp>
+      <p:sp>
+        <p:nvSpPr>
+          <p:cNvPr id="287" name="Google Shape;287;p32"/>
+          <p:cNvSpPr txBox="1"/>
+          <p:nvPr>
+            <p:ph idx="12" type="sldNum"/>
+          </p:nvPr>
+        </p:nvSpPr>
+        <p:spPr>
+          <a:xfrm>
+            <a:off x="8472458" y="4663217"/>
+            <a:ext cx="548700" cy="393600"/>
+          </a:xfrm>
+          <a:prstGeom prst="rect">
+            <a:avLst/>
+          </a:prstGeom>
+        </p:spPr>
+        <p:txBody>
+          <a:bodyPr anchorCtr="0" anchor="ctr" bIns="91425" lIns="91425" spcFirstLastPara="1" rIns="91425" wrap="square" tIns="91425">
             <a:normAutofit/>
           </a:bodyPr>
           <a:lstStyle/>
           <a:p>
-            <a:pPr indent="0" lvl="0" marL="0" rtl="0" algn="l">
-              <a:spcBef>
-                <a:spcPts val="0"/>
-              </a:spcBef>
-              <a:spcAft>
-                <a:spcPts val="1200"/>
+            <a:pPr indent="0" lvl="0" marL="0" rtl="0" algn="r">
+              <a:spcBef>
+                <a:spcPts val="0"/>
+              </a:spcBef>
+              <a:spcAft>
+                <a:spcPts val="0"/>
               </a:spcAft>
               <a:buNone/>
             </a:pPr>
-            <a:r>
+            <a:fld id="{00000000-1234-1234-1234-123412341234}" type="slidenum">
               <a:rPr lang="en"/>
-              <a:t>The Admin Dashboard encompasses all of the actions that can be performed by a user, in addition to having the ability to edit items, users and accept/reject requests.</a:t>
-            </a:r>
+              <a:t>‹#›</a:t>
+            </a:fld>
             <a:endParaRPr/>
           </a:p>
         </p:txBody>
@@ -13999,7 +14595,7 @@
   <p:cSld>
     <p:spTree>
       <p:nvGrpSpPr>
-        <p:cNvPr id="271" name="Shape 271"/>
+        <p:cNvPr id="291" name="Shape 291"/>
         <p:cNvGrpSpPr/>
         <p:nvPr/>
       </p:nvGrpSpPr>
@@ -14013,7 +14609,7 @@
       </p:grpSpPr>
       <p:sp>
         <p:nvSpPr>
-          <p:cNvPr id="272" name="Google Shape;272;p33"/>
+          <p:cNvPr id="292" name="Google Shape;292;p33"/>
           <p:cNvSpPr txBox="1"/>
           <p:nvPr>
             <p:ph type="title"/>
@@ -14053,7 +14649,7 @@
       </p:sp>
       <p:pic>
         <p:nvPicPr>
-          <p:cNvPr id="273" name="Google Shape;273;p33"/>
+          <p:cNvPr id="293" name="Google Shape;293;p33"/>
           <p:cNvPicPr preferRelativeResize="0"/>
           <p:nvPr/>
         </p:nvPicPr>
@@ -14080,7 +14676,7 @@
       </p:pic>
       <p:pic>
         <p:nvPicPr>
-          <p:cNvPr id="274" name="Google Shape;274;p33"/>
+          <p:cNvPr id="294" name="Google Shape;294;p33"/>
           <p:cNvPicPr preferRelativeResize="0"/>
           <p:nvPr/>
         </p:nvPicPr>
@@ -14108,7 +14704,7 @@
       </p:pic>
       <p:sp>
         <p:nvSpPr>
-          <p:cNvPr id="275" name="Google Shape;275;p33"/>
+          <p:cNvPr id="295" name="Google Shape;295;p33"/>
           <p:cNvSpPr txBox="1"/>
           <p:nvPr>
             <p:ph idx="1" type="body"/>
@@ -14116,7 +14712,7 @@
         </p:nvSpPr>
         <p:spPr>
           <a:xfrm>
-            <a:off x="1112700" y="1069375"/>
+            <a:off x="1341300" y="1069375"/>
             <a:ext cx="7038900" cy="521700"/>
           </a:xfrm>
           <a:prstGeom prst="rect">
@@ -14129,7 +14725,7 @@
           </a:bodyPr>
           <a:lstStyle/>
           <a:p>
-            <a:pPr indent="457200" lvl="0" marL="0" rtl="0" algn="l">
+            <a:pPr indent="0" lvl="0" marL="0" rtl="0" algn="l">
               <a:spcBef>
                 <a:spcPts val="0"/>
               </a:spcBef>
@@ -14154,55 +14750,30 @@
           </a:p>
         </p:txBody>
       </p:sp>
-    </p:spTree>
-  </p:cSld>
-  <p:clrMapOvr>
-    <a:masterClrMapping/>
-  </p:clrMapOvr>
-</p:sld>
-</file>
-
-<file path=ppt/slides/slide22.xml><?xml version="1.0" encoding="utf-8"?>
-<p:sld xmlns:a="http://schemas.openxmlformats.org/drawingml/2006/main" xmlns:r="http://schemas.openxmlformats.org/officeDocument/2006/relationships" xmlns:mc="http://schemas.openxmlformats.org/markup-compatibility/2006" xmlns:mv="urn:schemas-microsoft-com:mac:vml" xmlns:p="http://schemas.openxmlformats.org/presentationml/2006/main" xmlns:c="http://schemas.openxmlformats.org/drawingml/2006/chart" xmlns:dgm="http://schemas.openxmlformats.org/drawingml/2006/diagram" xmlns:o="urn:schemas-microsoft-com:office:office" xmlns:v="urn:schemas-microsoft-com:vml" xmlns:pvml="urn:schemas-microsoft-com:office:powerpoint" xmlns:com="http://schemas.openxmlformats.org/drawingml/2006/compatibility" xmlns:p14="http://schemas.microsoft.com/office/powerpoint/2010/main" xmlns:p15="http://schemas.microsoft.com/office/powerpoint/2012/main" xmlns:ahyp="http://schemas.microsoft.com/office/drawing/2018/hyperlinkcolor">
-  <p:cSld>
-    <p:spTree>
-      <p:nvGrpSpPr>
-        <p:cNvPr id="279" name="Shape 279"/>
-        <p:cNvGrpSpPr/>
-        <p:nvPr/>
-      </p:nvGrpSpPr>
-      <p:grpSpPr>
-        <a:xfrm>
-          <a:off x="0" y="0"/>
-          <a:ext cx="0" cy="0"/>
-          <a:chOff x="0" y="0"/>
-          <a:chExt cx="0" cy="0"/>
-        </a:xfrm>
-      </p:grpSpPr>
       <p:sp>
         <p:nvSpPr>
-          <p:cNvPr id="280" name="Google Shape;280;p34"/>
+          <p:cNvPr id="296" name="Google Shape;296;p33"/>
           <p:cNvSpPr txBox="1"/>
           <p:nvPr>
-            <p:ph type="title"/>
+            <p:ph idx="12" type="sldNum"/>
           </p:nvPr>
         </p:nvSpPr>
         <p:spPr>
           <a:xfrm>
-            <a:off x="1297500" y="393750"/>
-            <a:ext cx="7038900" cy="914100"/>
+            <a:off x="8472458" y="4663217"/>
+            <a:ext cx="548700" cy="393600"/>
           </a:xfrm>
           <a:prstGeom prst="rect">
             <a:avLst/>
           </a:prstGeom>
         </p:spPr>
         <p:txBody>
-          <a:bodyPr anchorCtr="0" anchor="t" bIns="91425" lIns="91425" spcFirstLastPara="1" rIns="91425" wrap="square" tIns="91425">
+          <a:bodyPr anchorCtr="0" anchor="ctr" bIns="91425" lIns="91425" spcFirstLastPara="1" rIns="91425" wrap="square" tIns="91425">
             <a:normAutofit/>
           </a:bodyPr>
           <a:lstStyle/>
           <a:p>
-            <a:pPr indent="0" lvl="0" marL="0" rtl="0" algn="l">
+            <a:pPr indent="0" lvl="0" marL="0" rtl="0" algn="r">
               <a:spcBef>
                 <a:spcPts val="0"/>
               </a:spcBef>
@@ -14211,233 +14782,11 @@
               </a:spcAft>
               <a:buNone/>
             </a:pPr>
-            <a:r>
+            <a:fld id="{00000000-1234-1234-1234-123412341234}" type="slidenum">
               <a:rPr lang="en"/>
-              <a:t>Admin Dashboard cont’d</a:t>
-            </a:r>
+              <a:t>‹#›</a:t>
+            </a:fld>
             <a:endParaRPr/>
-          </a:p>
-        </p:txBody>
-      </p:sp>
-      <p:sp>
-        <p:nvSpPr>
-          <p:cNvPr id="281" name="Google Shape;281;p34"/>
-          <p:cNvSpPr txBox="1"/>
-          <p:nvPr>
-            <p:ph idx="1" type="body"/>
-          </p:nvPr>
-        </p:nvSpPr>
-        <p:spPr>
-          <a:xfrm>
-            <a:off x="1112700" y="1069375"/>
-            <a:ext cx="7038900" cy="521700"/>
-          </a:xfrm>
-          <a:prstGeom prst="rect">
-            <a:avLst/>
-          </a:prstGeom>
-        </p:spPr>
-        <p:txBody>
-          <a:bodyPr anchorCtr="0" anchor="t" bIns="91425" lIns="91425" spcFirstLastPara="1" rIns="91425" wrap="square" tIns="91425">
-            <a:normAutofit fontScale="70000"/>
-          </a:bodyPr>
-          <a:lstStyle/>
-          <a:p>
-            <a:pPr indent="457200" lvl="0" marL="0" rtl="0" algn="l">
-              <a:spcBef>
-                <a:spcPts val="0"/>
-              </a:spcBef>
-              <a:spcAft>
-                <a:spcPts val="1200"/>
-              </a:spcAft>
-              <a:buNone/>
-            </a:pPr>
-            <a:r>
-              <a:rPr lang="en" sz="1900"/>
-              <a:t>onAddUser(): This function handles adding users when the Add User Button is pressed</a:t>
-            </a:r>
-            <a:endParaRPr sz="1900"/>
-          </a:p>
-        </p:txBody>
-      </p:sp>
-      <p:pic>
-        <p:nvPicPr>
-          <p:cNvPr id="282" name="Google Shape;282;p34"/>
-          <p:cNvPicPr preferRelativeResize="0"/>
-          <p:nvPr/>
-        </p:nvPicPr>
-        <p:blipFill>
-          <a:blip r:embed="rId3">
-            <a:alphaModFix/>
-          </a:blip>
-          <a:stretch>
-            <a:fillRect/>
-          </a:stretch>
-        </p:blipFill>
-        <p:spPr>
-          <a:xfrm>
-            <a:off x="2522775" y="1591075"/>
-            <a:ext cx="3908296" cy="3247627"/>
-          </a:xfrm>
-          <a:prstGeom prst="rect">
-            <a:avLst/>
-          </a:prstGeom>
-          <a:noFill/>
-          <a:ln>
-            <a:noFill/>
-          </a:ln>
-        </p:spPr>
-      </p:pic>
-    </p:spTree>
-  </p:cSld>
-  <p:clrMapOvr>
-    <a:masterClrMapping/>
-  </p:clrMapOvr>
-</p:sld>
-</file>
-
-<file path=ppt/slides/slide23.xml><?xml version="1.0" encoding="utf-8"?>
-<p:sld xmlns:a="http://schemas.openxmlformats.org/drawingml/2006/main" xmlns:r="http://schemas.openxmlformats.org/officeDocument/2006/relationships" xmlns:mc="http://schemas.openxmlformats.org/markup-compatibility/2006" xmlns:mv="urn:schemas-microsoft-com:mac:vml" xmlns:p="http://schemas.openxmlformats.org/presentationml/2006/main" xmlns:c="http://schemas.openxmlformats.org/drawingml/2006/chart" xmlns:dgm="http://schemas.openxmlformats.org/drawingml/2006/diagram" xmlns:o="urn:schemas-microsoft-com:office:office" xmlns:v="urn:schemas-microsoft-com:vml" xmlns:pvml="urn:schemas-microsoft-com:office:powerpoint" xmlns:com="http://schemas.openxmlformats.org/drawingml/2006/compatibility" xmlns:p14="http://schemas.microsoft.com/office/powerpoint/2010/main" xmlns:p15="http://schemas.microsoft.com/office/powerpoint/2012/main" xmlns:ahyp="http://schemas.microsoft.com/office/drawing/2018/hyperlinkcolor">
-  <p:cSld>
-    <p:spTree>
-      <p:nvGrpSpPr>
-        <p:cNvPr id="286" name="Shape 286"/>
-        <p:cNvGrpSpPr/>
-        <p:nvPr/>
-      </p:nvGrpSpPr>
-      <p:grpSpPr>
-        <a:xfrm>
-          <a:off x="0" y="0"/>
-          <a:ext cx="0" cy="0"/>
-          <a:chOff x="0" y="0"/>
-          <a:chExt cx="0" cy="0"/>
-        </a:xfrm>
-      </p:grpSpPr>
-      <p:sp>
-        <p:nvSpPr>
-          <p:cNvPr id="287" name="Google Shape;287;p35"/>
-          <p:cNvSpPr txBox="1"/>
-          <p:nvPr>
-            <p:ph type="title"/>
-          </p:nvPr>
-        </p:nvSpPr>
-        <p:spPr>
-          <a:xfrm>
-            <a:off x="1297500" y="393750"/>
-            <a:ext cx="7038900" cy="914100"/>
-          </a:xfrm>
-          <a:prstGeom prst="rect">
-            <a:avLst/>
-          </a:prstGeom>
-        </p:spPr>
-        <p:txBody>
-          <a:bodyPr anchorCtr="0" anchor="t" bIns="91425" lIns="91425" spcFirstLastPara="1" rIns="91425" wrap="square" tIns="91425">
-            <a:normAutofit/>
-          </a:bodyPr>
-          <a:lstStyle/>
-          <a:p>
-            <a:pPr indent="0" lvl="0" marL="0" rtl="0" algn="l">
-              <a:spcBef>
-                <a:spcPts val="0"/>
-              </a:spcBef>
-              <a:spcAft>
-                <a:spcPts val="0"/>
-              </a:spcAft>
-              <a:buNone/>
-            </a:pPr>
-            <a:r>
-              <a:rPr lang="en"/>
-              <a:t>User Dashboard</a:t>
-            </a:r>
-            <a:endParaRPr/>
-          </a:p>
-        </p:txBody>
-      </p:sp>
-      <p:pic>
-        <p:nvPicPr>
-          <p:cNvPr id="288" name="Google Shape;288;p35"/>
-          <p:cNvPicPr preferRelativeResize="0"/>
-          <p:nvPr/>
-        </p:nvPicPr>
-        <p:blipFill>
-          <a:blip r:embed="rId3">
-            <a:alphaModFix/>
-          </a:blip>
-          <a:stretch>
-            <a:fillRect/>
-          </a:stretch>
-        </p:blipFill>
-        <p:spPr>
-          <a:xfrm>
-            <a:off x="3998225" y="1307850"/>
-            <a:ext cx="4760100" cy="3391099"/>
-          </a:xfrm>
-          <a:prstGeom prst="rect">
-            <a:avLst/>
-          </a:prstGeom>
-          <a:noFill/>
-          <a:ln>
-            <a:noFill/>
-          </a:ln>
-        </p:spPr>
-      </p:pic>
-      <p:sp>
-        <p:nvSpPr>
-          <p:cNvPr id="289" name="Google Shape;289;p35"/>
-          <p:cNvSpPr txBox="1"/>
-          <p:nvPr/>
-        </p:nvSpPr>
-        <p:spPr>
-          <a:xfrm>
-            <a:off x="945025" y="2120650"/>
-            <a:ext cx="2960100" cy="1535400"/>
-          </a:xfrm>
-          <a:prstGeom prst="rect">
-            <a:avLst/>
-          </a:prstGeom>
-          <a:noFill/>
-          <a:ln>
-            <a:noFill/>
-          </a:ln>
-        </p:spPr>
-        <p:txBody>
-          <a:bodyPr anchorCtr="0" anchor="t" bIns="91425" lIns="91425" spcFirstLastPara="1" rIns="91425" wrap="square" tIns="91425">
-            <a:spAutoFit/>
-          </a:bodyPr>
-          <a:lstStyle/>
-          <a:p>
-            <a:pPr indent="0" lvl="0" marL="0" rtl="0" algn="l">
-              <a:lnSpc>
-                <a:spcPct val="115000"/>
-              </a:lnSpc>
-              <a:spcBef>
-                <a:spcPts val="0"/>
-              </a:spcBef>
-              <a:spcAft>
-                <a:spcPts val="1200"/>
-              </a:spcAft>
-              <a:buNone/>
-            </a:pPr>
-            <a:r>
-              <a:rPr lang="en" sz="1300">
-                <a:solidFill>
-                  <a:schemeClr val="lt1"/>
-                </a:solidFill>
-                <a:latin typeface="Lato"/>
-                <a:ea typeface="Lato"/>
-                <a:cs typeface="Lato"/>
-                <a:sym typeface="Lato"/>
-              </a:rPr>
-              <a:t>The user dashboard class encompasses all user functionality. Things like requesting/borrowing items, adding personalized favorite items, displaying different table information and more.</a:t>
-            </a:r>
-            <a:endParaRPr>
-              <a:solidFill>
-                <a:schemeClr val="lt1"/>
-              </a:solidFill>
-              <a:latin typeface="Lato"/>
-              <a:ea typeface="Lato"/>
-              <a:cs typeface="Lato"/>
-              <a:sym typeface="Lato"/>
-            </a:endParaRPr>
           </a:p>
         </p:txBody>
       </p:sp>
@@ -14449,140 +14798,7 @@
 </p:sld>
 </file>
 
-<file path=ppt/slides/slide24.xml><?xml version="1.0" encoding="utf-8"?>
-<p:sld xmlns:a="http://schemas.openxmlformats.org/drawingml/2006/main" xmlns:r="http://schemas.openxmlformats.org/officeDocument/2006/relationships" xmlns:mc="http://schemas.openxmlformats.org/markup-compatibility/2006" xmlns:mv="urn:schemas-microsoft-com:mac:vml" xmlns:p="http://schemas.openxmlformats.org/presentationml/2006/main" xmlns:c="http://schemas.openxmlformats.org/drawingml/2006/chart" xmlns:dgm="http://schemas.openxmlformats.org/drawingml/2006/diagram" xmlns:o="urn:schemas-microsoft-com:office:office" xmlns:v="urn:schemas-microsoft-com:vml" xmlns:pvml="urn:schemas-microsoft-com:office:powerpoint" xmlns:com="http://schemas.openxmlformats.org/drawingml/2006/compatibility" xmlns:p14="http://schemas.microsoft.com/office/powerpoint/2010/main" xmlns:p15="http://schemas.microsoft.com/office/powerpoint/2012/main" xmlns:ahyp="http://schemas.microsoft.com/office/drawing/2018/hyperlinkcolor">
-  <p:cSld>
-    <p:spTree>
-      <p:nvGrpSpPr>
-        <p:cNvPr id="293" name="Shape 293"/>
-        <p:cNvGrpSpPr/>
-        <p:nvPr/>
-      </p:nvGrpSpPr>
-      <p:grpSpPr>
-        <a:xfrm>
-          <a:off x="0" y="0"/>
-          <a:ext cx="0" cy="0"/>
-          <a:chOff x="0" y="0"/>
-          <a:chExt cx="0" cy="0"/>
-        </a:xfrm>
-      </p:grpSpPr>
-      <p:sp>
-        <p:nvSpPr>
-          <p:cNvPr id="294" name="Google Shape;294;p36"/>
-          <p:cNvSpPr txBox="1"/>
-          <p:nvPr>
-            <p:ph type="title"/>
-          </p:nvPr>
-        </p:nvSpPr>
-        <p:spPr>
-          <a:xfrm>
-            <a:off x="1297500" y="393750"/>
-            <a:ext cx="7038900" cy="914100"/>
-          </a:xfrm>
-          <a:prstGeom prst="rect">
-            <a:avLst/>
-          </a:prstGeom>
-        </p:spPr>
-        <p:txBody>
-          <a:bodyPr anchorCtr="0" anchor="t" bIns="91425" lIns="91425" spcFirstLastPara="1" rIns="91425" wrap="square" tIns="91425">
-            <a:normAutofit/>
-          </a:bodyPr>
-          <a:lstStyle/>
-          <a:p>
-            <a:pPr indent="0" lvl="0" marL="0" rtl="0" algn="l">
-              <a:spcBef>
-                <a:spcPts val="0"/>
-              </a:spcBef>
-              <a:spcAft>
-                <a:spcPts val="0"/>
-              </a:spcAft>
-              <a:buNone/>
-            </a:pPr>
-            <a:r>
-              <a:rPr lang="en"/>
-              <a:t>onRequestClick()</a:t>
-            </a:r>
-            <a:endParaRPr/>
-          </a:p>
-        </p:txBody>
-      </p:sp>
-      <p:sp>
-        <p:nvSpPr>
-          <p:cNvPr id="295" name="Google Shape;295;p36"/>
-          <p:cNvSpPr txBox="1"/>
-          <p:nvPr>
-            <p:ph idx="1" type="body"/>
-          </p:nvPr>
-        </p:nvSpPr>
-        <p:spPr>
-          <a:xfrm>
-            <a:off x="1297500" y="1459675"/>
-            <a:ext cx="2961600" cy="3061500"/>
-          </a:xfrm>
-          <a:prstGeom prst="rect">
-            <a:avLst/>
-          </a:prstGeom>
-        </p:spPr>
-        <p:txBody>
-          <a:bodyPr anchorCtr="0" anchor="t" bIns="91425" lIns="91425" spcFirstLastPara="1" rIns="91425" wrap="square" tIns="91425">
-            <a:normAutofit/>
-          </a:bodyPr>
-          <a:lstStyle/>
-          <a:p>
-            <a:pPr indent="0" lvl="0" marL="0" rtl="0" algn="l">
-              <a:spcBef>
-                <a:spcPts val="0"/>
-              </a:spcBef>
-              <a:spcAft>
-                <a:spcPts val="1200"/>
-              </a:spcAft>
-              <a:buNone/>
-            </a:pPr>
-            <a:r>
-              <a:rPr lang="en"/>
-              <a:t>This function handled the request functionality - in which each user can select an item from the database and request to borrow for an allotted time.</a:t>
-            </a:r>
-            <a:endParaRPr/>
-          </a:p>
-        </p:txBody>
-      </p:sp>
-      <p:pic>
-        <p:nvPicPr>
-          <p:cNvPr id="296" name="Google Shape;296;p36"/>
-          <p:cNvPicPr preferRelativeResize="0"/>
-          <p:nvPr/>
-        </p:nvPicPr>
-        <p:blipFill>
-          <a:blip r:embed="rId3">
-            <a:alphaModFix/>
-          </a:blip>
-          <a:stretch>
-            <a:fillRect/>
-          </a:stretch>
-        </p:blipFill>
-        <p:spPr>
-          <a:xfrm>
-            <a:off x="4259125" y="1459675"/>
-            <a:ext cx="4077276" cy="3061526"/>
-          </a:xfrm>
-          <a:prstGeom prst="rect">
-            <a:avLst/>
-          </a:prstGeom>
-          <a:noFill/>
-          <a:ln>
-            <a:noFill/>
-          </a:ln>
-        </p:spPr>
-      </p:pic>
-    </p:spTree>
-  </p:cSld>
-  <p:clrMapOvr>
-    <a:masterClrMapping/>
-  </p:clrMapOvr>
-</p:sld>
-</file>
-
-<file path=ppt/slides/slide25.xml><?xml version="1.0" encoding="utf-8"?>
+<file path=ppt/slides/slide22.xml><?xml version="1.0" encoding="utf-8"?>
 <p:sld xmlns:a="http://schemas.openxmlformats.org/drawingml/2006/main" xmlns:r="http://schemas.openxmlformats.org/officeDocument/2006/relationships" xmlns:mc="http://schemas.openxmlformats.org/markup-compatibility/2006" xmlns:mv="urn:schemas-microsoft-com:mac:vml" xmlns:p="http://schemas.openxmlformats.org/presentationml/2006/main" xmlns:c="http://schemas.openxmlformats.org/drawingml/2006/chart" xmlns:dgm="http://schemas.openxmlformats.org/drawingml/2006/diagram" xmlns:o="urn:schemas-microsoft-com:office:office" xmlns:v="urn:schemas-microsoft-com:vml" xmlns:pvml="urn:schemas-microsoft-com:office:powerpoint" xmlns:com="http://schemas.openxmlformats.org/drawingml/2006/compatibility" xmlns:p14="http://schemas.microsoft.com/office/powerpoint/2010/main" xmlns:p15="http://schemas.microsoft.com/office/powerpoint/2012/main" xmlns:ahyp="http://schemas.microsoft.com/office/drawing/2018/hyperlinkcolor">
   <p:cSld>
     <p:spTree>
@@ -14601,7 +14817,548 @@
       </p:grpSpPr>
       <p:sp>
         <p:nvSpPr>
-          <p:cNvPr id="301" name="Google Shape;301;p37"/>
+          <p:cNvPr id="301" name="Google Shape;301;p34"/>
+          <p:cNvSpPr txBox="1"/>
+          <p:nvPr>
+            <p:ph type="title"/>
+          </p:nvPr>
+        </p:nvSpPr>
+        <p:spPr>
+          <a:xfrm>
+            <a:off x="1297500" y="393750"/>
+            <a:ext cx="7038900" cy="914100"/>
+          </a:xfrm>
+          <a:prstGeom prst="rect">
+            <a:avLst/>
+          </a:prstGeom>
+        </p:spPr>
+        <p:txBody>
+          <a:bodyPr anchorCtr="0" anchor="t" bIns="91425" lIns="91425" spcFirstLastPara="1" rIns="91425" wrap="square" tIns="91425">
+            <a:normAutofit/>
+          </a:bodyPr>
+          <a:lstStyle/>
+          <a:p>
+            <a:pPr indent="0" lvl="0" marL="0" rtl="0" algn="l">
+              <a:spcBef>
+                <a:spcPts val="0"/>
+              </a:spcBef>
+              <a:spcAft>
+                <a:spcPts val="0"/>
+              </a:spcAft>
+              <a:buNone/>
+            </a:pPr>
+            <a:r>
+              <a:rPr lang="en"/>
+              <a:t>Admin Dashboard cont’d</a:t>
+            </a:r>
+            <a:endParaRPr/>
+          </a:p>
+        </p:txBody>
+      </p:sp>
+      <p:sp>
+        <p:nvSpPr>
+          <p:cNvPr id="302" name="Google Shape;302;p34"/>
+          <p:cNvSpPr txBox="1"/>
+          <p:nvPr>
+            <p:ph idx="1" type="body"/>
+          </p:nvPr>
+        </p:nvSpPr>
+        <p:spPr>
+          <a:xfrm>
+            <a:off x="1338275" y="1069375"/>
+            <a:ext cx="8415300" cy="521700"/>
+          </a:xfrm>
+          <a:prstGeom prst="rect">
+            <a:avLst/>
+          </a:prstGeom>
+        </p:spPr>
+        <p:txBody>
+          <a:bodyPr anchorCtr="0" anchor="t" bIns="91425" lIns="91425" spcFirstLastPara="1" rIns="91425" wrap="square" tIns="91425">
+            <a:noAutofit/>
+          </a:bodyPr>
+          <a:lstStyle/>
+          <a:p>
+            <a:pPr indent="0" lvl="0" marL="0" rtl="0" algn="l">
+              <a:spcBef>
+                <a:spcPts val="0"/>
+              </a:spcBef>
+              <a:spcAft>
+                <a:spcPts val="1200"/>
+              </a:spcAft>
+              <a:buSzPts val="770"/>
+              <a:buNone/>
+            </a:pPr>
+            <a:r>
+              <a:rPr lang="en" sz="1530"/>
+              <a:t>onAddUser(): This function handles adding users when the Add User Button is pressed</a:t>
+            </a:r>
+            <a:endParaRPr sz="1530"/>
+          </a:p>
+        </p:txBody>
+      </p:sp>
+      <p:pic>
+        <p:nvPicPr>
+          <p:cNvPr id="303" name="Google Shape;303;p34"/>
+          <p:cNvPicPr preferRelativeResize="0"/>
+          <p:nvPr/>
+        </p:nvPicPr>
+        <p:blipFill>
+          <a:blip r:embed="rId3">
+            <a:alphaModFix/>
+          </a:blip>
+          <a:stretch>
+            <a:fillRect/>
+          </a:stretch>
+        </p:blipFill>
+        <p:spPr>
+          <a:xfrm>
+            <a:off x="2522775" y="1591075"/>
+            <a:ext cx="3908296" cy="3247627"/>
+          </a:xfrm>
+          <a:prstGeom prst="rect">
+            <a:avLst/>
+          </a:prstGeom>
+          <a:noFill/>
+          <a:ln>
+            <a:noFill/>
+          </a:ln>
+        </p:spPr>
+      </p:pic>
+      <p:sp>
+        <p:nvSpPr>
+          <p:cNvPr id="304" name="Google Shape;304;p34"/>
+          <p:cNvSpPr txBox="1"/>
+          <p:nvPr>
+            <p:ph idx="12" type="sldNum"/>
+          </p:nvPr>
+        </p:nvSpPr>
+        <p:spPr>
+          <a:xfrm>
+            <a:off x="8472458" y="4663217"/>
+            <a:ext cx="548700" cy="393600"/>
+          </a:xfrm>
+          <a:prstGeom prst="rect">
+            <a:avLst/>
+          </a:prstGeom>
+        </p:spPr>
+        <p:txBody>
+          <a:bodyPr anchorCtr="0" anchor="ctr" bIns="91425" lIns="91425" spcFirstLastPara="1" rIns="91425" wrap="square" tIns="91425">
+            <a:normAutofit/>
+          </a:bodyPr>
+          <a:lstStyle/>
+          <a:p>
+            <a:pPr indent="0" lvl="0" marL="0" rtl="0" algn="r">
+              <a:spcBef>
+                <a:spcPts val="0"/>
+              </a:spcBef>
+              <a:spcAft>
+                <a:spcPts val="0"/>
+              </a:spcAft>
+              <a:buNone/>
+            </a:pPr>
+            <a:fld id="{00000000-1234-1234-1234-123412341234}" type="slidenum">
+              <a:rPr lang="en"/>
+              <a:t>‹#›</a:t>
+            </a:fld>
+            <a:endParaRPr/>
+          </a:p>
+        </p:txBody>
+      </p:sp>
+    </p:spTree>
+  </p:cSld>
+  <p:clrMapOvr>
+    <a:masterClrMapping/>
+  </p:clrMapOvr>
+</p:sld>
+</file>
+
+<file path=ppt/slides/slide23.xml><?xml version="1.0" encoding="utf-8"?>
+<p:sld xmlns:a="http://schemas.openxmlformats.org/drawingml/2006/main" xmlns:r="http://schemas.openxmlformats.org/officeDocument/2006/relationships" xmlns:mc="http://schemas.openxmlformats.org/markup-compatibility/2006" xmlns:mv="urn:schemas-microsoft-com:mac:vml" xmlns:p="http://schemas.openxmlformats.org/presentationml/2006/main" xmlns:c="http://schemas.openxmlformats.org/drawingml/2006/chart" xmlns:dgm="http://schemas.openxmlformats.org/drawingml/2006/diagram" xmlns:o="urn:schemas-microsoft-com:office:office" xmlns:v="urn:schemas-microsoft-com:vml" xmlns:pvml="urn:schemas-microsoft-com:office:powerpoint" xmlns:com="http://schemas.openxmlformats.org/drawingml/2006/compatibility" xmlns:p14="http://schemas.microsoft.com/office/powerpoint/2010/main" xmlns:p15="http://schemas.microsoft.com/office/powerpoint/2012/main" xmlns:ahyp="http://schemas.microsoft.com/office/drawing/2018/hyperlinkcolor">
+  <p:cSld>
+    <p:spTree>
+      <p:nvGrpSpPr>
+        <p:cNvPr id="308" name="Shape 308"/>
+        <p:cNvGrpSpPr/>
+        <p:nvPr/>
+      </p:nvGrpSpPr>
+      <p:grpSpPr>
+        <a:xfrm>
+          <a:off x="0" y="0"/>
+          <a:ext cx="0" cy="0"/>
+          <a:chOff x="0" y="0"/>
+          <a:chExt cx="0" cy="0"/>
+        </a:xfrm>
+      </p:grpSpPr>
+      <p:sp>
+        <p:nvSpPr>
+          <p:cNvPr id="309" name="Google Shape;309;p35"/>
+          <p:cNvSpPr txBox="1"/>
+          <p:nvPr>
+            <p:ph type="title"/>
+          </p:nvPr>
+        </p:nvSpPr>
+        <p:spPr>
+          <a:xfrm>
+            <a:off x="1297500" y="393750"/>
+            <a:ext cx="7038900" cy="914100"/>
+          </a:xfrm>
+          <a:prstGeom prst="rect">
+            <a:avLst/>
+          </a:prstGeom>
+        </p:spPr>
+        <p:txBody>
+          <a:bodyPr anchorCtr="0" anchor="t" bIns="91425" lIns="91425" spcFirstLastPara="1" rIns="91425" wrap="square" tIns="91425">
+            <a:normAutofit/>
+          </a:bodyPr>
+          <a:lstStyle/>
+          <a:p>
+            <a:pPr indent="0" lvl="0" marL="0" rtl="0" algn="l">
+              <a:spcBef>
+                <a:spcPts val="0"/>
+              </a:spcBef>
+              <a:spcAft>
+                <a:spcPts val="0"/>
+              </a:spcAft>
+              <a:buNone/>
+            </a:pPr>
+            <a:r>
+              <a:rPr lang="en"/>
+              <a:t>User Dashboard</a:t>
+            </a:r>
+            <a:endParaRPr/>
+          </a:p>
+        </p:txBody>
+      </p:sp>
+      <p:pic>
+        <p:nvPicPr>
+          <p:cNvPr id="310" name="Google Shape;310;p35"/>
+          <p:cNvPicPr preferRelativeResize="0"/>
+          <p:nvPr/>
+        </p:nvPicPr>
+        <p:blipFill>
+          <a:blip r:embed="rId3">
+            <a:alphaModFix/>
+          </a:blip>
+          <a:stretch>
+            <a:fillRect/>
+          </a:stretch>
+        </p:blipFill>
+        <p:spPr>
+          <a:xfrm>
+            <a:off x="3998225" y="1307850"/>
+            <a:ext cx="4760100" cy="3391099"/>
+          </a:xfrm>
+          <a:prstGeom prst="rect">
+            <a:avLst/>
+          </a:prstGeom>
+          <a:noFill/>
+          <a:ln>
+            <a:noFill/>
+          </a:ln>
+        </p:spPr>
+      </p:pic>
+      <p:sp>
+        <p:nvSpPr>
+          <p:cNvPr id="311" name="Google Shape;311;p35"/>
+          <p:cNvSpPr txBox="1"/>
+          <p:nvPr/>
+        </p:nvSpPr>
+        <p:spPr>
+          <a:xfrm>
+            <a:off x="870025" y="1550350"/>
+            <a:ext cx="2960100" cy="2692200"/>
+          </a:xfrm>
+          <a:prstGeom prst="rect">
+            <a:avLst/>
+          </a:prstGeom>
+          <a:noFill/>
+          <a:ln>
+            <a:noFill/>
+          </a:ln>
+        </p:spPr>
+        <p:txBody>
+          <a:bodyPr anchorCtr="0" anchor="t" bIns="91425" lIns="91425" spcFirstLastPara="1" rIns="91425" wrap="square" tIns="91425">
+            <a:spAutoFit/>
+          </a:bodyPr>
+          <a:lstStyle/>
+          <a:p>
+            <a:pPr indent="0" lvl="0" marL="0" rtl="0" algn="l">
+              <a:lnSpc>
+                <a:spcPct val="115000"/>
+              </a:lnSpc>
+              <a:spcBef>
+                <a:spcPts val="0"/>
+              </a:spcBef>
+              <a:spcAft>
+                <a:spcPts val="1200"/>
+              </a:spcAft>
+              <a:buNone/>
+            </a:pPr>
+            <a:r>
+              <a:rPr lang="en" sz="1800">
+                <a:solidFill>
+                  <a:schemeClr val="lt1"/>
+                </a:solidFill>
+                <a:latin typeface="Lato"/>
+                <a:ea typeface="Lato"/>
+                <a:cs typeface="Lato"/>
+                <a:sym typeface="Lato"/>
+              </a:rPr>
+              <a:t>The User Dashboard class encompasses all user functionality. Things like requesting/borrowing items, adding personalized favorite items, displaying different table information and more.</a:t>
+            </a:r>
+            <a:endParaRPr sz="1900">
+              <a:solidFill>
+                <a:schemeClr val="lt1"/>
+              </a:solidFill>
+              <a:latin typeface="Lato"/>
+              <a:ea typeface="Lato"/>
+              <a:cs typeface="Lato"/>
+              <a:sym typeface="Lato"/>
+            </a:endParaRPr>
+          </a:p>
+        </p:txBody>
+      </p:sp>
+      <p:sp>
+        <p:nvSpPr>
+          <p:cNvPr id="312" name="Google Shape;312;p35"/>
+          <p:cNvSpPr txBox="1"/>
+          <p:nvPr>
+            <p:ph idx="12" type="sldNum"/>
+          </p:nvPr>
+        </p:nvSpPr>
+        <p:spPr>
+          <a:xfrm>
+            <a:off x="8472458" y="4663217"/>
+            <a:ext cx="548700" cy="393600"/>
+          </a:xfrm>
+          <a:prstGeom prst="rect">
+            <a:avLst/>
+          </a:prstGeom>
+        </p:spPr>
+        <p:txBody>
+          <a:bodyPr anchorCtr="0" anchor="ctr" bIns="91425" lIns="91425" spcFirstLastPara="1" rIns="91425" wrap="square" tIns="91425">
+            <a:normAutofit/>
+          </a:bodyPr>
+          <a:lstStyle/>
+          <a:p>
+            <a:pPr indent="0" lvl="0" marL="0" rtl="0" algn="r">
+              <a:spcBef>
+                <a:spcPts val="0"/>
+              </a:spcBef>
+              <a:spcAft>
+                <a:spcPts val="0"/>
+              </a:spcAft>
+              <a:buNone/>
+            </a:pPr>
+            <a:fld id="{00000000-1234-1234-1234-123412341234}" type="slidenum">
+              <a:rPr lang="en"/>
+              <a:t>‹#›</a:t>
+            </a:fld>
+            <a:endParaRPr/>
+          </a:p>
+        </p:txBody>
+      </p:sp>
+    </p:spTree>
+  </p:cSld>
+  <p:clrMapOvr>
+    <a:masterClrMapping/>
+  </p:clrMapOvr>
+</p:sld>
+</file>
+
+<file path=ppt/slides/slide24.xml><?xml version="1.0" encoding="utf-8"?>
+<p:sld xmlns:a="http://schemas.openxmlformats.org/drawingml/2006/main" xmlns:r="http://schemas.openxmlformats.org/officeDocument/2006/relationships" xmlns:mc="http://schemas.openxmlformats.org/markup-compatibility/2006" xmlns:mv="urn:schemas-microsoft-com:mac:vml" xmlns:p="http://schemas.openxmlformats.org/presentationml/2006/main" xmlns:c="http://schemas.openxmlformats.org/drawingml/2006/chart" xmlns:dgm="http://schemas.openxmlformats.org/drawingml/2006/diagram" xmlns:o="urn:schemas-microsoft-com:office:office" xmlns:v="urn:schemas-microsoft-com:vml" xmlns:pvml="urn:schemas-microsoft-com:office:powerpoint" xmlns:com="http://schemas.openxmlformats.org/drawingml/2006/compatibility" xmlns:p14="http://schemas.microsoft.com/office/powerpoint/2010/main" xmlns:p15="http://schemas.microsoft.com/office/powerpoint/2012/main" xmlns:ahyp="http://schemas.microsoft.com/office/drawing/2018/hyperlinkcolor">
+  <p:cSld>
+    <p:spTree>
+      <p:nvGrpSpPr>
+        <p:cNvPr id="316" name="Shape 316"/>
+        <p:cNvGrpSpPr/>
+        <p:nvPr/>
+      </p:nvGrpSpPr>
+      <p:grpSpPr>
+        <a:xfrm>
+          <a:off x="0" y="0"/>
+          <a:ext cx="0" cy="0"/>
+          <a:chOff x="0" y="0"/>
+          <a:chExt cx="0" cy="0"/>
+        </a:xfrm>
+      </p:grpSpPr>
+      <p:sp>
+        <p:nvSpPr>
+          <p:cNvPr id="317" name="Google Shape;317;p36"/>
+          <p:cNvSpPr txBox="1"/>
+          <p:nvPr>
+            <p:ph type="title"/>
+          </p:nvPr>
+        </p:nvSpPr>
+        <p:spPr>
+          <a:xfrm>
+            <a:off x="1297500" y="393750"/>
+            <a:ext cx="7038900" cy="914100"/>
+          </a:xfrm>
+          <a:prstGeom prst="rect">
+            <a:avLst/>
+          </a:prstGeom>
+        </p:spPr>
+        <p:txBody>
+          <a:bodyPr anchorCtr="0" anchor="t" bIns="91425" lIns="91425" spcFirstLastPara="1" rIns="91425" wrap="square" tIns="91425">
+            <a:normAutofit/>
+          </a:bodyPr>
+          <a:lstStyle/>
+          <a:p>
+            <a:pPr indent="0" lvl="0" marL="0" rtl="0" algn="l">
+              <a:spcBef>
+                <a:spcPts val="0"/>
+              </a:spcBef>
+              <a:spcAft>
+                <a:spcPts val="0"/>
+              </a:spcAft>
+              <a:buNone/>
+            </a:pPr>
+            <a:r>
+              <a:rPr lang="en"/>
+              <a:t>User Dashboard cont’d</a:t>
+            </a:r>
+            <a:endParaRPr/>
+          </a:p>
+        </p:txBody>
+      </p:sp>
+      <p:sp>
+        <p:nvSpPr>
+          <p:cNvPr id="318" name="Google Shape;318;p36"/>
+          <p:cNvSpPr txBox="1"/>
+          <p:nvPr>
+            <p:ph idx="1" type="body"/>
+          </p:nvPr>
+        </p:nvSpPr>
+        <p:spPr>
+          <a:xfrm>
+            <a:off x="898650" y="1585875"/>
+            <a:ext cx="2961600" cy="3061500"/>
+          </a:xfrm>
+          <a:prstGeom prst="rect">
+            <a:avLst/>
+          </a:prstGeom>
+        </p:spPr>
+        <p:txBody>
+          <a:bodyPr anchorCtr="0" anchor="t" bIns="91425" lIns="91425" spcFirstLastPara="1" rIns="91425" wrap="square" tIns="91425">
+            <a:normAutofit/>
+          </a:bodyPr>
+          <a:lstStyle/>
+          <a:p>
+            <a:pPr indent="0" lvl="0" marL="0" rtl="0" algn="l">
+              <a:spcBef>
+                <a:spcPts val="0"/>
+              </a:spcBef>
+              <a:spcAft>
+                <a:spcPts val="1200"/>
+              </a:spcAft>
+              <a:buNone/>
+            </a:pPr>
+            <a:r>
+              <a:rPr lang="en" sz="1900"/>
+              <a:t>This function handled the request functionality - in which each user can select an item from the database and request to borrow for an allotted time.</a:t>
+            </a:r>
+            <a:endParaRPr sz="1900"/>
+          </a:p>
+        </p:txBody>
+      </p:sp>
+      <p:pic>
+        <p:nvPicPr>
+          <p:cNvPr id="319" name="Google Shape;319;p36"/>
+          <p:cNvPicPr preferRelativeResize="0"/>
+          <p:nvPr/>
+        </p:nvPicPr>
+        <p:blipFill>
+          <a:blip r:embed="rId3">
+            <a:alphaModFix/>
+          </a:blip>
+          <a:stretch>
+            <a:fillRect/>
+          </a:stretch>
+        </p:blipFill>
+        <p:spPr>
+          <a:xfrm>
+            <a:off x="4012650" y="985475"/>
+            <a:ext cx="4897976" cy="3677750"/>
+          </a:xfrm>
+          <a:prstGeom prst="rect">
+            <a:avLst/>
+          </a:prstGeom>
+          <a:noFill/>
+          <a:ln>
+            <a:noFill/>
+          </a:ln>
+        </p:spPr>
+      </p:pic>
+      <p:sp>
+        <p:nvSpPr>
+          <p:cNvPr id="320" name="Google Shape;320;p36"/>
+          <p:cNvSpPr txBox="1"/>
+          <p:nvPr>
+            <p:ph idx="12" type="sldNum"/>
+          </p:nvPr>
+        </p:nvSpPr>
+        <p:spPr>
+          <a:xfrm>
+            <a:off x="8472458" y="4663217"/>
+            <a:ext cx="548700" cy="393600"/>
+          </a:xfrm>
+          <a:prstGeom prst="rect">
+            <a:avLst/>
+          </a:prstGeom>
+        </p:spPr>
+        <p:txBody>
+          <a:bodyPr anchorCtr="0" anchor="ctr" bIns="91425" lIns="91425" spcFirstLastPara="1" rIns="91425" wrap="square" tIns="91425">
+            <a:normAutofit/>
+          </a:bodyPr>
+          <a:lstStyle/>
+          <a:p>
+            <a:pPr indent="0" lvl="0" marL="0" rtl="0" algn="r">
+              <a:spcBef>
+                <a:spcPts val="0"/>
+              </a:spcBef>
+              <a:spcAft>
+                <a:spcPts val="0"/>
+              </a:spcAft>
+              <a:buNone/>
+            </a:pPr>
+            <a:fld id="{00000000-1234-1234-1234-123412341234}" type="slidenum">
+              <a:rPr lang="en"/>
+              <a:t>‹#›</a:t>
+            </a:fld>
+            <a:endParaRPr/>
+          </a:p>
+        </p:txBody>
+      </p:sp>
+    </p:spTree>
+  </p:cSld>
+  <p:clrMapOvr>
+    <a:masterClrMapping/>
+  </p:clrMapOvr>
+</p:sld>
+</file>
+
+<file path=ppt/slides/slide25.xml><?xml version="1.0" encoding="utf-8"?>
+<p:sld xmlns:a="http://schemas.openxmlformats.org/drawingml/2006/main" xmlns:r="http://schemas.openxmlformats.org/officeDocument/2006/relationships" xmlns:mc="http://schemas.openxmlformats.org/markup-compatibility/2006" xmlns:mv="urn:schemas-microsoft-com:mac:vml" xmlns:p="http://schemas.openxmlformats.org/presentationml/2006/main" xmlns:c="http://schemas.openxmlformats.org/drawingml/2006/chart" xmlns:dgm="http://schemas.openxmlformats.org/drawingml/2006/diagram" xmlns:o="urn:schemas-microsoft-com:office:office" xmlns:v="urn:schemas-microsoft-com:vml" xmlns:pvml="urn:schemas-microsoft-com:office:powerpoint" xmlns:com="http://schemas.openxmlformats.org/drawingml/2006/compatibility" xmlns:p14="http://schemas.microsoft.com/office/powerpoint/2010/main" xmlns:p15="http://schemas.microsoft.com/office/powerpoint/2012/main" xmlns:ahyp="http://schemas.microsoft.com/office/drawing/2018/hyperlinkcolor">
+  <p:cSld>
+    <p:spTree>
+      <p:nvGrpSpPr>
+        <p:cNvPr id="324" name="Shape 324"/>
+        <p:cNvGrpSpPr/>
+        <p:nvPr/>
+      </p:nvGrpSpPr>
+      <p:grpSpPr>
+        <a:xfrm>
+          <a:off x="0" y="0"/>
+          <a:ext cx="0" cy="0"/>
+          <a:chOff x="0" y="0"/>
+          <a:chExt cx="0" cy="0"/>
+        </a:xfrm>
+      </p:grpSpPr>
+      <p:sp>
+        <p:nvSpPr>
+          <p:cNvPr id="325" name="Google Shape;325;p37"/>
           <p:cNvSpPr txBox="1"/>
           <p:nvPr>
             <p:ph type="title"/>
@@ -14641,7 +15398,7 @@
       </p:sp>
       <p:sp>
         <p:nvSpPr>
-          <p:cNvPr id="302" name="Google Shape;302;p37"/>
+          <p:cNvPr id="326" name="Google Shape;326;p37"/>
           <p:cNvSpPr txBox="1"/>
           <p:nvPr>
             <p:ph idx="1" type="body"/>
@@ -14673,7 +15430,7 @@
             </a:pPr>
             <a:r>
               <a:rPr lang="en" sz="1900"/>
-              <a:t>Throughout the course of our project, we implemented a few additional features to add to the enjoyment and security of the User Experience. Each is listed below:</a:t>
+              <a:t>Throughout the course of our project, we implemented a few additional features to add to the enjoyment and security of the User Experience:</a:t>
             </a:r>
             <a:endParaRPr sz="1900"/>
           </a:p>
@@ -14686,7 +15443,7 @@
                 <a:spcPts val="0"/>
               </a:spcAft>
               <a:buSzPts val="1900"/>
-              <a:buChar char="-"/>
+              <a:buChar char="●"/>
             </a:pPr>
             <a:r>
               <a:rPr lang="en" sz="1900"/>
@@ -14703,7 +15460,7 @@
                 <a:spcPts val="0"/>
               </a:spcAft>
               <a:buSzPts val="1900"/>
-              <a:buChar char="-"/>
+              <a:buChar char="●"/>
             </a:pPr>
             <a:r>
               <a:rPr lang="en" sz="1900"/>
@@ -14720,13 +15477,53 @@
                 <a:spcPts val="0"/>
               </a:spcAft>
               <a:buSzPts val="1900"/>
-              <a:buChar char="-"/>
+              <a:buChar char="●"/>
             </a:pPr>
             <a:r>
               <a:rPr lang="en" sz="1900"/>
               <a:t>Loading/Exit GIF for starting and closing the application</a:t>
             </a:r>
             <a:endParaRPr sz="1900"/>
+          </a:p>
+        </p:txBody>
+      </p:sp>
+      <p:sp>
+        <p:nvSpPr>
+          <p:cNvPr id="327" name="Google Shape;327;p37"/>
+          <p:cNvSpPr txBox="1"/>
+          <p:nvPr>
+            <p:ph idx="12" type="sldNum"/>
+          </p:nvPr>
+        </p:nvSpPr>
+        <p:spPr>
+          <a:xfrm>
+            <a:off x="8472458" y="4663217"/>
+            <a:ext cx="548700" cy="393600"/>
+          </a:xfrm>
+          <a:prstGeom prst="rect">
+            <a:avLst/>
+          </a:prstGeom>
+        </p:spPr>
+        <p:txBody>
+          <a:bodyPr anchorCtr="0" anchor="ctr" bIns="91425" lIns="91425" spcFirstLastPara="1" rIns="91425" wrap="square" tIns="91425">
+            <a:normAutofit/>
+          </a:bodyPr>
+          <a:lstStyle/>
+          <a:p>
+            <a:pPr indent="0" lvl="0" marL="0" rtl="0" algn="r">
+              <a:spcBef>
+                <a:spcPts val="0"/>
+              </a:spcBef>
+              <a:spcAft>
+                <a:spcPts val="0"/>
+              </a:spcAft>
+              <a:buNone/>
+            </a:pPr>
+            <a:fld id="{00000000-1234-1234-1234-123412341234}" type="slidenum">
+              <a:rPr lang="en"/>
+              <a:t>‹#›</a:t>
+            </a:fld>
+            <a:endParaRPr/>
           </a:p>
         </p:txBody>
       </p:sp>
@@ -14743,7 +15540,7 @@
   <p:cSld>
     <p:spTree>
       <p:nvGrpSpPr>
-        <p:cNvPr id="306" name="Shape 306"/>
+        <p:cNvPr id="331" name="Shape 331"/>
         <p:cNvGrpSpPr/>
         <p:nvPr/>
       </p:nvGrpSpPr>
@@ -14757,7 +15554,7 @@
       </p:grpSpPr>
       <p:sp>
         <p:nvSpPr>
-          <p:cNvPr id="307" name="Google Shape;307;p38"/>
+          <p:cNvPr id="332" name="Google Shape;332;p38"/>
           <p:cNvSpPr txBox="1"/>
           <p:nvPr>
             <p:ph type="title"/>
@@ -14797,7 +15594,7 @@
       </p:sp>
       <p:sp>
         <p:nvSpPr>
-          <p:cNvPr id="308" name="Google Shape;308;p38"/>
+          <p:cNvPr id="333" name="Google Shape;333;p38"/>
           <p:cNvSpPr txBox="1"/>
           <p:nvPr>
             <p:ph idx="1" type="body"/>
@@ -14866,7 +15663,7 @@
                 <a:spcPts val="0"/>
               </a:spcAft>
               <a:buSzPts val="1900"/>
-              <a:buChar char="-"/>
+              <a:buChar char="●"/>
             </a:pPr>
             <a:r>
               <a:rPr lang="en" sz="1900"/>
@@ -14883,7 +15680,7 @@
                 <a:spcPts val="0"/>
               </a:spcAft>
               <a:buSzPts val="1900"/>
-              <a:buChar char="-"/>
+              <a:buChar char="●"/>
             </a:pPr>
             <a:r>
               <a:rPr lang="en" sz="1900"/>
@@ -14900,7 +15697,7 @@
                 <a:spcPts val="0"/>
               </a:spcAft>
               <a:buSzPts val="1900"/>
-              <a:buChar char="-"/>
+              <a:buChar char="●"/>
             </a:pPr>
             <a:r>
               <a:rPr lang="en" sz="1900"/>
@@ -14918,6 +15715,46 @@
           </a:p>
         </p:txBody>
       </p:sp>
+      <p:sp>
+        <p:nvSpPr>
+          <p:cNvPr id="334" name="Google Shape;334;p38"/>
+          <p:cNvSpPr txBox="1"/>
+          <p:nvPr>
+            <p:ph idx="12" type="sldNum"/>
+          </p:nvPr>
+        </p:nvSpPr>
+        <p:spPr>
+          <a:xfrm>
+            <a:off x="8472458" y="4663217"/>
+            <a:ext cx="548700" cy="393600"/>
+          </a:xfrm>
+          <a:prstGeom prst="rect">
+            <a:avLst/>
+          </a:prstGeom>
+        </p:spPr>
+        <p:txBody>
+          <a:bodyPr anchorCtr="0" anchor="ctr" bIns="91425" lIns="91425" spcFirstLastPara="1" rIns="91425" wrap="square" tIns="91425">
+            <a:normAutofit/>
+          </a:bodyPr>
+          <a:lstStyle/>
+          <a:p>
+            <a:pPr indent="0" lvl="0" marL="0" rtl="0" algn="r">
+              <a:spcBef>
+                <a:spcPts val="0"/>
+              </a:spcBef>
+              <a:spcAft>
+                <a:spcPts val="0"/>
+              </a:spcAft>
+              <a:buNone/>
+            </a:pPr>
+            <a:fld id="{00000000-1234-1234-1234-123412341234}" type="slidenum">
+              <a:rPr lang="en"/>
+              <a:t>‹#›</a:t>
+            </a:fld>
+            <a:endParaRPr/>
+          </a:p>
+        </p:txBody>
+      </p:sp>
     </p:spTree>
   </p:cSld>
   <p:clrMapOvr>
@@ -14931,7 +15768,7 @@
   <p:cSld>
     <p:spTree>
       <p:nvGrpSpPr>
-        <p:cNvPr id="312" name="Shape 312"/>
+        <p:cNvPr id="338" name="Shape 338"/>
         <p:cNvGrpSpPr/>
         <p:nvPr/>
       </p:nvGrpSpPr>
@@ -14945,7 +15782,7 @@
       </p:grpSpPr>
       <p:sp>
         <p:nvSpPr>
-          <p:cNvPr id="313" name="Google Shape;313;p39"/>
+          <p:cNvPr id="339" name="Google Shape;339;p39"/>
           <p:cNvSpPr txBox="1"/>
           <p:nvPr>
             <p:ph type="title"/>
@@ -14985,7 +15822,7 @@
       </p:sp>
       <p:pic>
         <p:nvPicPr>
-          <p:cNvPr id="314" name="Google Shape;314;p39"/>
+          <p:cNvPr id="340" name="Google Shape;340;p39"/>
           <p:cNvPicPr preferRelativeResize="0"/>
           <p:nvPr/>
         </p:nvPicPr>
@@ -15011,6 +15848,46 @@
           </a:ln>
         </p:spPr>
       </p:pic>
+      <p:sp>
+        <p:nvSpPr>
+          <p:cNvPr id="341" name="Google Shape;341;p39"/>
+          <p:cNvSpPr txBox="1"/>
+          <p:nvPr>
+            <p:ph idx="12" type="sldNum"/>
+          </p:nvPr>
+        </p:nvSpPr>
+        <p:spPr>
+          <a:xfrm>
+            <a:off x="8472458" y="4663217"/>
+            <a:ext cx="548700" cy="393600"/>
+          </a:xfrm>
+          <a:prstGeom prst="rect">
+            <a:avLst/>
+          </a:prstGeom>
+        </p:spPr>
+        <p:txBody>
+          <a:bodyPr anchorCtr="0" anchor="ctr" bIns="91425" lIns="91425" spcFirstLastPara="1" rIns="91425" wrap="square" tIns="91425">
+            <a:normAutofit/>
+          </a:bodyPr>
+          <a:lstStyle/>
+          <a:p>
+            <a:pPr indent="0" lvl="0" marL="0" rtl="0" algn="r">
+              <a:spcBef>
+                <a:spcPts val="0"/>
+              </a:spcBef>
+              <a:spcAft>
+                <a:spcPts val="0"/>
+              </a:spcAft>
+              <a:buNone/>
+            </a:pPr>
+            <a:fld id="{00000000-1234-1234-1234-123412341234}" type="slidenum">
+              <a:rPr lang="en"/>
+              <a:t>‹#›</a:t>
+            </a:fld>
+            <a:endParaRPr/>
+          </a:p>
+        </p:txBody>
+      </p:sp>
     </p:spTree>
   </p:cSld>
   <p:clrMapOvr>
@@ -15024,7 +15901,7 @@
   <p:cSld>
     <p:spTree>
       <p:nvGrpSpPr>
-        <p:cNvPr id="318" name="Shape 318"/>
+        <p:cNvPr id="345" name="Shape 345"/>
         <p:cNvGrpSpPr/>
         <p:nvPr/>
       </p:nvGrpSpPr>
@@ -15038,7 +15915,7 @@
       </p:grpSpPr>
       <p:sp>
         <p:nvSpPr>
-          <p:cNvPr id="319" name="Google Shape;319;p40"/>
+          <p:cNvPr id="346" name="Google Shape;346;p40"/>
           <p:cNvSpPr txBox="1"/>
           <p:nvPr>
             <p:ph type="title"/>
@@ -15078,7 +15955,7 @@
       </p:sp>
       <p:sp>
         <p:nvSpPr>
-          <p:cNvPr id="320" name="Google Shape;320;p40"/>
+          <p:cNvPr id="347" name="Google Shape;347;p40"/>
           <p:cNvSpPr txBox="1"/>
           <p:nvPr>
             <p:ph idx="1" type="body"/>
@@ -15118,7 +15995,7 @@
       </p:sp>
       <p:pic>
         <p:nvPicPr>
-          <p:cNvPr id="321" name="Google Shape;321;p40"/>
+          <p:cNvPr id="348" name="Google Shape;348;p40"/>
           <p:cNvPicPr preferRelativeResize="0"/>
           <p:nvPr/>
         </p:nvPicPr>
@@ -15144,6 +16021,46 @@
           </a:ln>
         </p:spPr>
       </p:pic>
+      <p:sp>
+        <p:nvSpPr>
+          <p:cNvPr id="349" name="Google Shape;349;p40"/>
+          <p:cNvSpPr txBox="1"/>
+          <p:nvPr>
+            <p:ph idx="12" type="sldNum"/>
+          </p:nvPr>
+        </p:nvSpPr>
+        <p:spPr>
+          <a:xfrm>
+            <a:off x="8472458" y="4663217"/>
+            <a:ext cx="548700" cy="393600"/>
+          </a:xfrm>
+          <a:prstGeom prst="rect">
+            <a:avLst/>
+          </a:prstGeom>
+        </p:spPr>
+        <p:txBody>
+          <a:bodyPr anchorCtr="0" anchor="ctr" bIns="91425" lIns="91425" spcFirstLastPara="1" rIns="91425" wrap="square" tIns="91425">
+            <a:normAutofit/>
+          </a:bodyPr>
+          <a:lstStyle/>
+          <a:p>
+            <a:pPr indent="0" lvl="0" marL="0" rtl="0" algn="r">
+              <a:spcBef>
+                <a:spcPts val="0"/>
+              </a:spcBef>
+              <a:spcAft>
+                <a:spcPts val="0"/>
+              </a:spcAft>
+              <a:buNone/>
+            </a:pPr>
+            <a:fld id="{00000000-1234-1234-1234-123412341234}" type="slidenum">
+              <a:rPr lang="en"/>
+              <a:t>‹#›</a:t>
+            </a:fld>
+            <a:endParaRPr/>
+          </a:p>
+        </p:txBody>
+      </p:sp>
     </p:spTree>
   </p:cSld>
   <p:clrMapOvr>
@@ -15157,7 +16074,7 @@
   <p:cSld>
     <p:spTree>
       <p:nvGrpSpPr>
-        <p:cNvPr id="325" name="Shape 325"/>
+        <p:cNvPr id="353" name="Shape 353"/>
         <p:cNvGrpSpPr/>
         <p:nvPr/>
       </p:nvGrpSpPr>
@@ -15171,7 +16088,7 @@
       </p:grpSpPr>
       <p:sp>
         <p:nvSpPr>
-          <p:cNvPr id="326" name="Google Shape;326;p41"/>
+          <p:cNvPr id="354" name="Google Shape;354;p41"/>
           <p:cNvSpPr txBox="1"/>
           <p:nvPr>
             <p:ph type="title"/>
@@ -15209,48 +16126,9 @@
           </a:p>
         </p:txBody>
       </p:sp>
-      <p:sp>
-        <p:nvSpPr>
-          <p:cNvPr id="327" name="Google Shape;327;p41"/>
-          <p:cNvSpPr txBox="1"/>
-          <p:nvPr>
-            <p:ph idx="1" type="body"/>
-          </p:nvPr>
-        </p:nvSpPr>
-        <p:spPr>
-          <a:xfrm>
-            <a:off x="1297500" y="1567550"/>
-            <a:ext cx="7038900" cy="2911200"/>
-          </a:xfrm>
-          <a:prstGeom prst="rect">
-            <a:avLst/>
-          </a:prstGeom>
-        </p:spPr>
-        <p:txBody>
-          <a:bodyPr anchorCtr="0" anchor="t" bIns="91425" lIns="91425" spcFirstLastPara="1" rIns="91425" wrap="square" tIns="91425">
-            <a:normAutofit/>
-          </a:bodyPr>
-          <a:lstStyle/>
-          <a:p>
-            <a:pPr indent="0" lvl="0" marL="0" rtl="0" algn="l">
-              <a:spcBef>
-                <a:spcPts val="0"/>
-              </a:spcBef>
-              <a:spcAft>
-                <a:spcPts val="1200"/>
-              </a:spcAft>
-              <a:buNone/>
-            </a:pPr>
-            <a:r>
-              <a:t/>
-            </a:r>
-            <a:endParaRPr/>
-          </a:p>
-        </p:txBody>
-      </p:sp>
       <p:pic>
         <p:nvPicPr>
-          <p:cNvPr descr="ITS TIME FOR THE EPIC DEMO" id="328" name="Google Shape;328;p41" title="EPIC DEMO TIME">
+          <p:cNvPr descr="ITS TIME FOR THE EPIC DEMO" id="355" name="Google Shape;355;p41" title="EPIC DEMO TIME">
             <a:hlinkClick r:id="rId3"/>
           </p:cNvPr>
           <p:cNvPicPr preferRelativeResize="0"/>
@@ -15285,6 +16163,46 @@
           </a:effectLst>
         </p:spPr>
       </p:pic>
+      <p:sp>
+        <p:nvSpPr>
+          <p:cNvPr id="356" name="Google Shape;356;p41"/>
+          <p:cNvSpPr txBox="1"/>
+          <p:nvPr>
+            <p:ph idx="12" type="sldNum"/>
+          </p:nvPr>
+        </p:nvSpPr>
+        <p:spPr>
+          <a:xfrm>
+            <a:off x="8472458" y="4663217"/>
+            <a:ext cx="548700" cy="393600"/>
+          </a:xfrm>
+          <a:prstGeom prst="rect">
+            <a:avLst/>
+          </a:prstGeom>
+        </p:spPr>
+        <p:txBody>
+          <a:bodyPr anchorCtr="0" anchor="ctr" bIns="91425" lIns="91425" spcFirstLastPara="1" rIns="91425" wrap="square" tIns="91425">
+            <a:normAutofit/>
+          </a:bodyPr>
+          <a:lstStyle/>
+          <a:p>
+            <a:pPr indent="0" lvl="0" marL="0" rtl="0" algn="r">
+              <a:spcBef>
+                <a:spcPts val="0"/>
+              </a:spcBef>
+              <a:spcAft>
+                <a:spcPts val="0"/>
+              </a:spcAft>
+              <a:buNone/>
+            </a:pPr>
+            <a:fld id="{00000000-1234-1234-1234-123412341234}" type="slidenum">
+              <a:rPr lang="en"/>
+              <a:t>‹#›</a:t>
+            </a:fld>
+            <a:endParaRPr/>
+          </a:p>
+        </p:txBody>
+      </p:sp>
     </p:spTree>
   </p:cSld>
   <p:clrMapOvr>
@@ -15327,7 +16245,7 @@
                                           </p:stCondLst>
                                         </p:cTn>
                                         <p:tgtEl>
-                                          <p:spTgt spid="328"/>
+                                          <p:spTgt spid="355"/>
                                         </p:tgtEl>
                                         <p:attrNameLst>
                                           <p:attrName>style.visibility</p:attrName>
@@ -15341,7 +16259,7 @@
                                       <p:cBhvr>
                                         <p:cTn dur="1000"/>
                                         <p:tgtEl>
-                                          <p:spTgt spid="328"/>
+                                          <p:spTgt spid="355"/>
                                         </p:tgtEl>
                                       </p:cBhvr>
                                     </p:animEffect>
@@ -15384,7 +16302,7 @@
   <p:cSld>
     <p:spTree>
       <p:nvGrpSpPr>
-        <p:cNvPr id="145" name="Shape 145"/>
+        <p:cNvPr id="148" name="Shape 148"/>
         <p:cNvGrpSpPr/>
         <p:nvPr/>
       </p:nvGrpSpPr>
@@ -15398,7 +16316,7 @@
       </p:grpSpPr>
       <p:sp>
         <p:nvSpPr>
-          <p:cNvPr id="146" name="Google Shape;146;p15"/>
+          <p:cNvPr id="149" name="Google Shape;149;p15"/>
           <p:cNvSpPr txBox="1"/>
           <p:nvPr>
             <p:ph type="title"/>
@@ -15415,7 +16333,7 @@
         </p:spPr>
         <p:txBody>
           <a:bodyPr anchorCtr="0" anchor="t" bIns="91425" lIns="91425" spcFirstLastPara="1" rIns="91425" wrap="square" tIns="91425">
-            <a:normAutofit/>
+            <a:normAutofit fontScale="90000"/>
           </a:bodyPr>
           <a:lstStyle/>
           <a:p>
@@ -15430,7 +16348,7 @@
             </a:pPr>
             <a:r>
               <a:rPr lang="en"/>
-              <a:t>Implemented Modules</a:t>
+              <a:t>Modules of Warehouse Management System</a:t>
             </a:r>
             <a:endParaRPr/>
           </a:p>
@@ -15438,7 +16356,7 @@
       </p:sp>
       <p:sp>
         <p:nvSpPr>
-          <p:cNvPr id="147" name="Google Shape;147;p15"/>
+          <p:cNvPr id="150" name="Google Shape;150;p15"/>
           <p:cNvSpPr txBox="1"/>
           <p:nvPr>
             <p:ph idx="1" type="body"/>
@@ -15446,7 +16364,7 @@
         </p:nvSpPr>
         <p:spPr>
           <a:xfrm>
-            <a:off x="1297500" y="1567550"/>
+            <a:off x="1297500" y="1270075"/>
             <a:ext cx="7038900" cy="2911200"/>
           </a:xfrm>
           <a:prstGeom prst="rect">
@@ -15454,7 +16372,7 @@
           </a:prstGeom>
         </p:spPr>
         <p:txBody>
-          <a:bodyPr anchorCtr="0" anchor="t" bIns="91425" lIns="91425" spcFirstLastPara="1" rIns="91425" wrap="square" tIns="91425">
+          <a:bodyPr anchorCtr="0" anchor="ctr" bIns="91425" lIns="91425" spcFirstLastPara="1" rIns="91425" wrap="square" tIns="91425">
             <a:normAutofit/>
           </a:bodyPr>
           <a:lstStyle/>
@@ -15467,11 +16385,15 @@
                 <a:spcPts val="0"/>
               </a:spcAft>
               <a:buSzPts val="1900"/>
-              <a:buChar char="-"/>
+              <a:buChar char="●"/>
             </a:pPr>
             <a:r>
               <a:rPr lang="en" sz="1900"/>
-              <a:t>Entity Relation Module</a:t>
+              <a:t>Process of our Project - </a:t>
+            </a:r>
+            <a:r>
+              <a:rPr lang="en" sz="1900"/>
+              <a:t>Flowchart</a:t>
             </a:r>
             <a:endParaRPr sz="1900"/>
           </a:p>
@@ -15484,11 +16406,15 @@
                 <a:spcPts val="0"/>
               </a:spcAft>
               <a:buSzPts val="1900"/>
-              <a:buChar char="-"/>
+              <a:buChar char="●"/>
             </a:pPr>
             <a:r>
               <a:rPr lang="en" sz="1900"/>
-              <a:t>Flow Chart</a:t>
+              <a:t>Database Structure - </a:t>
+            </a:r>
+            <a:r>
+              <a:rPr lang="en" sz="1900"/>
+              <a:t>Entity Relationship Diagram</a:t>
             </a:r>
             <a:endParaRPr sz="1900"/>
           </a:p>
@@ -15501,13 +16427,53 @@
                 <a:spcPts val="0"/>
               </a:spcAft>
               <a:buSzPts val="1900"/>
-              <a:buChar char="-"/>
+              <a:buChar char="●"/>
             </a:pPr>
             <a:r>
               <a:rPr lang="en" sz="1900"/>
               <a:t>Graphical User Interface Design</a:t>
             </a:r>
             <a:endParaRPr sz="1900"/>
+          </a:p>
+        </p:txBody>
+      </p:sp>
+      <p:sp>
+        <p:nvSpPr>
+          <p:cNvPr id="151" name="Google Shape;151;p15"/>
+          <p:cNvSpPr txBox="1"/>
+          <p:nvPr>
+            <p:ph idx="12" type="sldNum"/>
+          </p:nvPr>
+        </p:nvSpPr>
+        <p:spPr>
+          <a:xfrm>
+            <a:off x="8472458" y="4663217"/>
+            <a:ext cx="548700" cy="393600"/>
+          </a:xfrm>
+          <a:prstGeom prst="rect">
+            <a:avLst/>
+          </a:prstGeom>
+        </p:spPr>
+        <p:txBody>
+          <a:bodyPr anchorCtr="0" anchor="ctr" bIns="91425" lIns="91425" spcFirstLastPara="1" rIns="91425" wrap="square" tIns="91425">
+            <a:normAutofit/>
+          </a:bodyPr>
+          <a:lstStyle/>
+          <a:p>
+            <a:pPr indent="0" lvl="0" marL="0" rtl="0" algn="r">
+              <a:spcBef>
+                <a:spcPts val="0"/>
+              </a:spcBef>
+              <a:spcAft>
+                <a:spcPts val="0"/>
+              </a:spcAft>
+              <a:buNone/>
+            </a:pPr>
+            <a:fld id="{00000000-1234-1234-1234-123412341234}" type="slidenum">
+              <a:rPr lang="en"/>
+              <a:t>‹#›</a:t>
+            </a:fld>
+            <a:endParaRPr/>
           </a:p>
         </p:txBody>
       </p:sp>
@@ -15524,7 +16490,7 @@
   <p:cSld>
     <p:spTree>
       <p:nvGrpSpPr>
-        <p:cNvPr id="332" name="Shape 332"/>
+        <p:cNvPr id="360" name="Shape 360"/>
         <p:cNvGrpSpPr/>
         <p:nvPr/>
       </p:nvGrpSpPr>
@@ -15538,7 +16504,7 @@
       </p:grpSpPr>
       <p:sp>
         <p:nvSpPr>
-          <p:cNvPr id="333" name="Google Shape;333;p42"/>
+          <p:cNvPr id="361" name="Google Shape;361;p42"/>
           <p:cNvSpPr txBox="1"/>
           <p:nvPr>
             <p:ph type="title"/>
@@ -15574,6 +16540,46 @@
               <a:t>Questions?</a:t>
             </a:r>
             <a:endParaRPr sz="4020"/>
+          </a:p>
+        </p:txBody>
+      </p:sp>
+      <p:sp>
+        <p:nvSpPr>
+          <p:cNvPr id="362" name="Google Shape;362;p42"/>
+          <p:cNvSpPr txBox="1"/>
+          <p:nvPr>
+            <p:ph idx="12" type="sldNum"/>
+          </p:nvPr>
+        </p:nvSpPr>
+        <p:spPr>
+          <a:xfrm>
+            <a:off x="8472458" y="4663217"/>
+            <a:ext cx="548700" cy="393600"/>
+          </a:xfrm>
+          <a:prstGeom prst="rect">
+            <a:avLst/>
+          </a:prstGeom>
+        </p:spPr>
+        <p:txBody>
+          <a:bodyPr anchorCtr="0" anchor="ctr" bIns="91425" lIns="91425" spcFirstLastPara="1" rIns="91425" wrap="square" tIns="91425">
+            <a:normAutofit/>
+          </a:bodyPr>
+          <a:lstStyle/>
+          <a:p>
+            <a:pPr indent="0" lvl="0" marL="0" rtl="0" algn="r">
+              <a:spcBef>
+                <a:spcPts val="0"/>
+              </a:spcBef>
+              <a:spcAft>
+                <a:spcPts val="0"/>
+              </a:spcAft>
+              <a:buNone/>
+            </a:pPr>
+            <a:fld id="{00000000-1234-1234-1234-123412341234}" type="slidenum">
+              <a:rPr lang="en"/>
+              <a:t>‹#›</a:t>
+            </a:fld>
+            <a:endParaRPr/>
           </a:p>
         </p:txBody>
       </p:sp>
@@ -15590,7 +16596,7 @@
   <p:cSld>
     <p:spTree>
       <p:nvGrpSpPr>
-        <p:cNvPr id="337" name="Shape 337"/>
+        <p:cNvPr id="366" name="Shape 366"/>
         <p:cNvGrpSpPr/>
         <p:nvPr/>
       </p:nvGrpSpPr>
@@ -15604,7 +16610,7 @@
       </p:grpSpPr>
       <p:sp>
         <p:nvSpPr>
-          <p:cNvPr id="338" name="Google Shape;338;p43"/>
+          <p:cNvPr id="367" name="Google Shape;367;p43"/>
           <p:cNvSpPr txBox="1"/>
           <p:nvPr>
             <p:ph type="title"/>
@@ -15636,7 +16642,7 @@
             </a:pPr>
             <a:r>
               <a:rPr lang="en"/>
-              <a:t>Work Cited</a:t>
+              <a:t>References</a:t>
             </a:r>
             <a:endParaRPr/>
           </a:p>
@@ -15644,7 +16650,7 @@
       </p:sp>
       <p:sp>
         <p:nvSpPr>
-          <p:cNvPr id="339" name="Google Shape;339;p43"/>
+          <p:cNvPr id="368" name="Google Shape;368;p43"/>
           <p:cNvSpPr txBox="1"/>
           <p:nvPr>
             <p:ph idx="1" type="body"/>
@@ -15673,7 +16679,7 @@
                 <a:spcPts val="0"/>
               </a:spcAft>
               <a:buSzPts val="1700"/>
-              <a:buChar char="-"/>
+              <a:buChar char="●"/>
             </a:pPr>
             <a:r>
               <a:rPr lang="en" sz="1400"/>
@@ -15690,13 +16696,13 @@
                 <a:spcPts val="0"/>
               </a:spcAft>
               <a:buSzPts val="1400"/>
-              <a:buChar char="-"/>
+              <a:buChar char="●"/>
             </a:pPr>
             <a:r>
-              <a:rPr lang="en" sz="1400" u="sng">
-                <a:solidFill>
-                  <a:schemeClr val="hlink"/>
-                </a:solidFill>
+              <a:rPr lang="en" sz="1400">
+                <a:uFill>
+                  <a:noFill/>
+                </a:uFill>
                 <a:hlinkClick r:id="rId3"/>
               </a:rPr>
               <a:t>https://stackoverflow.com/questions/26916640/javafx-not-on-fx-application-thread-when-using-timer</a:t>
@@ -15712,13 +16718,13 @@
                 <a:spcPts val="0"/>
               </a:spcAft>
               <a:buSzPts val="1400"/>
-              <a:buChar char="-"/>
+              <a:buChar char="●"/>
             </a:pPr>
             <a:r>
-              <a:rPr lang="en" sz="1400" u="sng">
-                <a:solidFill>
-                  <a:schemeClr val="hlink"/>
-                </a:solidFill>
+              <a:rPr lang="en" sz="1400">
+                <a:uFill>
+                  <a:noFill/>
+                </a:uFill>
                 <a:hlinkClick r:id="rId4"/>
               </a:rPr>
               <a:t>https://www.blender.org/</a:t>
@@ -15734,13 +16740,97 @@
                 <a:spcPts val="0"/>
               </a:spcAft>
               <a:buSzPts val="1400"/>
-              <a:buChar char="-"/>
+              <a:buChar char="●"/>
+            </a:pPr>
+            <a:r>
+              <a:rPr lang="en" sz="1400">
+                <a:uFill>
+                  <a:noFill/>
+                </a:uFill>
+                <a:hlinkClick r:id="rId5"/>
+              </a:rPr>
+              <a:t>https://www.adobe.com/</a:t>
+            </a:r>
+            <a:endParaRPr sz="1400"/>
+          </a:p>
+          <a:p>
+            <a:pPr indent="-317500" lvl="0" marL="457200" rtl="0" algn="l">
+              <a:spcBef>
+                <a:spcPts val="0"/>
+              </a:spcBef>
+              <a:spcAft>
+                <a:spcPts val="0"/>
+              </a:spcAft>
+              <a:buSzPts val="1400"/>
+              <a:buChar char="●"/>
+            </a:pPr>
+            <a:r>
+              <a:rPr lang="en" sz="1400">
+                <a:uFill>
+                  <a:noFill/>
+                </a:uFill>
+                <a:hlinkClick r:id="rId6"/>
+              </a:rPr>
+              <a:t>https://help.umbler.com/hc/en-us/articles/202385865-MySQL-Importing-Exporting-a-database#:~:text=Importing%20a%20database%20from%20a,File%20and%20select%20the%20file</a:t>
+            </a:r>
+            <a:endParaRPr sz="1400"/>
+          </a:p>
+          <a:p>
+            <a:pPr indent="-317500" lvl="0" marL="457200" rtl="0" algn="l">
+              <a:spcBef>
+                <a:spcPts val="0"/>
+              </a:spcBef>
+              <a:spcAft>
+                <a:spcPts val="0"/>
+              </a:spcAft>
+              <a:buSzPts val="1400"/>
+              <a:buChar char="●"/>
             </a:pPr>
             <a:r>
               <a:rPr lang="en" sz="1400"/>
-              <a:t>https://www.adobe.com/</a:t>
+              <a:t>https://www.mysql.com/products/workbench/</a:t>
             </a:r>
             <a:endParaRPr sz="1400"/>
+          </a:p>
+        </p:txBody>
+      </p:sp>
+      <p:sp>
+        <p:nvSpPr>
+          <p:cNvPr id="369" name="Google Shape;369;p43"/>
+          <p:cNvSpPr txBox="1"/>
+          <p:nvPr>
+            <p:ph idx="12" type="sldNum"/>
+          </p:nvPr>
+        </p:nvSpPr>
+        <p:spPr>
+          <a:xfrm>
+            <a:off x="8472458" y="4663217"/>
+            <a:ext cx="548700" cy="393600"/>
+          </a:xfrm>
+          <a:prstGeom prst="rect">
+            <a:avLst/>
+          </a:prstGeom>
+        </p:spPr>
+        <p:txBody>
+          <a:bodyPr anchorCtr="0" anchor="ctr" bIns="91425" lIns="91425" spcFirstLastPara="1" rIns="91425" wrap="square" tIns="91425">
+            <a:normAutofit/>
+          </a:bodyPr>
+          <a:lstStyle/>
+          <a:p>
+            <a:pPr indent="0" lvl="0" marL="0" rtl="0" algn="r">
+              <a:spcBef>
+                <a:spcPts val="0"/>
+              </a:spcBef>
+              <a:spcAft>
+                <a:spcPts val="0"/>
+              </a:spcAft>
+              <a:buNone/>
+            </a:pPr>
+            <a:fld id="{00000000-1234-1234-1234-123412341234}" type="slidenum">
+              <a:rPr lang="en"/>
+              <a:t>‹#›</a:t>
+            </a:fld>
+            <a:endParaRPr/>
           </a:p>
         </p:txBody>
       </p:sp>
@@ -15757,7 +16847,7 @@
   <p:cSld>
     <p:spTree>
       <p:nvGrpSpPr>
-        <p:cNvPr id="151" name="Shape 151"/>
+        <p:cNvPr id="155" name="Shape 155"/>
         <p:cNvGrpSpPr/>
         <p:nvPr/>
       </p:nvGrpSpPr>
@@ -15771,7 +16861,7 @@
       </p:grpSpPr>
       <p:sp>
         <p:nvSpPr>
-          <p:cNvPr id="152" name="Google Shape;152;p16"/>
+          <p:cNvPr id="156" name="Google Shape;156;p16"/>
           <p:cNvSpPr txBox="1"/>
           <p:nvPr>
             <p:ph type="title"/>
@@ -15788,7 +16878,7 @@
         </p:spPr>
         <p:txBody>
           <a:bodyPr anchorCtr="0" anchor="t" bIns="91425" lIns="91425" spcFirstLastPara="1" rIns="91425" wrap="square" tIns="91425">
-            <a:normAutofit/>
+            <a:normAutofit fontScale="90000"/>
           </a:bodyPr>
           <a:lstStyle/>
           <a:p>
@@ -15803,15 +16893,76 @@
             </a:pPr>
             <a:r>
               <a:rPr lang="en"/>
-              <a:t>Entity Relations Module</a:t>
+              <a:t>The Process of our Warehouse Management System</a:t>
             </a:r>
             <a:endParaRPr/>
           </a:p>
         </p:txBody>
       </p:sp>
+      <p:sp>
+        <p:nvSpPr>
+          <p:cNvPr id="157" name="Google Shape;157;p16"/>
+          <p:cNvSpPr txBox="1"/>
+          <p:nvPr/>
+        </p:nvSpPr>
+        <p:spPr>
+          <a:xfrm>
+            <a:off x="1234475" y="1705825"/>
+            <a:ext cx="2848200" cy="2339700"/>
+          </a:xfrm>
+          <a:prstGeom prst="rect">
+            <a:avLst/>
+          </a:prstGeom>
+          <a:noFill/>
+          <a:ln>
+            <a:noFill/>
+          </a:ln>
+        </p:spPr>
+        <p:txBody>
+          <a:bodyPr anchorCtr="0" anchor="t" bIns="91425" lIns="91425" spcFirstLastPara="1" rIns="91425" wrap="square" tIns="91425">
+            <a:spAutoFit/>
+          </a:bodyPr>
+          <a:lstStyle/>
+          <a:p>
+            <a:pPr indent="0" lvl="0" marL="0" rtl="0" algn="l">
+              <a:lnSpc>
+                <a:spcPct val="100000"/>
+              </a:lnSpc>
+              <a:spcBef>
+                <a:spcPts val="0"/>
+              </a:spcBef>
+              <a:spcAft>
+                <a:spcPts val="0"/>
+              </a:spcAft>
+              <a:buNone/>
+            </a:pPr>
+            <a:r>
+              <a:rPr lang="en" sz="2000">
+                <a:solidFill>
+                  <a:schemeClr val="lt1"/>
+                </a:solidFill>
+                <a:latin typeface="Lato"/>
+                <a:ea typeface="Lato"/>
+                <a:cs typeface="Lato"/>
+                <a:sym typeface="Lato"/>
+              </a:rPr>
+              <a:t>The flowchart for this project helped us visualize the user experience and get a firm grasp on how the program should function.</a:t>
+            </a:r>
+            <a:endParaRPr sz="2000">
+              <a:solidFill>
+                <a:schemeClr val="lt1"/>
+              </a:solidFill>
+              <a:latin typeface="Lato"/>
+              <a:ea typeface="Lato"/>
+              <a:cs typeface="Lato"/>
+              <a:sym typeface="Lato"/>
+            </a:endParaRPr>
+          </a:p>
+        </p:txBody>
+      </p:sp>
       <p:pic>
         <p:nvPicPr>
-          <p:cNvPr id="153" name="Google Shape;153;p16"/>
+          <p:cNvPr id="158" name="Google Shape;158;p16"/>
           <p:cNvPicPr preferRelativeResize="0"/>
           <p:nvPr/>
         </p:nvPicPr>
@@ -15825,8 +16976,8 @@
         </p:blipFill>
         <p:spPr>
           <a:xfrm>
-            <a:off x="4731125" y="1307850"/>
-            <a:ext cx="3889336" cy="3530849"/>
+            <a:off x="4333425" y="1248913"/>
+            <a:ext cx="4641376" cy="3417213"/>
           </a:xfrm>
           <a:prstGeom prst="rect">
             <a:avLst/>
@@ -15839,187 +16990,41 @@
       </p:pic>
       <p:sp>
         <p:nvSpPr>
-          <p:cNvPr id="154" name="Google Shape;154;p16"/>
+          <p:cNvPr id="159" name="Google Shape;159;p16"/>
           <p:cNvSpPr txBox="1"/>
-          <p:nvPr/>
+          <p:nvPr>
+            <p:ph idx="12" type="sldNum"/>
+          </p:nvPr>
         </p:nvSpPr>
         <p:spPr>
           <a:xfrm>
-            <a:off x="509100" y="1833000"/>
-            <a:ext cx="4062900" cy="1477500"/>
+            <a:off x="8472458" y="4663217"/>
+            <a:ext cx="548700" cy="393600"/>
           </a:xfrm>
           <a:prstGeom prst="rect">
             <a:avLst/>
           </a:prstGeom>
-          <a:noFill/>
-          <a:ln>
-            <a:noFill/>
-          </a:ln>
         </p:spPr>
         <p:txBody>
-          <a:bodyPr anchorCtr="0" anchor="t" bIns="91425" lIns="91425" spcFirstLastPara="1" rIns="91425" wrap="square" tIns="91425">
-            <a:spAutoFit/>
+          <a:bodyPr anchorCtr="0" anchor="ctr" bIns="91425" lIns="91425" spcFirstLastPara="1" rIns="91425" wrap="square" tIns="91425">
+            <a:normAutofit/>
           </a:bodyPr>
           <a:lstStyle/>
           <a:p>
-            <a:pPr indent="-317500" lvl="0" marL="457200" rtl="0" algn="l">
-              <a:spcBef>
-                <a:spcPts val="0"/>
-              </a:spcBef>
-              <a:spcAft>
-                <a:spcPts val="0"/>
-              </a:spcAft>
-              <a:buClr>
-                <a:schemeClr val="lt1"/>
-              </a:buClr>
-              <a:buSzPts val="1400"/>
-              <a:buFont typeface="Lato"/>
-              <a:buChar char="●"/>
+            <a:pPr indent="0" lvl="0" marL="0" rtl="0" algn="r">
+              <a:spcBef>
+                <a:spcPts val="0"/>
+              </a:spcBef>
+              <a:spcAft>
+                <a:spcPts val="0"/>
+              </a:spcAft>
+              <a:buNone/>
             </a:pPr>
-            <a:r>
-              <a:rPr lang="en">
-                <a:solidFill>
-                  <a:schemeClr val="lt1"/>
-                </a:solidFill>
-                <a:latin typeface="Lato"/>
-                <a:ea typeface="Lato"/>
-                <a:cs typeface="Lato"/>
-                <a:sym typeface="Lato"/>
-              </a:rPr>
-              <a:t>Each table has its own attributes and keys.</a:t>
-            </a:r>
-            <a:endParaRPr>
-              <a:solidFill>
-                <a:schemeClr val="lt1"/>
-              </a:solidFill>
-              <a:latin typeface="Lato"/>
-              <a:ea typeface="Lato"/>
-              <a:cs typeface="Lato"/>
-              <a:sym typeface="Lato"/>
-            </a:endParaRPr>
-          </a:p>
-          <a:p>
-            <a:pPr indent="-317500" lvl="1" marL="914400" rtl="0" algn="l">
-              <a:spcBef>
-                <a:spcPts val="0"/>
-              </a:spcBef>
-              <a:spcAft>
-                <a:spcPts val="0"/>
-              </a:spcAft>
-              <a:buClr>
-                <a:schemeClr val="lt1"/>
-              </a:buClr>
-              <a:buSzPts val="1400"/>
-              <a:buFont typeface="Lato"/>
-              <a:buChar char="○"/>
-            </a:pPr>
-            <a:r>
-              <a:rPr lang="en">
-                <a:solidFill>
-                  <a:schemeClr val="lt1"/>
-                </a:solidFill>
-                <a:latin typeface="Lato"/>
-                <a:ea typeface="Lato"/>
-                <a:cs typeface="Lato"/>
-                <a:sym typeface="Lato"/>
-              </a:rPr>
-              <a:t>Key Items are designated by the Key</a:t>
-            </a:r>
-            <a:endParaRPr>
-              <a:solidFill>
-                <a:schemeClr val="lt1"/>
-              </a:solidFill>
-              <a:latin typeface="Lato"/>
-              <a:ea typeface="Lato"/>
-              <a:cs typeface="Lato"/>
-              <a:sym typeface="Lato"/>
-            </a:endParaRPr>
-          </a:p>
-          <a:p>
-            <a:pPr indent="-317500" lvl="1" marL="914400" rtl="0" algn="l">
-              <a:spcBef>
-                <a:spcPts val="0"/>
-              </a:spcBef>
-              <a:spcAft>
-                <a:spcPts val="0"/>
-              </a:spcAft>
-              <a:buClr>
-                <a:schemeClr val="lt1"/>
-              </a:buClr>
-              <a:buSzPts val="1400"/>
-              <a:buFont typeface="Lato"/>
-              <a:buChar char="○"/>
-            </a:pPr>
-            <a:r>
-              <a:rPr lang="en">
-                <a:solidFill>
-                  <a:schemeClr val="lt1"/>
-                </a:solidFill>
-                <a:latin typeface="Lato"/>
-                <a:ea typeface="Lato"/>
-                <a:cs typeface="Lato"/>
-                <a:sym typeface="Lato"/>
-              </a:rPr>
-              <a:t>Green Diamonds - </a:t>
-            </a:r>
-            <a:r>
-              <a:rPr lang="en">
-                <a:solidFill>
-                  <a:schemeClr val="lt1"/>
-                </a:solidFill>
-                <a:latin typeface="Lato"/>
-                <a:ea typeface="Lato"/>
-                <a:cs typeface="Lato"/>
-                <a:sym typeface="Lato"/>
-              </a:rPr>
-              <a:t>attributes of the table</a:t>
-            </a:r>
-            <a:endParaRPr>
-              <a:solidFill>
-                <a:schemeClr val="lt1"/>
-              </a:solidFill>
-              <a:latin typeface="Lato"/>
-              <a:ea typeface="Lato"/>
-              <a:cs typeface="Lato"/>
-              <a:sym typeface="Lato"/>
-            </a:endParaRPr>
-          </a:p>
-          <a:p>
-            <a:pPr indent="-317500" lvl="1" marL="914400" rtl="0" algn="l">
-              <a:spcBef>
-                <a:spcPts val="0"/>
-              </a:spcBef>
-              <a:spcAft>
-                <a:spcPts val="0"/>
-              </a:spcAft>
-              <a:buClr>
-                <a:schemeClr val="lt1"/>
-              </a:buClr>
-              <a:buSzPts val="1400"/>
-              <a:buFont typeface="Lato"/>
-              <a:buChar char="○"/>
-            </a:pPr>
-            <a:r>
-              <a:rPr lang="en">
-                <a:solidFill>
-                  <a:schemeClr val="lt1"/>
-                </a:solidFill>
-                <a:latin typeface="Lato"/>
-                <a:ea typeface="Lato"/>
-                <a:cs typeface="Lato"/>
-                <a:sym typeface="Lato"/>
-              </a:rPr>
-              <a:t>Red Diamonds - Foreign Key that reference attributes of other tables</a:t>
-            </a:r>
-            <a:endParaRPr>
-              <a:solidFill>
-                <a:schemeClr val="lt1"/>
-              </a:solidFill>
-              <a:latin typeface="Lato"/>
-              <a:ea typeface="Lato"/>
-              <a:cs typeface="Lato"/>
-              <a:sym typeface="Lato"/>
-            </a:endParaRPr>
+            <a:fld id="{00000000-1234-1234-1234-123412341234}" type="slidenum">
+              <a:rPr lang="en"/>
+              <a:t>‹#›</a:t>
+            </a:fld>
+            <a:endParaRPr/>
           </a:p>
         </p:txBody>
       </p:sp>
@@ -16036,7 +17041,7 @@
   <p:cSld>
     <p:spTree>
       <p:nvGrpSpPr>
-        <p:cNvPr id="158" name="Shape 158"/>
+        <p:cNvPr id="163" name="Shape 163"/>
         <p:cNvGrpSpPr/>
         <p:nvPr/>
       </p:nvGrpSpPr>
@@ -16050,7 +17055,7 @@
       </p:grpSpPr>
       <p:sp>
         <p:nvSpPr>
-          <p:cNvPr id="159" name="Google Shape;159;p17"/>
+          <p:cNvPr id="164" name="Google Shape;164;p17"/>
           <p:cNvSpPr txBox="1"/>
           <p:nvPr>
             <p:ph type="title"/>
@@ -16082,22 +17087,30 @@
             </a:pPr>
             <a:r>
               <a:rPr lang="en"/>
-              <a:t>Database - MySQL</a:t>
+              <a:t>Our Database Structure</a:t>
             </a:r>
             <a:endParaRPr/>
           </a:p>
         </p:txBody>
       </p:sp>
-      <p:sp>
-        <p:nvSpPr>
-          <p:cNvPr id="160" name="Google Shape;160;p17"/>
-          <p:cNvSpPr txBox="1"/>
+      <p:pic>
+        <p:nvPicPr>
+          <p:cNvPr id="165" name="Google Shape;165;p17"/>
+          <p:cNvPicPr preferRelativeResize="0"/>
           <p:nvPr/>
-        </p:nvSpPr>
-        <p:spPr>
-          <a:xfrm>
-            <a:off x="400800" y="2156100"/>
-            <a:ext cx="3549300" cy="1477500"/>
+        </p:nvPicPr>
+        <p:blipFill>
+          <a:blip r:embed="rId3">
+            <a:alphaModFix/>
+          </a:blip>
+          <a:stretch>
+            <a:fillRect/>
+          </a:stretch>
+        </p:blipFill>
+        <p:spPr>
+          <a:xfrm>
+            <a:off x="4731125" y="1307850"/>
+            <a:ext cx="3889336" cy="3530849"/>
           </a:xfrm>
           <a:prstGeom prst="rect">
             <a:avLst/>
@@ -16107,28 +17120,43 @@
             <a:noFill/>
           </a:ln>
         </p:spPr>
+      </p:pic>
+      <p:sp>
+        <p:nvSpPr>
+          <p:cNvPr id="166" name="Google Shape;166;p17"/>
+          <p:cNvSpPr txBox="1"/>
+          <p:nvPr/>
+        </p:nvSpPr>
+        <p:spPr>
+          <a:xfrm>
+            <a:off x="509100" y="1756800"/>
+            <a:ext cx="4062900" cy="3232500"/>
+          </a:xfrm>
+          <a:prstGeom prst="rect">
+            <a:avLst/>
+          </a:prstGeom>
+          <a:noFill/>
+          <a:ln>
+            <a:noFill/>
+          </a:ln>
+        </p:spPr>
         <p:txBody>
           <a:bodyPr anchorCtr="0" anchor="t" bIns="91425" lIns="91425" spcFirstLastPara="1" rIns="91425" wrap="square" tIns="91425">
             <a:spAutoFit/>
           </a:bodyPr>
           <a:lstStyle/>
           <a:p>
-            <a:pPr indent="-317500" lvl="0" marL="457200" rtl="0" algn="l">
-              <a:spcBef>
-                <a:spcPts val="0"/>
-              </a:spcBef>
-              <a:spcAft>
-                <a:spcPts val="0"/>
-              </a:spcAft>
-              <a:buClr>
-                <a:schemeClr val="lt1"/>
-              </a:buClr>
-              <a:buSzPts val="1400"/>
-              <a:buFont typeface="Lato"/>
-              <a:buChar char="●"/>
+            <a:pPr indent="0" lvl="0" marL="0" rtl="0" algn="l">
+              <a:spcBef>
+                <a:spcPts val="0"/>
+              </a:spcBef>
+              <a:spcAft>
+                <a:spcPts val="0"/>
+              </a:spcAft>
+              <a:buNone/>
             </a:pPr>
             <a:r>
-              <a:rPr lang="en">
+              <a:rPr lang="en" sz="1800">
                 <a:solidFill>
                   <a:schemeClr val="lt1"/>
                 </a:solidFill>
@@ -16137,9 +17165,9 @@
                 <a:cs typeface="Lato"/>
                 <a:sym typeface="Lato"/>
               </a:rPr>
-              <a:t>We used MySQL WorkBench to work with the database used to store all relevant information to our program</a:t>
+              <a:t>Each table has its own attributes and keys.</a:t>
             </a:r>
-            <a:endParaRPr>
+            <a:endParaRPr sz="1800">
               <a:solidFill>
                 <a:schemeClr val="lt1"/>
               </a:solidFill>
@@ -16150,7 +17178,7 @@
             </a:endParaRPr>
           </a:p>
           <a:p>
-            <a:pPr indent="-317500" lvl="0" marL="457200" rtl="0" algn="l">
+            <a:pPr indent="-342900" lvl="0" marL="457200" rtl="0" algn="l">
               <a:spcBef>
                 <a:spcPts val="0"/>
               </a:spcBef>
@@ -16160,12 +17188,12 @@
               <a:buClr>
                 <a:schemeClr val="lt1"/>
               </a:buClr>
-              <a:buSzPts val="1400"/>
+              <a:buSzPts val="1800"/>
               <a:buFont typeface="Lato"/>
               <a:buChar char="●"/>
             </a:pPr>
             <a:r>
-              <a:rPr lang="en">
+              <a:rPr lang="en" sz="1800">
                 <a:solidFill>
                   <a:schemeClr val="lt1"/>
                 </a:solidFill>
@@ -16174,9 +17202,117 @@
                 <a:cs typeface="Lato"/>
                 <a:sym typeface="Lato"/>
               </a:rPr>
-              <a:t>We also used the Java MySQL Database Driver to connect our Java Code to the database</a:t>
+              <a:t>Key Items are designated by the Key</a:t>
             </a:r>
-            <a:endParaRPr>
+            <a:br>
+              <a:rPr lang="en" sz="1800">
+                <a:solidFill>
+                  <a:schemeClr val="lt1"/>
+                </a:solidFill>
+                <a:latin typeface="Lato"/>
+                <a:ea typeface="Lato"/>
+                <a:cs typeface="Lato"/>
+                <a:sym typeface="Lato"/>
+              </a:rPr>
+            </a:br>
+            <a:endParaRPr sz="1800">
+              <a:solidFill>
+                <a:schemeClr val="lt1"/>
+              </a:solidFill>
+              <a:latin typeface="Lato"/>
+              <a:ea typeface="Lato"/>
+              <a:cs typeface="Lato"/>
+              <a:sym typeface="Lato"/>
+            </a:endParaRPr>
+          </a:p>
+          <a:p>
+            <a:pPr indent="-342900" lvl="0" marL="457200" rtl="0" algn="l">
+              <a:spcBef>
+                <a:spcPts val="0"/>
+              </a:spcBef>
+              <a:spcAft>
+                <a:spcPts val="0"/>
+              </a:spcAft>
+              <a:buClr>
+                <a:schemeClr val="lt1"/>
+              </a:buClr>
+              <a:buSzPts val="1800"/>
+              <a:buFont typeface="Lato"/>
+              <a:buChar char="●"/>
+            </a:pPr>
+            <a:r>
+              <a:rPr lang="en" sz="1800">
+                <a:solidFill>
+                  <a:schemeClr val="lt1"/>
+                </a:solidFill>
+                <a:latin typeface="Lato"/>
+                <a:ea typeface="Lato"/>
+                <a:cs typeface="Lato"/>
+                <a:sym typeface="Lato"/>
+              </a:rPr>
+              <a:t>Green diamonds - </a:t>
+            </a:r>
+            <a:r>
+              <a:rPr lang="en" sz="1800">
+                <a:solidFill>
+                  <a:schemeClr val="lt1"/>
+                </a:solidFill>
+                <a:latin typeface="Lato"/>
+                <a:ea typeface="Lato"/>
+                <a:cs typeface="Lato"/>
+                <a:sym typeface="Lato"/>
+              </a:rPr>
+              <a:t>attributes of the table</a:t>
+            </a:r>
+            <a:br>
+              <a:rPr lang="en" sz="1800">
+                <a:solidFill>
+                  <a:schemeClr val="lt1"/>
+                </a:solidFill>
+                <a:latin typeface="Lato"/>
+                <a:ea typeface="Lato"/>
+                <a:cs typeface="Lato"/>
+                <a:sym typeface="Lato"/>
+              </a:rPr>
+            </a:br>
+            <a:endParaRPr sz="1800">
+              <a:solidFill>
+                <a:schemeClr val="lt1"/>
+              </a:solidFill>
+              <a:latin typeface="Lato"/>
+              <a:ea typeface="Lato"/>
+              <a:cs typeface="Lato"/>
+              <a:sym typeface="Lato"/>
+            </a:endParaRPr>
+          </a:p>
+          <a:p>
+            <a:pPr indent="-342900" lvl="0" marL="457200" rtl="0" algn="l">
+              <a:spcBef>
+                <a:spcPts val="0"/>
+              </a:spcBef>
+              <a:spcAft>
+                <a:spcPts val="0"/>
+              </a:spcAft>
+              <a:buClr>
+                <a:schemeClr val="lt1"/>
+              </a:buClr>
+              <a:buSzPts val="1800"/>
+              <a:buFont typeface="Lato"/>
+              <a:buChar char="●"/>
+            </a:pPr>
+            <a:r>
+              <a:rPr lang="en" sz="1800">
+                <a:solidFill>
+                  <a:schemeClr val="lt1"/>
+                </a:solidFill>
+                <a:latin typeface="Lato"/>
+                <a:ea typeface="Lato"/>
+                <a:cs typeface="Lato"/>
+                <a:sym typeface="Lato"/>
+              </a:rPr>
+              <a:t>Red diamonds - Foreign Keys that reference attributes of other tables</a:t>
+            </a:r>
+            <a:endParaRPr sz="1800">
               <a:solidFill>
                 <a:schemeClr val="lt1"/>
               </a:solidFill>
@@ -16188,34 +17324,46 @@
           </a:p>
         </p:txBody>
       </p:sp>
-      <p:pic>
-        <p:nvPicPr>
-          <p:cNvPr id="161" name="Google Shape;161;p17"/>
-          <p:cNvPicPr preferRelativeResize="0"/>
-          <p:nvPr/>
-        </p:nvPicPr>
-        <p:blipFill>
-          <a:blip r:embed="rId3">
-            <a:alphaModFix/>
-          </a:blip>
-          <a:stretch>
-            <a:fillRect/>
-          </a:stretch>
-        </p:blipFill>
-        <p:spPr>
-          <a:xfrm>
-            <a:off x="3950000" y="1375175"/>
-            <a:ext cx="4593004" cy="2729339"/>
+      <p:sp>
+        <p:nvSpPr>
+          <p:cNvPr id="167" name="Google Shape;167;p17"/>
+          <p:cNvSpPr txBox="1"/>
+          <p:nvPr>
+            <p:ph idx="12" type="sldNum"/>
+          </p:nvPr>
+        </p:nvSpPr>
+        <p:spPr>
+          <a:xfrm>
+            <a:off x="8472458" y="4663217"/>
+            <a:ext cx="548700" cy="393600"/>
           </a:xfrm>
           <a:prstGeom prst="rect">
             <a:avLst/>
           </a:prstGeom>
-          <a:noFill/>
-          <a:ln>
-            <a:noFill/>
-          </a:ln>
-        </p:spPr>
-      </p:pic>
+        </p:spPr>
+        <p:txBody>
+          <a:bodyPr anchorCtr="0" anchor="ctr" bIns="91425" lIns="91425" spcFirstLastPara="1" rIns="91425" wrap="square" tIns="91425">
+            <a:normAutofit/>
+          </a:bodyPr>
+          <a:lstStyle/>
+          <a:p>
+            <a:pPr indent="0" lvl="0" marL="0" rtl="0" algn="r">
+              <a:spcBef>
+                <a:spcPts val="0"/>
+              </a:spcBef>
+              <a:spcAft>
+                <a:spcPts val="0"/>
+              </a:spcAft>
+              <a:buNone/>
+            </a:pPr>
+            <a:fld id="{00000000-1234-1234-1234-123412341234}" type="slidenum">
+              <a:rPr lang="en"/>
+              <a:t>‹#›</a:t>
+            </a:fld>
+            <a:endParaRPr/>
+          </a:p>
+        </p:txBody>
+      </p:sp>
     </p:spTree>
   </p:cSld>
   <p:clrMapOvr>
@@ -16229,7 +17377,7 @@
   <p:cSld>
     <p:spTree>
       <p:nvGrpSpPr>
-        <p:cNvPr id="165" name="Shape 165"/>
+        <p:cNvPr id="171" name="Shape 171"/>
         <p:cNvGrpSpPr/>
         <p:nvPr/>
       </p:nvGrpSpPr>
@@ -16243,7 +17391,7 @@
       </p:grpSpPr>
       <p:sp>
         <p:nvSpPr>
-          <p:cNvPr id="166" name="Google Shape;166;p18"/>
+          <p:cNvPr id="172" name="Google Shape;172;p18"/>
           <p:cNvSpPr txBox="1"/>
           <p:nvPr>
             <p:ph type="title"/>
@@ -16275,211 +17423,158 @@
             </a:pPr>
             <a:r>
               <a:rPr lang="en"/>
-              <a:t>Database - MySQL cont’d</a:t>
+              <a:t>Our Graphical User Interface Design</a:t>
             </a:r>
             <a:endParaRPr/>
           </a:p>
         </p:txBody>
       </p:sp>
-      <p:pic>
-        <p:nvPicPr>
-          <p:cNvPr id="167" name="Google Shape;167;p18"/>
-          <p:cNvPicPr preferRelativeResize="0"/>
-          <p:nvPr/>
-        </p:nvPicPr>
-        <p:blipFill>
-          <a:blip r:embed="rId3">
-            <a:alphaModFix/>
-          </a:blip>
-          <a:stretch>
-            <a:fillRect/>
-          </a:stretch>
-        </p:blipFill>
-        <p:spPr>
-          <a:xfrm>
-            <a:off x="4244375" y="1154925"/>
-            <a:ext cx="4158558" cy="3530851"/>
+      <p:sp>
+        <p:nvSpPr>
+          <p:cNvPr id="173" name="Google Shape;173;p18"/>
+          <p:cNvSpPr txBox="1"/>
+          <p:nvPr>
+            <p:ph idx="1" type="body"/>
+          </p:nvPr>
+        </p:nvSpPr>
+        <p:spPr>
+          <a:xfrm>
+            <a:off x="1297500" y="1123300"/>
+            <a:ext cx="7382100" cy="3171000"/>
           </a:xfrm>
           <a:prstGeom prst="rect">
             <a:avLst/>
           </a:prstGeom>
-          <a:noFill/>
-          <a:ln>
-            <a:noFill/>
-          </a:ln>
-        </p:spPr>
-      </p:pic>
+        </p:spPr>
+        <p:txBody>
+          <a:bodyPr anchorCtr="0" anchor="t" bIns="91425" lIns="91425" spcFirstLastPara="1" rIns="91425" wrap="square" tIns="91425">
+            <a:noAutofit/>
+          </a:bodyPr>
+          <a:lstStyle/>
+          <a:p>
+            <a:pPr indent="-336550" lvl="0" marL="457200" rtl="0" algn="l">
+              <a:spcBef>
+                <a:spcPts val="0"/>
+              </a:spcBef>
+              <a:spcAft>
+                <a:spcPts val="0"/>
+              </a:spcAft>
+              <a:buSzPts val="1700"/>
+              <a:buChar char="●"/>
+            </a:pPr>
+            <a:r>
+              <a:rPr lang="en" sz="1700"/>
+              <a:t>For the GUI, we decided to go with a simple but intuitive design. </a:t>
+            </a:r>
+            <a:endParaRPr sz="1700"/>
+          </a:p>
+          <a:p>
+            <a:pPr indent="-336550" lvl="0" marL="457200" rtl="0" algn="l">
+              <a:spcBef>
+                <a:spcPts val="0"/>
+              </a:spcBef>
+              <a:spcAft>
+                <a:spcPts val="0"/>
+              </a:spcAft>
+              <a:buSzPts val="1700"/>
+              <a:buChar char="●"/>
+            </a:pPr>
+            <a:r>
+              <a:rPr lang="en" sz="1700"/>
+              <a:t>The GUI of both the Login and Sign-up page is a modern design that was laid out with the intent to prevent confusing and/or overwhelming the user.</a:t>
+            </a:r>
+            <a:endParaRPr sz="1700"/>
+          </a:p>
+          <a:p>
+            <a:pPr indent="-336550" lvl="0" marL="457200" rtl="0" algn="l">
+              <a:spcBef>
+                <a:spcPts val="0"/>
+              </a:spcBef>
+              <a:spcAft>
+                <a:spcPts val="0"/>
+              </a:spcAft>
+              <a:buSzPts val="1700"/>
+              <a:buChar char="●"/>
+            </a:pPr>
+            <a:r>
+              <a:rPr lang="en" sz="1700"/>
+              <a:t>Each of the widgets displayed on the Login screen are labeled and designed for the ease of the user’s experience (UX).</a:t>
+            </a:r>
+            <a:endParaRPr sz="1700"/>
+          </a:p>
+          <a:p>
+            <a:pPr indent="-336550" lvl="0" marL="457200" rtl="0" algn="l">
+              <a:spcBef>
+                <a:spcPts val="0"/>
+              </a:spcBef>
+              <a:spcAft>
+                <a:spcPts val="0"/>
+              </a:spcAft>
+              <a:buSzPts val="1700"/>
+              <a:buChar char="●"/>
+            </a:pPr>
+            <a:r>
+              <a:rPr lang="en" sz="1700"/>
+              <a:t>The same is done for the Sign-up page, with the addition of the “confirm password” widget.</a:t>
+            </a:r>
+            <a:endParaRPr sz="1700"/>
+          </a:p>
+          <a:p>
+            <a:pPr indent="-336550" lvl="0" marL="457200" rtl="0" algn="l">
+              <a:spcBef>
+                <a:spcPts val="0"/>
+              </a:spcBef>
+              <a:spcAft>
+                <a:spcPts val="0"/>
+              </a:spcAft>
+              <a:buSzPts val="1700"/>
+              <a:buChar char="●"/>
+            </a:pPr>
+            <a:r>
+              <a:rPr lang="en" sz="1700"/>
+              <a:t>The widgets used to either login or sign-up are within a rounded box with a different color styling than the rest of the widgets, which is done to show the user that those are the main interactive widgets for the respective screen.</a:t>
+            </a:r>
+            <a:endParaRPr sz="1700"/>
+          </a:p>
+        </p:txBody>
+      </p:sp>
       <p:sp>
         <p:nvSpPr>
-          <p:cNvPr id="168" name="Google Shape;168;p18"/>
+          <p:cNvPr id="174" name="Google Shape;174;p18"/>
           <p:cNvSpPr txBox="1"/>
-          <p:nvPr/>
+          <p:nvPr>
+            <p:ph idx="12" type="sldNum"/>
+          </p:nvPr>
         </p:nvSpPr>
         <p:spPr>
           <a:xfrm>
-            <a:off x="537125" y="1750500"/>
-            <a:ext cx="3549300" cy="2339700"/>
+            <a:off x="8472458" y="4663217"/>
+            <a:ext cx="548700" cy="393600"/>
           </a:xfrm>
           <a:prstGeom prst="rect">
             <a:avLst/>
           </a:prstGeom>
-          <a:noFill/>
-          <a:ln>
-            <a:noFill/>
-          </a:ln>
         </p:spPr>
         <p:txBody>
-          <a:bodyPr anchorCtr="0" anchor="t" bIns="91425" lIns="91425" spcFirstLastPara="1" rIns="91425" wrap="square" tIns="91425">
-            <a:spAutoFit/>
+          <a:bodyPr anchorCtr="0" anchor="ctr" bIns="91425" lIns="91425" spcFirstLastPara="1" rIns="91425" wrap="square" tIns="91425">
+            <a:normAutofit/>
           </a:bodyPr>
           <a:lstStyle/>
           <a:p>
-            <a:pPr indent="-317500" lvl="0" marL="457200" rtl="0" algn="l">
-              <a:spcBef>
-                <a:spcPts val="0"/>
-              </a:spcBef>
-              <a:spcAft>
-                <a:spcPts val="0"/>
-              </a:spcAft>
-              <a:buClr>
-                <a:schemeClr val="lt1"/>
-              </a:buClr>
-              <a:buSzPts val="1400"/>
-              <a:buFont typeface="Lato"/>
-              <a:buChar char="●"/>
+            <a:pPr indent="0" lvl="0" marL="0" rtl="0" algn="r">
+              <a:spcBef>
+                <a:spcPts val="0"/>
+              </a:spcBef>
+              <a:spcAft>
+                <a:spcPts val="0"/>
+              </a:spcAft>
+              <a:buNone/>
             </a:pPr>
-            <a:r>
-              <a:rPr lang="en">
-                <a:solidFill>
-                  <a:schemeClr val="lt1"/>
-                </a:solidFill>
-                <a:latin typeface="Lato"/>
-                <a:ea typeface="Lato"/>
-                <a:cs typeface="Lato"/>
-                <a:sym typeface="Lato"/>
-              </a:rPr>
-              <a:t>Connection getConnection() -</a:t>
-            </a:r>
-            <a:endParaRPr>
-              <a:solidFill>
-                <a:schemeClr val="lt1"/>
-              </a:solidFill>
-              <a:latin typeface="Lato"/>
-              <a:ea typeface="Lato"/>
-              <a:cs typeface="Lato"/>
-              <a:sym typeface="Lato"/>
-            </a:endParaRPr>
-          </a:p>
-          <a:p>
-            <a:pPr indent="-317500" lvl="1" marL="914400" rtl="0" algn="l">
-              <a:spcBef>
-                <a:spcPts val="0"/>
-              </a:spcBef>
-              <a:spcAft>
-                <a:spcPts val="0"/>
-              </a:spcAft>
-              <a:buClr>
-                <a:schemeClr val="lt1"/>
-              </a:buClr>
-              <a:buSzPts val="1400"/>
-              <a:buFont typeface="Lato"/>
-              <a:buChar char="○"/>
-            </a:pPr>
-            <a:r>
-              <a:rPr lang="en">
-                <a:solidFill>
-                  <a:schemeClr val="lt1"/>
-                </a:solidFill>
-                <a:latin typeface="Lato"/>
-                <a:ea typeface="Lato"/>
-                <a:cs typeface="Lato"/>
-                <a:sym typeface="Lato"/>
-              </a:rPr>
-              <a:t>Establishes a connection to our database</a:t>
-            </a:r>
-            <a:endParaRPr>
-              <a:solidFill>
-                <a:schemeClr val="lt1"/>
-              </a:solidFill>
-              <a:latin typeface="Lato"/>
-              <a:ea typeface="Lato"/>
-              <a:cs typeface="Lato"/>
-              <a:sym typeface="Lato"/>
-            </a:endParaRPr>
-          </a:p>
-          <a:p>
-            <a:pPr indent="-317500" lvl="0" marL="457200" rtl="0" algn="l">
-              <a:spcBef>
-                <a:spcPts val="0"/>
-              </a:spcBef>
-              <a:spcAft>
-                <a:spcPts val="0"/>
-              </a:spcAft>
-              <a:buClr>
-                <a:schemeClr val="lt1"/>
-              </a:buClr>
-              <a:buSzPts val="1400"/>
-              <a:buFont typeface="Lato"/>
-              <a:buChar char="●"/>
-            </a:pPr>
-            <a:r>
-              <a:rPr lang="en">
-                <a:solidFill>
-                  <a:schemeClr val="lt1"/>
-                </a:solidFill>
-                <a:latin typeface="Lato"/>
-                <a:ea typeface="Lato"/>
-                <a:cs typeface="Lato"/>
-                <a:sym typeface="Lato"/>
-              </a:rPr>
-              <a:t>validate()</a:t>
-            </a:r>
-            <a:endParaRPr>
-              <a:solidFill>
-                <a:schemeClr val="lt1"/>
-              </a:solidFill>
-              <a:latin typeface="Lato"/>
-              <a:ea typeface="Lato"/>
-              <a:cs typeface="Lato"/>
-              <a:sym typeface="Lato"/>
-            </a:endParaRPr>
-          </a:p>
-          <a:p>
-            <a:pPr indent="-317500" lvl="1" marL="914400" rtl="0" algn="l">
-              <a:spcBef>
-                <a:spcPts val="0"/>
-              </a:spcBef>
-              <a:spcAft>
-                <a:spcPts val="0"/>
-              </a:spcAft>
-              <a:buClr>
-                <a:schemeClr val="lt1"/>
-              </a:buClr>
-              <a:buSzPts val="1400"/>
-              <a:buFont typeface="Lato"/>
-              <a:buChar char="○"/>
-            </a:pPr>
-            <a:r>
-              <a:rPr lang="en">
-                <a:solidFill>
-                  <a:schemeClr val="lt1"/>
-                </a:solidFill>
-                <a:latin typeface="Lato"/>
-                <a:ea typeface="Lato"/>
-                <a:cs typeface="Lato"/>
-                <a:sym typeface="Lato"/>
-              </a:rPr>
-              <a:t>Validates a user’s login information by taking in their username and password and comparing the entries to what is stored in the database (MD5 used to hash passwords)</a:t>
-            </a:r>
-            <a:endParaRPr>
-              <a:solidFill>
-                <a:schemeClr val="lt1"/>
-              </a:solidFill>
-              <a:latin typeface="Lato"/>
-              <a:ea typeface="Lato"/>
-              <a:cs typeface="Lato"/>
-              <a:sym typeface="Lato"/>
-            </a:endParaRPr>
+            <a:fld id="{00000000-1234-1234-1234-123412341234}" type="slidenum">
+              <a:rPr lang="en"/>
+              <a:t>‹#›</a:t>
+            </a:fld>
+            <a:endParaRPr/>
           </a:p>
         </p:txBody>
       </p:sp>
@@ -16496,7 +17591,7 @@
   <p:cSld>
     <p:spTree>
       <p:nvGrpSpPr>
-        <p:cNvPr id="172" name="Shape 172"/>
+        <p:cNvPr id="178" name="Shape 178"/>
         <p:cNvGrpSpPr/>
         <p:nvPr/>
       </p:nvGrpSpPr>
@@ -16510,7 +17605,7 @@
       </p:grpSpPr>
       <p:sp>
         <p:nvSpPr>
-          <p:cNvPr id="173" name="Google Shape;173;p19"/>
+          <p:cNvPr id="179" name="Google Shape;179;p19"/>
           <p:cNvSpPr txBox="1"/>
           <p:nvPr>
             <p:ph type="title"/>
@@ -16542,66 +17637,164 @@
             </a:pPr>
             <a:r>
               <a:rPr lang="en"/>
-              <a:t>Database - MySQL cont’d</a:t>
+              <a:t>Our </a:t>
+            </a:r>
+            <a:r>
+              <a:rPr lang="en"/>
+              <a:t>Graphical User Interface Design cont’d</a:t>
             </a:r>
             <a:endParaRPr/>
           </a:p>
         </p:txBody>
       </p:sp>
-      <p:pic>
-        <p:nvPicPr>
-          <p:cNvPr id="174" name="Google Shape;174;p19"/>
-          <p:cNvPicPr preferRelativeResize="0"/>
-          <p:nvPr/>
-        </p:nvPicPr>
-        <p:blipFill>
-          <a:blip r:embed="rId3">
-            <a:alphaModFix/>
-          </a:blip>
-          <a:stretch>
-            <a:fillRect/>
-          </a:stretch>
-        </p:blipFill>
-        <p:spPr>
-          <a:xfrm>
-            <a:off x="4027550" y="1641400"/>
-            <a:ext cx="4843924" cy="2589899"/>
+      <p:sp>
+        <p:nvSpPr>
+          <p:cNvPr id="180" name="Google Shape;180;p19"/>
+          <p:cNvSpPr txBox="1"/>
+          <p:nvPr>
+            <p:ph idx="1" type="body"/>
+          </p:nvPr>
+        </p:nvSpPr>
+        <p:spPr>
+          <a:xfrm>
+            <a:off x="1221300" y="1231650"/>
+            <a:ext cx="7489200" cy="3171000"/>
           </a:xfrm>
           <a:prstGeom prst="rect">
             <a:avLst/>
           </a:prstGeom>
-          <a:noFill/>
-          <a:ln>
-            <a:noFill/>
-          </a:ln>
-        </p:spPr>
-      </p:pic>
+        </p:spPr>
+        <p:txBody>
+          <a:bodyPr anchorCtr="0" anchor="t" bIns="91425" lIns="91425" spcFirstLastPara="1" rIns="91425" wrap="square" tIns="91425">
+            <a:noAutofit/>
+          </a:bodyPr>
+          <a:lstStyle/>
+          <a:p>
+            <a:pPr indent="-336550" lvl="0" marL="457200" rtl="0" algn="l">
+              <a:lnSpc>
+                <a:spcPct val="105000"/>
+              </a:lnSpc>
+              <a:spcBef>
+                <a:spcPts val="0"/>
+              </a:spcBef>
+              <a:spcAft>
+                <a:spcPts val="0"/>
+              </a:spcAft>
+              <a:buSzPts val="1700"/>
+              <a:buChar char="●"/>
+            </a:pPr>
+            <a:r>
+              <a:rPr lang="en" sz="1700"/>
+              <a:t>As for the dashboard of the application, we kept the same familiar color styling to show continuity between the screens of the application.</a:t>
+            </a:r>
+            <a:endParaRPr sz="1700"/>
+          </a:p>
+          <a:p>
+            <a:pPr indent="-336550" lvl="0" marL="457200" rtl="0" algn="l">
+              <a:lnSpc>
+                <a:spcPct val="105000"/>
+              </a:lnSpc>
+              <a:spcBef>
+                <a:spcPts val="0"/>
+              </a:spcBef>
+              <a:spcAft>
+                <a:spcPts val="0"/>
+              </a:spcAft>
+              <a:buSzPts val="1700"/>
+              <a:buChar char="●"/>
+            </a:pPr>
+            <a:r>
+              <a:rPr lang="en" sz="1700"/>
+              <a:t>For the dashboard, we we utilized the JavaFX frame known as a border pane, which allows us to keep our screen uniform and clean.</a:t>
+            </a:r>
+            <a:endParaRPr sz="1700"/>
+          </a:p>
+          <a:p>
+            <a:pPr indent="-336550" lvl="0" marL="457200" rtl="0" algn="l">
+              <a:lnSpc>
+                <a:spcPct val="105000"/>
+              </a:lnSpc>
+              <a:spcBef>
+                <a:spcPts val="0"/>
+              </a:spcBef>
+              <a:spcAft>
+                <a:spcPts val="0"/>
+              </a:spcAft>
+              <a:buSzPts val="1700"/>
+              <a:buChar char="●"/>
+            </a:pPr>
+            <a:r>
+              <a:rPr lang="en" sz="1700"/>
+              <a:t>On the left-hand side of the screen, we have the list of functions that a typical user may utilize, such as a buttons to add and delete items from the database.</a:t>
+            </a:r>
+            <a:endParaRPr sz="1700"/>
+          </a:p>
+          <a:p>
+            <a:pPr indent="-336550" lvl="0" marL="457200" rtl="0" algn="l">
+              <a:lnSpc>
+                <a:spcPct val="105000"/>
+              </a:lnSpc>
+              <a:spcBef>
+                <a:spcPts val="0"/>
+              </a:spcBef>
+              <a:spcAft>
+                <a:spcPts val="0"/>
+              </a:spcAft>
+              <a:buSzPts val="1700"/>
+              <a:buChar char="●"/>
+            </a:pPr>
+            <a:r>
+              <a:rPr lang="en" sz="1700"/>
+              <a:t>On the right-handed portion of the screen, we have a table that displays the items when queries are run.</a:t>
+            </a:r>
+            <a:endParaRPr sz="1700"/>
+          </a:p>
+          <a:p>
+            <a:pPr indent="-336550" lvl="0" marL="457200" rtl="0" algn="l">
+              <a:lnSpc>
+                <a:spcPct val="105000"/>
+              </a:lnSpc>
+              <a:spcBef>
+                <a:spcPts val="0"/>
+              </a:spcBef>
+              <a:spcAft>
+                <a:spcPts val="0"/>
+              </a:spcAft>
+              <a:buSzPts val="1700"/>
+              <a:buChar char="●"/>
+            </a:pPr>
+            <a:r>
+              <a:rPr lang="en" sz="1700"/>
+              <a:t>The item display is naturally a different color than the rest of the screen to help the user easily differentiate between the menu and the important displayed information.</a:t>
+            </a:r>
+            <a:endParaRPr sz="1700"/>
+          </a:p>
+        </p:txBody>
+      </p:sp>
       <p:sp>
         <p:nvSpPr>
-          <p:cNvPr id="175" name="Google Shape;175;p19"/>
+          <p:cNvPr id="181" name="Google Shape;181;p19"/>
           <p:cNvSpPr txBox="1"/>
-          <p:nvPr/>
+          <p:nvPr>
+            <p:ph idx="12" type="sldNum"/>
+          </p:nvPr>
         </p:nvSpPr>
         <p:spPr>
           <a:xfrm>
-            <a:off x="1188600" y="1641400"/>
-            <a:ext cx="2738100" cy="2555100"/>
+            <a:off x="8472458" y="4663217"/>
+            <a:ext cx="548700" cy="393600"/>
           </a:xfrm>
           <a:prstGeom prst="rect">
             <a:avLst/>
           </a:prstGeom>
-          <a:noFill/>
-          <a:ln>
-            <a:noFill/>
-          </a:ln>
         </p:spPr>
         <p:txBody>
-          <a:bodyPr anchorCtr="0" anchor="t" bIns="91425" lIns="91425" spcFirstLastPara="1" rIns="91425" wrap="square" tIns="91425">
-            <a:spAutoFit/>
+          <a:bodyPr anchorCtr="0" anchor="ctr" bIns="91425" lIns="91425" spcFirstLastPara="1" rIns="91425" wrap="square" tIns="91425">
+            <a:normAutofit/>
           </a:bodyPr>
           <a:lstStyle/>
           <a:p>
-            <a:pPr indent="0" lvl="0" marL="0" rtl="0" algn="l">
+            <a:pPr indent="0" lvl="0" marL="0" rtl="0" algn="r">
               <a:spcBef>
                 <a:spcPts val="0"/>
               </a:spcBef>
@@ -16610,27 +17803,11 @@
               </a:spcAft>
               <a:buNone/>
             </a:pPr>
-            <a:r>
-              <a:rPr lang="en">
-                <a:solidFill>
-                  <a:schemeClr val="lt1"/>
-                </a:solidFill>
-                <a:latin typeface="Lato"/>
-                <a:ea typeface="Lato"/>
-                <a:cs typeface="Lato"/>
-                <a:sym typeface="Lato"/>
-              </a:rPr>
-              <a:t>Our database connector houses almost all of our SQL queries, allowing us to communicate with our database and retrieve information as needed. The class also houses multiple data verification methods - ensuring that when we ask the database for information, the information exists and doesn’t cause errors in our program.</a:t>
-            </a:r>
-            <a:endParaRPr>
-              <a:solidFill>
-                <a:schemeClr val="lt1"/>
-              </a:solidFill>
-              <a:latin typeface="Lato"/>
-              <a:ea typeface="Lato"/>
-              <a:cs typeface="Lato"/>
-              <a:sym typeface="Lato"/>
-            </a:endParaRPr>
+            <a:fld id="{00000000-1234-1234-1234-123412341234}" type="slidenum">
+              <a:rPr lang="en"/>
+              <a:t>‹#›</a:t>
+            </a:fld>
+            <a:endParaRPr/>
           </a:p>
         </p:txBody>
       </p:sp>
@@ -16647,7 +17824,7 @@
   <p:cSld>
     <p:spTree>
       <p:nvGrpSpPr>
-        <p:cNvPr id="179" name="Shape 179"/>
+        <p:cNvPr id="185" name="Shape 185"/>
         <p:cNvGrpSpPr/>
         <p:nvPr/>
       </p:nvGrpSpPr>
@@ -16661,7 +17838,7 @@
       </p:grpSpPr>
       <p:sp>
         <p:nvSpPr>
-          <p:cNvPr id="180" name="Google Shape;180;p20"/>
+          <p:cNvPr id="186" name="Google Shape;186;p20"/>
           <p:cNvSpPr txBox="1"/>
           <p:nvPr>
             <p:ph type="title"/>
@@ -16693,7 +17870,7 @@
             </a:pPr>
             <a:r>
               <a:rPr lang="en"/>
-              <a:t>Dynamic Table View</a:t>
+              <a:t>Our Database - MySQL</a:t>
             </a:r>
             <a:endParaRPr/>
           </a:p>
@@ -16701,55 +17878,107 @@
       </p:sp>
       <p:sp>
         <p:nvSpPr>
-          <p:cNvPr id="181" name="Google Shape;181;p20"/>
+          <p:cNvPr id="187" name="Google Shape;187;p20"/>
           <p:cNvSpPr txBox="1"/>
-          <p:nvPr>
-            <p:ph idx="1" type="body"/>
-          </p:nvPr>
+          <p:nvPr/>
         </p:nvSpPr>
         <p:spPr>
           <a:xfrm>
-            <a:off x="1297500" y="1567550"/>
-            <a:ext cx="3519600" cy="2911200"/>
+            <a:off x="324600" y="1785550"/>
+            <a:ext cx="3549300" cy="2401200"/>
           </a:xfrm>
           <a:prstGeom prst="rect">
             <a:avLst/>
           </a:prstGeom>
+          <a:noFill/>
+          <a:ln>
+            <a:noFill/>
+          </a:ln>
         </p:spPr>
         <p:txBody>
           <a:bodyPr anchorCtr="0" anchor="t" bIns="91425" lIns="91425" spcFirstLastPara="1" rIns="91425" wrap="square" tIns="91425">
-            <a:normAutofit/>
+            <a:spAutoFit/>
           </a:bodyPr>
           <a:lstStyle/>
           <a:p>
-            <a:pPr indent="0" lvl="0" marL="0" rtl="0" algn="l">
-              <a:spcBef>
-                <a:spcPts val="0"/>
-              </a:spcBef>
-              <a:spcAft>
-                <a:spcPts val="1200"/>
-              </a:spcAft>
-              <a:buNone/>
+            <a:pPr indent="-342900" lvl="0" marL="457200" rtl="0" algn="l">
+              <a:spcBef>
+                <a:spcPts val="0"/>
+              </a:spcBef>
+              <a:spcAft>
+                <a:spcPts val="0"/>
+              </a:spcAft>
+              <a:buClr>
+                <a:schemeClr val="lt1"/>
+              </a:buClr>
+              <a:buSzPts val="1800"/>
+              <a:buFont typeface="Lato"/>
+              <a:buChar char="●"/>
             </a:pPr>
             <a:r>
-              <a:rPr lang="en"/>
-              <a:t>Our DynamicTableView class was used to structure and display data to the user via the GUI. It works by first issuing a query, placing the captured data into an object array and finally placing each individual object into a row in our table. We decided to </a:t>
+              <a:rPr lang="en" sz="1800">
+                <a:solidFill>
+                  <a:schemeClr val="lt1"/>
+                </a:solidFill>
+                <a:latin typeface="Lato"/>
+                <a:ea typeface="Lato"/>
+                <a:cs typeface="Lato"/>
+                <a:sym typeface="Lato"/>
+              </a:rPr>
+              <a:t>We used MySQL WorkBench to work with the database used to store all relevant information to our program</a:t>
             </a:r>
+            <a:endParaRPr sz="1800">
+              <a:solidFill>
+                <a:schemeClr val="lt1"/>
+              </a:solidFill>
+              <a:latin typeface="Lato"/>
+              <a:ea typeface="Lato"/>
+              <a:cs typeface="Lato"/>
+              <a:sym typeface="Lato"/>
+            </a:endParaRPr>
+          </a:p>
+          <a:p>
+            <a:pPr indent="-342900" lvl="0" marL="457200" rtl="0" algn="l">
+              <a:spcBef>
+                <a:spcPts val="0"/>
+              </a:spcBef>
+              <a:spcAft>
+                <a:spcPts val="0"/>
+              </a:spcAft>
+              <a:buClr>
+                <a:schemeClr val="lt1"/>
+              </a:buClr>
+              <a:buSzPts val="1800"/>
+              <a:buFont typeface="Lato"/>
+              <a:buChar char="●"/>
+            </a:pPr>
             <a:r>
-              <a:rPr lang="en"/>
-              <a:t>separate</a:t>
+              <a:rPr lang="en" sz="1800">
+                <a:solidFill>
+                  <a:schemeClr val="lt1"/>
+                </a:solidFill>
+                <a:latin typeface="Lato"/>
+                <a:ea typeface="Lato"/>
+                <a:cs typeface="Lato"/>
+                <a:sym typeface="Lato"/>
+              </a:rPr>
+              <a:t>We also used the Java MySQL Database Driver to connect our Java Code to the database</a:t>
             </a:r>
-            <a:r>
-              <a:rPr lang="en"/>
-              <a:t> table building into its own class for ease of access, organization and functionality.</a:t>
-            </a:r>
-            <a:endParaRPr/>
+            <a:endParaRPr sz="1800">
+              <a:solidFill>
+                <a:schemeClr val="lt1"/>
+              </a:solidFill>
+              <a:latin typeface="Lato"/>
+              <a:ea typeface="Lato"/>
+              <a:cs typeface="Lato"/>
+              <a:sym typeface="Lato"/>
+            </a:endParaRPr>
           </a:p>
         </p:txBody>
       </p:sp>
       <p:pic>
         <p:nvPicPr>
-          <p:cNvPr id="182" name="Google Shape;182;p20"/>
+          <p:cNvPr id="188" name="Google Shape;188;p20"/>
           <p:cNvPicPr preferRelativeResize="0"/>
           <p:nvPr/>
         </p:nvPicPr>
@@ -16763,8 +17992,8 @@
         </p:blipFill>
         <p:spPr>
           <a:xfrm>
-            <a:off x="5153496" y="1355075"/>
-            <a:ext cx="3182900" cy="3336150"/>
+            <a:off x="4178600" y="1603775"/>
+            <a:ext cx="4593004" cy="2729339"/>
           </a:xfrm>
           <a:prstGeom prst="rect">
             <a:avLst/>
@@ -16775,6 +18004,46 @@
           </a:ln>
         </p:spPr>
       </p:pic>
+      <p:sp>
+        <p:nvSpPr>
+          <p:cNvPr id="189" name="Google Shape;189;p20"/>
+          <p:cNvSpPr txBox="1"/>
+          <p:nvPr>
+            <p:ph idx="12" type="sldNum"/>
+          </p:nvPr>
+        </p:nvSpPr>
+        <p:spPr>
+          <a:xfrm>
+            <a:off x="8472458" y="4663217"/>
+            <a:ext cx="548700" cy="393600"/>
+          </a:xfrm>
+          <a:prstGeom prst="rect">
+            <a:avLst/>
+          </a:prstGeom>
+        </p:spPr>
+        <p:txBody>
+          <a:bodyPr anchorCtr="0" anchor="ctr" bIns="91425" lIns="91425" spcFirstLastPara="1" rIns="91425" wrap="square" tIns="91425">
+            <a:normAutofit/>
+          </a:bodyPr>
+          <a:lstStyle/>
+          <a:p>
+            <a:pPr indent="0" lvl="0" marL="0" rtl="0" algn="r">
+              <a:spcBef>
+                <a:spcPts val="0"/>
+              </a:spcBef>
+              <a:spcAft>
+                <a:spcPts val="0"/>
+              </a:spcAft>
+              <a:buNone/>
+            </a:pPr>
+            <a:fld id="{00000000-1234-1234-1234-123412341234}" type="slidenum">
+              <a:rPr lang="en"/>
+              <a:t>‹#›</a:t>
+            </a:fld>
+            <a:endParaRPr/>
+          </a:p>
+        </p:txBody>
+      </p:sp>
     </p:spTree>
   </p:cSld>
   <p:clrMapOvr>
@@ -16788,7 +18057,7 @@
   <p:cSld>
     <p:spTree>
       <p:nvGrpSpPr>
-        <p:cNvPr id="186" name="Shape 186"/>
+        <p:cNvPr id="193" name="Shape 193"/>
         <p:cNvGrpSpPr/>
         <p:nvPr/>
       </p:nvGrpSpPr>
@@ -16802,7 +18071,7 @@
       </p:grpSpPr>
       <p:sp>
         <p:nvSpPr>
-          <p:cNvPr id="187" name="Google Shape;187;p21"/>
+          <p:cNvPr id="194" name="Google Shape;194;p21"/>
           <p:cNvSpPr txBox="1"/>
           <p:nvPr>
             <p:ph type="title"/>
@@ -16834,22 +18103,34 @@
             </a:pPr>
             <a:r>
               <a:rPr lang="en"/>
-              <a:t>Flow Chart</a:t>
+              <a:t>Our </a:t>
+            </a:r>
+            <a:r>
+              <a:rPr lang="en"/>
+              <a:t>Database - MySQL cont’d</a:t>
             </a:r>
             <a:endParaRPr/>
           </a:p>
         </p:txBody>
       </p:sp>
-      <p:sp>
-        <p:nvSpPr>
-          <p:cNvPr id="188" name="Google Shape;188;p21"/>
-          <p:cNvSpPr txBox="1"/>
+      <p:pic>
+        <p:nvPicPr>
+          <p:cNvPr id="195" name="Google Shape;195;p21"/>
+          <p:cNvPicPr preferRelativeResize="0"/>
           <p:nvPr/>
-        </p:nvSpPr>
-        <p:spPr>
-          <a:xfrm>
-            <a:off x="1127325" y="2048400"/>
-            <a:ext cx="3070500" cy="1046700"/>
+        </p:nvPicPr>
+        <p:blipFill>
+          <a:blip r:embed="rId3">
+            <a:alphaModFix/>
+          </a:blip>
+          <a:stretch>
+            <a:fillRect/>
+          </a:stretch>
+        </p:blipFill>
+        <p:spPr>
+          <a:xfrm>
+            <a:off x="4472975" y="1154925"/>
+            <a:ext cx="4158558" cy="3530851"/>
           </a:xfrm>
           <a:prstGeom prst="rect">
             <a:avLst/>
@@ -16859,26 +18140,48 @@
             <a:noFill/>
           </a:ln>
         </p:spPr>
+      </p:pic>
+      <p:sp>
+        <p:nvSpPr>
+          <p:cNvPr id="196" name="Google Shape;196;p21"/>
+          <p:cNvSpPr txBox="1"/>
+          <p:nvPr/>
+        </p:nvSpPr>
+        <p:spPr>
+          <a:xfrm>
+            <a:off x="526400" y="1535000"/>
+            <a:ext cx="3549300" cy="3324600"/>
+          </a:xfrm>
+          <a:prstGeom prst="rect">
+            <a:avLst/>
+          </a:prstGeom>
+          <a:noFill/>
+          <a:ln>
+            <a:noFill/>
+          </a:ln>
+        </p:spPr>
         <p:txBody>
           <a:bodyPr anchorCtr="0" anchor="t" bIns="91425" lIns="91425" spcFirstLastPara="1" rIns="91425" wrap="square" tIns="91425">
             <a:spAutoFit/>
           </a:bodyPr>
           <a:lstStyle/>
           <a:p>
-            <a:pPr indent="0" lvl="0" marL="0" rtl="0" algn="l">
-              <a:lnSpc>
-                <a:spcPct val="100000"/>
-              </a:lnSpc>
-              <a:spcBef>
-                <a:spcPts val="0"/>
-              </a:spcBef>
-              <a:spcAft>
-                <a:spcPts val="0"/>
-              </a:spcAft>
-              <a:buNone/>
+            <a:pPr indent="-336550" lvl="0" marL="457200" rtl="0" algn="l">
+              <a:spcBef>
+                <a:spcPts val="0"/>
+              </a:spcBef>
+              <a:spcAft>
+                <a:spcPts val="0"/>
+              </a:spcAft>
+              <a:buClr>
+                <a:schemeClr val="lt1"/>
+              </a:buClr>
+              <a:buSzPts val="1700"/>
+              <a:buFont typeface="Lato"/>
+              <a:buChar char="●"/>
             </a:pPr>
             <a:r>
-              <a:rPr lang="en">
+              <a:rPr lang="en" sz="1700">
                 <a:solidFill>
                   <a:schemeClr val="lt1"/>
                 </a:solidFill>
@@ -16887,9 +18190,120 @@
                 <a:cs typeface="Lato"/>
                 <a:sym typeface="Lato"/>
               </a:rPr>
-              <a:t>The flowchart for this project helped us visualize the user experience and get a firm grasp on how the program should function.</a:t>
+              <a:t>Connection getConnection() -</a:t>
             </a:r>
-            <a:endParaRPr>
+            <a:endParaRPr sz="1700">
+              <a:solidFill>
+                <a:schemeClr val="lt1"/>
+              </a:solidFill>
+              <a:latin typeface="Lato"/>
+              <a:ea typeface="Lato"/>
+              <a:cs typeface="Lato"/>
+              <a:sym typeface="Lato"/>
+            </a:endParaRPr>
+          </a:p>
+          <a:p>
+            <a:pPr indent="-336550" lvl="1" marL="914400" rtl="0" algn="l">
+              <a:spcBef>
+                <a:spcPts val="0"/>
+              </a:spcBef>
+              <a:spcAft>
+                <a:spcPts val="0"/>
+              </a:spcAft>
+              <a:buClr>
+                <a:schemeClr val="lt1"/>
+              </a:buClr>
+              <a:buSzPts val="1700"/>
+              <a:buFont typeface="Lato"/>
+              <a:buChar char="○"/>
+            </a:pPr>
+            <a:r>
+              <a:rPr lang="en" sz="1700">
+                <a:solidFill>
+                  <a:schemeClr val="lt1"/>
+                </a:solidFill>
+                <a:latin typeface="Lato"/>
+                <a:ea typeface="Lato"/>
+                <a:cs typeface="Lato"/>
+                <a:sym typeface="Lato"/>
+              </a:rPr>
+              <a:t>Establishes a connection to our database</a:t>
+            </a:r>
+            <a:endParaRPr sz="1700">
+              <a:solidFill>
+                <a:schemeClr val="lt1"/>
+              </a:solidFill>
+              <a:latin typeface="Lato"/>
+              <a:ea typeface="Lato"/>
+              <a:cs typeface="Lato"/>
+              <a:sym typeface="Lato"/>
+            </a:endParaRPr>
+          </a:p>
+          <a:p>
+            <a:pPr indent="-336550" lvl="0" marL="457200" rtl="0" algn="l">
+              <a:spcBef>
+                <a:spcPts val="0"/>
+              </a:spcBef>
+              <a:spcAft>
+                <a:spcPts val="0"/>
+              </a:spcAft>
+              <a:buClr>
+                <a:schemeClr val="lt1"/>
+              </a:buClr>
+              <a:buSzPts val="1700"/>
+              <a:buFont typeface="Lato"/>
+              <a:buChar char="●"/>
+            </a:pPr>
+            <a:r>
+              <a:rPr lang="en" sz="1700">
+                <a:solidFill>
+                  <a:schemeClr val="lt1"/>
+                </a:solidFill>
+                <a:latin typeface="Lato"/>
+                <a:ea typeface="Lato"/>
+                <a:cs typeface="Lato"/>
+                <a:sym typeface="Lato"/>
+              </a:rPr>
+              <a:t>validate()</a:t>
+            </a:r>
+            <a:endParaRPr sz="1700">
+              <a:solidFill>
+                <a:schemeClr val="lt1"/>
+              </a:solidFill>
+              <a:latin typeface="Lato"/>
+              <a:ea typeface="Lato"/>
+              <a:cs typeface="Lato"/>
+              <a:sym typeface="Lato"/>
+            </a:endParaRPr>
+          </a:p>
+          <a:p>
+            <a:pPr indent="-336550" lvl="1" marL="914400" rtl="0" algn="l">
+              <a:spcBef>
+                <a:spcPts val="0"/>
+              </a:spcBef>
+              <a:spcAft>
+                <a:spcPts val="0"/>
+              </a:spcAft>
+              <a:buClr>
+                <a:schemeClr val="lt1"/>
+              </a:buClr>
+              <a:buSzPts val="1700"/>
+              <a:buFont typeface="Lato"/>
+              <a:buChar char="○"/>
+            </a:pPr>
+            <a:r>
+              <a:rPr lang="en" sz="1700">
+                <a:solidFill>
+                  <a:schemeClr val="lt1"/>
+                </a:solidFill>
+                <a:latin typeface="Lato"/>
+                <a:ea typeface="Lato"/>
+                <a:cs typeface="Lato"/>
+                <a:sym typeface="Lato"/>
+              </a:rPr>
+              <a:t>Validates a user’s login information by taking in their username and password and comparing the entries to what is stored in the database (MD5 used to hash passwords)</a:t>
+            </a:r>
+            <a:endParaRPr sz="1700">
               <a:solidFill>
                 <a:schemeClr val="lt1"/>
               </a:solidFill>
@@ -16901,34 +18315,46 @@
           </a:p>
         </p:txBody>
       </p:sp>
-      <p:pic>
-        <p:nvPicPr>
-          <p:cNvPr id="189" name="Google Shape;189;p21"/>
-          <p:cNvPicPr preferRelativeResize="0"/>
-          <p:nvPr/>
-        </p:nvPicPr>
-        <p:blipFill>
-          <a:blip r:embed="rId3">
-            <a:alphaModFix/>
-          </a:blip>
-          <a:stretch>
-            <a:fillRect/>
-          </a:stretch>
-        </p:blipFill>
-        <p:spPr>
-          <a:xfrm>
-            <a:off x="4365575" y="863138"/>
-            <a:ext cx="4641376" cy="3417213"/>
+      <p:sp>
+        <p:nvSpPr>
+          <p:cNvPr id="197" name="Google Shape;197;p21"/>
+          <p:cNvSpPr txBox="1"/>
+          <p:nvPr>
+            <p:ph idx="12" type="sldNum"/>
+          </p:nvPr>
+        </p:nvSpPr>
+        <p:spPr>
+          <a:xfrm>
+            <a:off x="8472458" y="4663217"/>
+            <a:ext cx="548700" cy="393600"/>
           </a:xfrm>
           <a:prstGeom prst="rect">
             <a:avLst/>
           </a:prstGeom>
-          <a:noFill/>
-          <a:ln>
-            <a:noFill/>
-          </a:ln>
-        </p:spPr>
-      </p:pic>
+        </p:spPr>
+        <p:txBody>
+          <a:bodyPr anchorCtr="0" anchor="ctr" bIns="91425" lIns="91425" spcFirstLastPara="1" rIns="91425" wrap="square" tIns="91425">
+            <a:normAutofit/>
+          </a:bodyPr>
+          <a:lstStyle/>
+          <a:p>
+            <a:pPr indent="0" lvl="0" marL="0" rtl="0" algn="r">
+              <a:spcBef>
+                <a:spcPts val="0"/>
+              </a:spcBef>
+              <a:spcAft>
+                <a:spcPts val="0"/>
+              </a:spcAft>
+              <a:buNone/>
+            </a:pPr>
+            <a:fld id="{00000000-1234-1234-1234-123412341234}" type="slidenum">
+              <a:rPr lang="en"/>
+              <a:t>‹#›</a:t>
+            </a:fld>
+            <a:endParaRPr/>
+          </a:p>
+        </p:txBody>
+      </p:sp>
     </p:spTree>
   </p:cSld>
   <p:clrMapOvr>
@@ -16938,6 +18364,285 @@
 </file>
 
 <file path=ppt/theme/theme1.xml><?xml version="1.0" encoding="utf-8"?>
+<a:theme xmlns:a="http://schemas.openxmlformats.org/drawingml/2006/main" xmlns:r="http://schemas.openxmlformats.org/officeDocument/2006/relationships">
+  <a:themeElements>
+    <a:clrScheme name="Default">
+      <a:dk1>
+        <a:srgbClr val="000000"/>
+      </a:dk1>
+      <a:lt1>
+        <a:srgbClr val="FFFFFF"/>
+      </a:lt1>
+      <a:dk2>
+        <a:srgbClr val="158158"/>
+      </a:dk2>
+      <a:lt2>
+        <a:srgbClr val="F3F3F3"/>
+      </a:lt2>
+      <a:accent1>
+        <a:srgbClr val="058DC7"/>
+      </a:accent1>
+      <a:accent2>
+        <a:srgbClr val="50B432"/>
+      </a:accent2>
+      <a:accent3>
+        <a:srgbClr val="ED561B"/>
+      </a:accent3>
+      <a:accent4>
+        <a:srgbClr val="EDEF00"/>
+      </a:accent4>
+      <a:accent5>
+        <a:srgbClr val="24CBE5"/>
+      </a:accent5>
+      <a:accent6>
+        <a:srgbClr val="64E572"/>
+      </a:accent6>
+      <a:hlink>
+        <a:srgbClr val="2200CC"/>
+      </a:hlink>
+      <a:folHlink>
+        <a:srgbClr val="551A8B"/>
+      </a:folHlink>
+    </a:clrScheme>
+    <a:fontScheme name="Office">
+      <a:majorFont>
+        <a:latin typeface="Arial"/>
+        <a:ea typeface=""/>
+        <a:cs typeface=""/>
+        <a:font script="Jpan" typeface="ＭＳ Ｐゴシック"/>
+        <a:font script="Hang" typeface="맑은 고딕"/>
+        <a:font script="Hans" typeface="宋体"/>
+        <a:font script="Hant" typeface="新細明體"/>
+        <a:font script="Arab" typeface="Times New Roman"/>
+        <a:font script="Hebr" typeface="Times New Roman"/>
+        <a:font script="Thai" typeface="Angsana New"/>
+        <a:font script="Ethi" typeface="Nyala"/>
+        <a:font script="Beng" typeface="Vrinda"/>
+        <a:font script="Gujr" typeface="Shruti"/>
+        <a:font script="Khmr" typeface="MoolBoran"/>
+        <a:font script="Knda" typeface="Tunga"/>
+        <a:font script="Guru" typeface="Raavi"/>
+        <a:font script="Cans" typeface="Euphemia"/>
+        <a:font script="Cher" typeface="Plantagenet Cherokee"/>
+        <a:font script="Yiii" typeface="Microsoft Yi Baiti"/>
+        <a:font script="Tibt" typeface="Microsoft Himalaya"/>
+        <a:font script="Thaa" typeface="MV Boli"/>
+        <a:font script="Deva" typeface="Mangal"/>
+        <a:font script="Telu" typeface="Gautami"/>
+        <a:font script="Taml" typeface="Latha"/>
+        <a:font script="Syrc" typeface="Estrangelo Edessa"/>
+        <a:font script="Orya" typeface="Kalinga"/>
+        <a:font script="Mlym" typeface="Kartika"/>
+        <a:font script="Laoo" typeface="DokChampa"/>
+        <a:font script="Sinh" typeface="Iskoola Pota"/>
+        <a:font script="Mong" typeface="Mongolian Baiti"/>
+        <a:font script="Viet" typeface="Times New Roman"/>
+        <a:font script="Uigh" typeface="Microsoft Uighur"/>
+        <a:font script="Geor" typeface="Sylfaen"/>
+      </a:majorFont>
+      <a:minorFont>
+        <a:latin typeface="Arial"/>
+        <a:ea typeface=""/>
+        <a:cs typeface=""/>
+        <a:font script="Jpan" typeface="ＭＳ Ｐゴシック"/>
+        <a:font script="Hang" typeface="맑은 고딕"/>
+        <a:font script="Hans" typeface="宋体"/>
+        <a:font script="Hant" typeface="新細明體"/>
+        <a:font script="Arab" typeface="Arial"/>
+        <a:font script="Hebr" typeface="Arial"/>
+        <a:font script="Thai" typeface="Cordia New"/>
+        <a:font script="Ethi" typeface="Nyala"/>
+        <a:font script="Beng" typeface="Vrinda"/>
+        <a:font script="Gujr" typeface="Shruti"/>
+        <a:font script="Khmr" typeface="DaunPenh"/>
+        <a:font script="Knda" typeface="Tunga"/>
+        <a:font script="Guru" typeface="Raavi"/>
+        <a:font script="Cans" typeface="Euphemia"/>
+        <a:font script="Cher" typeface="Plantagenet Cherokee"/>
+        <a:font script="Yiii" typeface="Microsoft Yi Baiti"/>
+        <a:font script="Tibt" typeface="Microsoft Himalaya"/>
+        <a:font script="Thaa" typeface="MV Boli"/>
+        <a:font script="Deva" typeface="Mangal"/>
+        <a:font script="Telu" typeface="Gautami"/>
+        <a:font script="Taml" typeface="Latha"/>
+        <a:font script="Syrc" typeface="Estrangelo Edessa"/>
+        <a:font script="Orya" typeface="Kalinga"/>
+        <a:font script="Mlym" typeface="Kartika"/>
+        <a:font script="Laoo" typeface="DokChampa"/>
+        <a:font script="Sinh" typeface="Iskoola Pota"/>
+        <a:font script="Mong" typeface="Mongolian Baiti"/>
+        <a:font script="Viet" typeface="Arial"/>
+        <a:font script="Uigh" typeface="Microsoft Uighur"/>
+        <a:font script="Geor" typeface="Sylfaen"/>
+      </a:minorFont>
+    </a:fontScheme>
+    <a:fmtScheme name="Office">
+      <a:fillStyleLst>
+        <a:solidFill>
+          <a:schemeClr val="phClr"/>
+        </a:solidFill>
+        <a:gradFill rotWithShape="1">
+          <a:gsLst>
+            <a:gs pos="0">
+              <a:schemeClr val="phClr">
+                <a:tint val="50000"/>
+                <a:satMod val="300000"/>
+              </a:schemeClr>
+            </a:gs>
+            <a:gs pos="35000">
+              <a:schemeClr val="phClr">
+                <a:tint val="37000"/>
+                <a:satMod val="300000"/>
+              </a:schemeClr>
+            </a:gs>
+            <a:gs pos="100000">
+              <a:schemeClr val="phClr">
+                <a:tint val="15000"/>
+                <a:satMod val="350000"/>
+              </a:schemeClr>
+            </a:gs>
+          </a:gsLst>
+          <a:lin ang="16200000" scaled="1"/>
+        </a:gradFill>
+        <a:gradFill rotWithShape="1">
+          <a:gsLst>
+            <a:gs pos="0">
+              <a:schemeClr val="phClr">
+                <a:tint val="100000"/>
+                <a:shade val="100000"/>
+                <a:satMod val="130000"/>
+              </a:schemeClr>
+            </a:gs>
+            <a:gs pos="100000">
+              <a:schemeClr val="phClr">
+                <a:tint val="50000"/>
+                <a:shade val="100000"/>
+                <a:satMod val="350000"/>
+              </a:schemeClr>
+            </a:gs>
+          </a:gsLst>
+          <a:lin ang="16200000" scaled="0"/>
+        </a:gradFill>
+      </a:fillStyleLst>
+      <a:lnStyleLst>
+        <a:ln w="9525" cap="flat" cmpd="sng" algn="ctr">
+          <a:solidFill>
+            <a:schemeClr val="phClr">
+              <a:shade val="95000"/>
+              <a:satMod val="105000"/>
+            </a:schemeClr>
+          </a:solidFill>
+          <a:prstDash val="solid"/>
+        </a:ln>
+        <a:ln w="25400" cap="flat" cmpd="sng" algn="ctr">
+          <a:solidFill>
+            <a:schemeClr val="phClr"/>
+          </a:solidFill>
+          <a:prstDash val="solid"/>
+        </a:ln>
+        <a:ln w="38100" cap="flat" cmpd="sng" algn="ctr">
+          <a:solidFill>
+            <a:schemeClr val="phClr"/>
+          </a:solidFill>
+          <a:prstDash val="solid"/>
+        </a:ln>
+      </a:lnStyleLst>
+      <a:effectStyleLst>
+        <a:effectStyle>
+          <a:effectLst>
+            <a:outerShdw blurRad="40000" dist="20000" dir="5400000" rotWithShape="0">
+              <a:srgbClr val="000000">
+                <a:alpha val="38000"/>
+              </a:srgbClr>
+            </a:outerShdw>
+          </a:effectLst>
+        </a:effectStyle>
+        <a:effectStyle>
+          <a:effectLst>
+            <a:outerShdw blurRad="40000" dist="23000" dir="5400000" rotWithShape="0">
+              <a:srgbClr val="000000">
+                <a:alpha val="35000"/>
+              </a:srgbClr>
+            </a:outerShdw>
+          </a:effectLst>
+        </a:effectStyle>
+        <a:effectStyle>
+          <a:effectLst>
+            <a:outerShdw blurRad="40000" dist="23000" dir="5400000" rotWithShape="0">
+              <a:srgbClr val="000000">
+                <a:alpha val="35000"/>
+              </a:srgbClr>
+            </a:outerShdw>
+          </a:effectLst>
+          <a:scene3d>
+            <a:camera prst="orthographicFront">
+              <a:rot lat="0" lon="0" rev="0"/>
+            </a:camera>
+            <a:lightRig rig="threePt" dir="t">
+              <a:rot lat="0" lon="0" rev="1200000"/>
+            </a:lightRig>
+          </a:scene3d>
+          <a:sp3d>
+            <a:bevelT w="63500" h="25400"/>
+          </a:sp3d>
+        </a:effectStyle>
+      </a:effectStyleLst>
+      <a:bgFillStyleLst>
+        <a:solidFill>
+          <a:schemeClr val="phClr"/>
+        </a:solidFill>
+        <a:gradFill rotWithShape="1">
+          <a:gsLst>
+            <a:gs pos="0">
+              <a:schemeClr val="phClr">
+                <a:tint val="40000"/>
+                <a:satMod val="350000"/>
+              </a:schemeClr>
+            </a:gs>
+            <a:gs pos="40000">
+              <a:schemeClr val="phClr">
+                <a:tint val="45000"/>
+                <a:shade val="99000"/>
+                <a:satMod val="350000"/>
+              </a:schemeClr>
+            </a:gs>
+            <a:gs pos="100000">
+              <a:schemeClr val="phClr">
+                <a:shade val="20000"/>
+                <a:satMod val="255000"/>
+              </a:schemeClr>
+            </a:gs>
+          </a:gsLst>
+          <a:path path="circle">
+            <a:fillToRect l="50000" t="-80000" r="50000" b="180000"/>
+          </a:path>
+        </a:gradFill>
+        <a:gradFill rotWithShape="1">
+          <a:gsLst>
+            <a:gs pos="0">
+              <a:schemeClr val="phClr">
+                <a:tint val="80000"/>
+                <a:satMod val="300000"/>
+              </a:schemeClr>
+            </a:gs>
+            <a:gs pos="100000">
+              <a:schemeClr val="phClr">
+                <a:shade val="30000"/>
+                <a:satMod val="200000"/>
+              </a:schemeClr>
+            </a:gs>
+          </a:gsLst>
+          <a:path path="circle">
+            <a:fillToRect l="50000" t="50000" r="50000" b="50000"/>
+          </a:path>
+        </a:gradFill>
+      </a:bgFillStyleLst>
+    </a:fmtScheme>
+  </a:themeElements>
+</a:theme>
+</file>
+
+<file path=ppt/theme/theme2.xml><?xml version="1.0" encoding="utf-8"?>
 <a:theme xmlns:a="http://schemas.openxmlformats.org/drawingml/2006/main" xmlns:r="http://schemas.openxmlformats.org/officeDocument/2006/relationships" name="Focus">
   <a:themeElements>
     <a:clrScheme name="Focus">
@@ -17214,283 +18919,4 @@
     </a:fmtScheme>
   </a:themeElements>
 </a:theme>
-</file>
-
-<file path=ppt/theme/theme2.xml><?xml version="1.0" encoding="utf-8"?>
-<a:theme xmlns:a="http://schemas.openxmlformats.org/drawingml/2006/main" xmlns:r="http://schemas.openxmlformats.org/officeDocument/2006/relationships">
-  <a:themeElements>
-    <a:clrScheme name="Default">
-      <a:dk1>
-        <a:srgbClr val="000000"/>
-      </a:dk1>
-      <a:lt1>
-        <a:srgbClr val="FFFFFF"/>
-      </a:lt1>
-      <a:dk2>
-        <a:srgbClr val="158158"/>
-      </a:dk2>
-      <a:lt2>
-        <a:srgbClr val="F3F3F3"/>
-      </a:lt2>
-      <a:accent1>
-        <a:srgbClr val="058DC7"/>
-      </a:accent1>
-      <a:accent2>
-        <a:srgbClr val="50B432"/>
-      </a:accent2>
-      <a:accent3>
-        <a:srgbClr val="ED561B"/>
-      </a:accent3>
-      <a:accent4>
-        <a:srgbClr val="EDEF00"/>
-      </a:accent4>
-      <a:accent5>
-        <a:srgbClr val="24CBE5"/>
-      </a:accent5>
-      <a:accent6>
-        <a:srgbClr val="64E572"/>
-      </a:accent6>
-      <a:hlink>
-        <a:srgbClr val="2200CC"/>
-      </a:hlink>
-      <a:folHlink>
-        <a:srgbClr val="551A8B"/>
-      </a:folHlink>
-    </a:clrScheme>
-    <a:fontScheme name="Office">
-      <a:majorFont>
-        <a:latin typeface="Arial"/>
-        <a:ea typeface=""/>
-        <a:cs typeface=""/>
-        <a:font script="Jpan" typeface="ＭＳ Ｐゴシック"/>
-        <a:font script="Hang" typeface="맑은 고딕"/>
-        <a:font script="Hans" typeface="宋体"/>
-        <a:font script="Hant" typeface="新細明體"/>
-        <a:font script="Arab" typeface="Times New Roman"/>
-        <a:font script="Hebr" typeface="Times New Roman"/>
-        <a:font script="Thai" typeface="Angsana New"/>
-        <a:font script="Ethi" typeface="Nyala"/>
-        <a:font script="Beng" typeface="Vrinda"/>
-        <a:font script="Gujr" typeface="Shruti"/>
-        <a:font script="Khmr" typeface="MoolBoran"/>
-        <a:font script="Knda" typeface="Tunga"/>
-        <a:font script="Guru" typeface="Raavi"/>
-        <a:font script="Cans" typeface="Euphemia"/>
-        <a:font script="Cher" typeface="Plantagenet Cherokee"/>
-        <a:font script="Yiii" typeface="Microsoft Yi Baiti"/>
-        <a:font script="Tibt" typeface="Microsoft Himalaya"/>
-        <a:font script="Thaa" typeface="MV Boli"/>
-        <a:font script="Deva" typeface="Mangal"/>
-        <a:font script="Telu" typeface="Gautami"/>
-        <a:font script="Taml" typeface="Latha"/>
-        <a:font script="Syrc" typeface="Estrangelo Edessa"/>
-        <a:font script="Orya" typeface="Kalinga"/>
-        <a:font script="Mlym" typeface="Kartika"/>
-        <a:font script="Laoo" typeface="DokChampa"/>
-        <a:font script="Sinh" typeface="Iskoola Pota"/>
-        <a:font script="Mong" typeface="Mongolian Baiti"/>
-        <a:font script="Viet" typeface="Times New Roman"/>
-        <a:font script="Uigh" typeface="Microsoft Uighur"/>
-        <a:font script="Geor" typeface="Sylfaen"/>
-      </a:majorFont>
-      <a:minorFont>
-        <a:latin typeface="Arial"/>
-        <a:ea typeface=""/>
-        <a:cs typeface=""/>
-        <a:font script="Jpan" typeface="ＭＳ Ｐゴシック"/>
-        <a:font script="Hang" typeface="맑은 고딕"/>
-        <a:font script="Hans" typeface="宋体"/>
-        <a:font script="Hant" typeface="新細明體"/>
-        <a:font script="Arab" typeface="Arial"/>
-        <a:font script="Hebr" typeface="Arial"/>
-        <a:font script="Thai" typeface="Cordia New"/>
-        <a:font script="Ethi" typeface="Nyala"/>
-        <a:font script="Beng" typeface="Vrinda"/>
-        <a:font script="Gujr" typeface="Shruti"/>
-        <a:font script="Khmr" typeface="DaunPenh"/>
-        <a:font script="Knda" typeface="Tunga"/>
-        <a:font script="Guru" typeface="Raavi"/>
-        <a:font script="Cans" typeface="Euphemia"/>
-        <a:font script="Cher" typeface="Plantagenet Cherokee"/>
-        <a:font script="Yiii" typeface="Microsoft Yi Baiti"/>
-        <a:font script="Tibt" typeface="Microsoft Himalaya"/>
-        <a:font script="Thaa" typeface="MV Boli"/>
-        <a:font script="Deva" typeface="Mangal"/>
-        <a:font script="Telu" typeface="Gautami"/>
-        <a:font script="Taml" typeface="Latha"/>
-        <a:font script="Syrc" typeface="Estrangelo Edessa"/>
-        <a:font script="Orya" typeface="Kalinga"/>
-        <a:font script="Mlym" typeface="Kartika"/>
-        <a:font script="Laoo" typeface="DokChampa"/>
-        <a:font script="Sinh" typeface="Iskoola Pota"/>
-        <a:font script="Mong" typeface="Mongolian Baiti"/>
-        <a:font script="Viet" typeface="Arial"/>
-        <a:font script="Uigh" typeface="Microsoft Uighur"/>
-        <a:font script="Geor" typeface="Sylfaen"/>
-      </a:minorFont>
-    </a:fontScheme>
-    <a:fmtScheme name="Office">
-      <a:fillStyleLst>
-        <a:solidFill>
-          <a:schemeClr val="phClr"/>
-        </a:solidFill>
-        <a:gradFill rotWithShape="1">
-          <a:gsLst>
-            <a:gs pos="0">
-              <a:schemeClr val="phClr">
-                <a:tint val="50000"/>
-                <a:satMod val="300000"/>
-              </a:schemeClr>
-            </a:gs>
-            <a:gs pos="35000">
-              <a:schemeClr val="phClr">
-                <a:tint val="37000"/>
-                <a:satMod val="300000"/>
-              </a:schemeClr>
-            </a:gs>
-            <a:gs pos="100000">
-              <a:schemeClr val="phClr">
-                <a:tint val="15000"/>
-                <a:satMod val="350000"/>
-              </a:schemeClr>
-            </a:gs>
-          </a:gsLst>
-          <a:lin ang="16200000" scaled="1"/>
-        </a:gradFill>
-        <a:gradFill rotWithShape="1">
-          <a:gsLst>
-            <a:gs pos="0">
-              <a:schemeClr val="phClr">
-                <a:tint val="100000"/>
-                <a:shade val="100000"/>
-                <a:satMod val="130000"/>
-              </a:schemeClr>
-            </a:gs>
-            <a:gs pos="100000">
-              <a:schemeClr val="phClr">
-                <a:tint val="50000"/>
-                <a:shade val="100000"/>
-                <a:satMod val="350000"/>
-              </a:schemeClr>
-            </a:gs>
-          </a:gsLst>
-          <a:lin ang="16200000" scaled="0"/>
-        </a:gradFill>
-      </a:fillStyleLst>
-      <a:lnStyleLst>
-        <a:ln w="9525" cap="flat" cmpd="sng" algn="ctr">
-          <a:solidFill>
-            <a:schemeClr val="phClr">
-              <a:shade val="95000"/>
-              <a:satMod val="105000"/>
-            </a:schemeClr>
-          </a:solidFill>
-          <a:prstDash val="solid"/>
-        </a:ln>
-        <a:ln w="25400" cap="flat" cmpd="sng" algn="ctr">
-          <a:solidFill>
-            <a:schemeClr val="phClr"/>
-          </a:solidFill>
-          <a:prstDash val="solid"/>
-        </a:ln>
-        <a:ln w="38100" cap="flat" cmpd="sng" algn="ctr">
-          <a:solidFill>
-            <a:schemeClr val="phClr"/>
-          </a:solidFill>
-          <a:prstDash val="solid"/>
-        </a:ln>
-      </a:lnStyleLst>
-      <a:effectStyleLst>
-        <a:effectStyle>
-          <a:effectLst>
-            <a:outerShdw blurRad="40000" dist="20000" dir="5400000" rotWithShape="0">
-              <a:srgbClr val="000000">
-                <a:alpha val="38000"/>
-              </a:srgbClr>
-            </a:outerShdw>
-          </a:effectLst>
-        </a:effectStyle>
-        <a:effectStyle>
-          <a:effectLst>
-            <a:outerShdw blurRad="40000" dist="23000" dir="5400000" rotWithShape="0">
-              <a:srgbClr val="000000">
-                <a:alpha val="35000"/>
-              </a:srgbClr>
-            </a:outerShdw>
-          </a:effectLst>
-        </a:effectStyle>
-        <a:effectStyle>
-          <a:effectLst>
-            <a:outerShdw blurRad="40000" dist="23000" dir="5400000" rotWithShape="0">
-              <a:srgbClr val="000000">
-                <a:alpha val="35000"/>
-              </a:srgbClr>
-            </a:outerShdw>
-          </a:effectLst>
-          <a:scene3d>
-            <a:camera prst="orthographicFront">
-              <a:rot lat="0" lon="0" rev="0"/>
-            </a:camera>
-            <a:lightRig rig="threePt" dir="t">
-              <a:rot lat="0" lon="0" rev="1200000"/>
-            </a:lightRig>
-          </a:scene3d>
-          <a:sp3d>
-            <a:bevelT w="63500" h="25400"/>
-          </a:sp3d>
-        </a:effectStyle>
-      </a:effectStyleLst>
-      <a:bgFillStyleLst>
-        <a:solidFill>
-          <a:schemeClr val="phClr"/>
-        </a:solidFill>
-        <a:gradFill rotWithShape="1">
-          <a:gsLst>
-            <a:gs pos="0">
-              <a:schemeClr val="phClr">
-                <a:tint val="40000"/>
-                <a:satMod val="350000"/>
-              </a:schemeClr>
-            </a:gs>
-            <a:gs pos="40000">
-              <a:schemeClr val="phClr">
-                <a:tint val="45000"/>
-                <a:shade val="99000"/>
-                <a:satMod val="350000"/>
-              </a:schemeClr>
-            </a:gs>
-            <a:gs pos="100000">
-              <a:schemeClr val="phClr">
-                <a:shade val="20000"/>
-                <a:satMod val="255000"/>
-              </a:schemeClr>
-            </a:gs>
-          </a:gsLst>
-          <a:path path="circle">
-            <a:fillToRect l="50000" t="-80000" r="50000" b="180000"/>
-          </a:path>
-        </a:gradFill>
-        <a:gradFill rotWithShape="1">
-          <a:gsLst>
-            <a:gs pos="0">
-              <a:schemeClr val="phClr">
-                <a:tint val="80000"/>
-                <a:satMod val="300000"/>
-              </a:schemeClr>
-            </a:gs>
-            <a:gs pos="100000">
-              <a:schemeClr val="phClr">
-                <a:shade val="30000"/>
-                <a:satMod val="200000"/>
-              </a:schemeClr>
-            </a:gs>
-          </a:gsLst>
-          <a:path path="circle">
-            <a:fillToRect l="50000" t="50000" r="50000" b="50000"/>
-          </a:path>
-        </a:gradFill>
-      </a:bgFillStyleLst>
-    </a:fmtScheme>
-  </a:themeElements>
-</a:theme>
 </file>
--- a/The Knicks Java Final Project Presentation.pptx
+++ b/The Knicks Java Final Project Presentation.pptx
@@ -38,24 +38,23 @@
     <p:sldId id="283" r:id="rId33"/>
     <p:sldId id="284" r:id="rId34"/>
     <p:sldId id="285" r:id="rId35"/>
-    <p:sldId id="286" r:id="rId36"/>
   </p:sldIdLst>
   <p:sldSz cy="5143500" cx="9144000"/>
   <p:notesSz cx="6858000" cy="9144000"/>
   <p:embeddedFontLst>
     <p:embeddedFont>
       <p:font typeface="Montserrat"/>
-      <p:regular r:id="rId37"/>
-      <p:bold r:id="rId38"/>
-      <p:italic r:id="rId39"/>
-      <p:boldItalic r:id="rId40"/>
+      <p:regular r:id="rId36"/>
+      <p:bold r:id="rId37"/>
+      <p:italic r:id="rId38"/>
+      <p:boldItalic r:id="rId39"/>
     </p:embeddedFont>
     <p:embeddedFont>
       <p:font typeface="Lato"/>
-      <p:regular r:id="rId41"/>
-      <p:bold r:id="rId42"/>
-      <p:italic r:id="rId43"/>
-      <p:boldItalic r:id="rId44"/>
+      <p:regular r:id="rId40"/>
+      <p:bold r:id="rId41"/>
+      <p:italic r:id="rId42"/>
+      <p:boldItalic r:id="rId43"/>
     </p:embeddedFont>
   </p:embeddedFontLst>
   <p:defaultTextStyle>
@@ -1741,7 +1740,7 @@
       </p:grpSpPr>
       <p:sp>
         <p:nvSpPr>
-          <p:cNvPr id="273" name="Google Shape;273;gcd8045d72a_1_27:notes"/>
+          <p:cNvPr id="273" name="Google Shape;273;gcd8045d72a_1_66:notes"/>
           <p:cNvSpPr/>
           <p:nvPr>
             <p:ph idx="2" type="sldImg"/>
@@ -1776,7 +1775,7 @@
       </p:sp>
       <p:sp>
         <p:nvSpPr>
-          <p:cNvPr id="274" name="Google Shape;274;gcd8045d72a_1_27:notes"/>
+          <p:cNvPr id="274" name="Google Shape;274;gcd8045d72a_1_66:notes"/>
           <p:cNvSpPr txBox="1"/>
           <p:nvPr>
             <p:ph idx="1" type="body"/>
@@ -1925,7 +1924,7 @@
   <p:cSld>
     <p:spTree>
       <p:nvGrpSpPr>
-        <p:cNvPr id="280" name="Shape 280"/>
+        <p:cNvPr id="281" name="Shape 281"/>
         <p:cNvGrpSpPr/>
         <p:nvPr/>
       </p:nvGrpSpPr>
@@ -1939,7 +1938,7 @@
       </p:grpSpPr>
       <p:sp>
         <p:nvSpPr>
-          <p:cNvPr id="281" name="Google Shape;281;gd425a55f0b_0_1289:notes"/>
+          <p:cNvPr id="282" name="Google Shape;282;gd425a55f0b_0_1289:notes"/>
           <p:cNvSpPr/>
           <p:nvPr>
             <p:ph idx="2" type="sldImg"/>
@@ -1974,7 +1973,7 @@
       </p:sp>
       <p:sp>
         <p:nvSpPr>
-          <p:cNvPr id="282" name="Google Shape;282;gd425a55f0b_0_1289:notes"/>
+          <p:cNvPr id="283" name="Google Shape;283;gd425a55f0b_0_1289:notes"/>
           <p:cNvSpPr txBox="1"/>
           <p:nvPr>
             <p:ph idx="1" type="body"/>
@@ -2024,7 +2023,7 @@
   <p:cSld>
     <p:spTree>
       <p:nvGrpSpPr>
-        <p:cNvPr id="288" name="Shape 288"/>
+        <p:cNvPr id="289" name="Shape 289"/>
         <p:cNvGrpSpPr/>
         <p:nvPr/>
       </p:nvGrpSpPr>
@@ -2038,7 +2037,7 @@
       </p:grpSpPr>
       <p:sp>
         <p:nvSpPr>
-          <p:cNvPr id="289" name="Google Shape;289;gcd8045d72a_1_66:notes"/>
+          <p:cNvPr id="290" name="Google Shape;290;gcd8045d72a_1_75:notes"/>
           <p:cNvSpPr/>
           <p:nvPr>
             <p:ph idx="2" type="sldImg"/>
@@ -2073,7 +2072,7 @@
       </p:sp>
       <p:sp>
         <p:nvSpPr>
-          <p:cNvPr id="290" name="Google Shape;290;gcd8045d72a_1_66:notes"/>
+          <p:cNvPr id="291" name="Google Shape;291;gcd8045d72a_1_75:notes"/>
           <p:cNvSpPr txBox="1"/>
           <p:nvPr>
             <p:ph idx="1" type="body"/>
@@ -2137,7 +2136,7 @@
       </p:grpSpPr>
       <p:sp>
         <p:nvSpPr>
-          <p:cNvPr id="298" name="Google Shape;298;gcd8045d72a_1_75:notes"/>
+          <p:cNvPr id="298" name="Google Shape;298;gd04c478625_0_0:notes"/>
           <p:cNvSpPr/>
           <p:nvPr>
             <p:ph idx="2" type="sldImg"/>
@@ -2172,7 +2171,7 @@
       </p:sp>
       <p:sp>
         <p:nvSpPr>
-          <p:cNvPr id="299" name="Google Shape;299;gcd8045d72a_1_75:notes"/>
+          <p:cNvPr id="299" name="Google Shape;299;gd04c478625_0_0:notes"/>
           <p:cNvSpPr txBox="1"/>
           <p:nvPr>
             <p:ph idx="1" type="body"/>
@@ -2236,7 +2235,7 @@
       </p:grpSpPr>
       <p:sp>
         <p:nvSpPr>
-          <p:cNvPr id="306" name="Google Shape;306;gd04c478625_0_0:notes"/>
+          <p:cNvPr id="306" name="Google Shape;306;gcd8045d72a_2_12:notes"/>
           <p:cNvSpPr/>
           <p:nvPr>
             <p:ph idx="2" type="sldImg"/>
@@ -2271,7 +2270,7 @@
       </p:sp>
       <p:sp>
         <p:nvSpPr>
-          <p:cNvPr id="307" name="Google Shape;307;gd04c478625_0_0:notes"/>
+          <p:cNvPr id="307" name="Google Shape;307;gcd8045d72a_2_12:notes"/>
           <p:cNvSpPr txBox="1"/>
           <p:nvPr>
             <p:ph idx="1" type="body"/>
@@ -2335,7 +2334,7 @@
       </p:grpSpPr>
       <p:sp>
         <p:nvSpPr>
-          <p:cNvPr id="314" name="Google Shape;314;gcd8045d72a_2_12:notes"/>
+          <p:cNvPr id="314" name="Google Shape;314;gd04c478625_0_5:notes"/>
           <p:cNvSpPr/>
           <p:nvPr>
             <p:ph idx="2" type="sldImg"/>
@@ -2370,7 +2369,7 @@
       </p:sp>
       <p:sp>
         <p:nvSpPr>
-          <p:cNvPr id="315" name="Google Shape;315;gcd8045d72a_2_12:notes"/>
+          <p:cNvPr id="315" name="Google Shape;315;gd04c478625_0_5:notes"/>
           <p:cNvSpPr txBox="1"/>
           <p:nvPr>
             <p:ph idx="1" type="body"/>
@@ -2420,7 +2419,7 @@
   <p:cSld>
     <p:spTree>
       <p:nvGrpSpPr>
-        <p:cNvPr id="321" name="Shape 321"/>
+        <p:cNvPr id="320" name="Shape 320"/>
         <p:cNvGrpSpPr/>
         <p:nvPr/>
       </p:nvGrpSpPr>
@@ -2434,7 +2433,7 @@
       </p:grpSpPr>
       <p:sp>
         <p:nvSpPr>
-          <p:cNvPr id="322" name="Google Shape;322;gd04c478625_0_5:notes"/>
+          <p:cNvPr id="321" name="Google Shape;321;gd04c478625_0_15:notes"/>
           <p:cNvSpPr/>
           <p:nvPr>
             <p:ph idx="2" type="sldImg"/>
@@ -2469,7 +2468,7 @@
       </p:sp>
       <p:sp>
         <p:nvSpPr>
-          <p:cNvPr id="323" name="Google Shape;323;gd04c478625_0_5:notes"/>
+          <p:cNvPr id="322" name="Google Shape;322;gd04c478625_0_15:notes"/>
           <p:cNvSpPr txBox="1"/>
           <p:nvPr>
             <p:ph idx="1" type="body"/>
@@ -2519,7 +2518,7 @@
   <p:cSld>
     <p:spTree>
       <p:nvGrpSpPr>
-        <p:cNvPr id="328" name="Shape 328"/>
+        <p:cNvPr id="327" name="Shape 327"/>
         <p:cNvGrpSpPr/>
         <p:nvPr/>
       </p:nvGrpSpPr>
@@ -2533,7 +2532,7 @@
       </p:grpSpPr>
       <p:sp>
         <p:nvSpPr>
-          <p:cNvPr id="329" name="Google Shape;329;gd04c478625_0_15:notes"/>
+          <p:cNvPr id="328" name="Google Shape;328;gcd8045d72a_1_21:notes"/>
           <p:cNvSpPr/>
           <p:nvPr>
             <p:ph idx="2" type="sldImg"/>
@@ -2568,7 +2567,7 @@
       </p:sp>
       <p:sp>
         <p:nvSpPr>
-          <p:cNvPr id="330" name="Google Shape;330;gd04c478625_0_15:notes"/>
+          <p:cNvPr id="329" name="Google Shape;329;gcd8045d72a_1_21:notes"/>
           <p:cNvSpPr txBox="1"/>
           <p:nvPr>
             <p:ph idx="1" type="body"/>
@@ -2618,7 +2617,7 @@
   <p:cSld>
     <p:spTree>
       <p:nvGrpSpPr>
-        <p:cNvPr id="335" name="Shape 335"/>
+        <p:cNvPr id="334" name="Shape 334"/>
         <p:cNvGrpSpPr/>
         <p:nvPr/>
       </p:nvGrpSpPr>
@@ -2632,7 +2631,7 @@
       </p:grpSpPr>
       <p:sp>
         <p:nvSpPr>
-          <p:cNvPr id="336" name="Google Shape;336;gcd8045d72a_1_21:notes"/>
+          <p:cNvPr id="335" name="Google Shape;335;gd04c478625_0_25:notes"/>
           <p:cNvSpPr/>
           <p:nvPr>
             <p:ph idx="2" type="sldImg"/>
@@ -2667,7 +2666,7 @@
       </p:sp>
       <p:sp>
         <p:nvSpPr>
-          <p:cNvPr id="337" name="Google Shape;337;gcd8045d72a_1_21:notes"/>
+          <p:cNvPr id="336" name="Google Shape;336;gd04c478625_0_25:notes"/>
           <p:cNvSpPr txBox="1"/>
           <p:nvPr>
             <p:ph idx="1" type="body"/>
@@ -2731,7 +2730,7 @@
       </p:grpSpPr>
       <p:sp>
         <p:nvSpPr>
-          <p:cNvPr id="343" name="Google Shape;343;gd04c478625_0_25:notes"/>
+          <p:cNvPr id="343" name="Google Shape;343;gd51e87aa91_0_13:notes"/>
           <p:cNvSpPr/>
           <p:nvPr>
             <p:ph idx="2" type="sldImg"/>
@@ -2766,7 +2765,7 @@
       </p:sp>
       <p:sp>
         <p:nvSpPr>
-          <p:cNvPr id="344" name="Google Shape;344;gd04c478625_0_25:notes"/>
+          <p:cNvPr id="344" name="Google Shape;344;gd51e87aa91_0_13:notes"/>
           <p:cNvSpPr txBox="1"/>
           <p:nvPr>
             <p:ph idx="1" type="body"/>
@@ -2816,7 +2815,7 @@
   <p:cSld>
     <p:spTree>
       <p:nvGrpSpPr>
-        <p:cNvPr id="350" name="Shape 350"/>
+        <p:cNvPr id="349" name="Shape 349"/>
         <p:cNvGrpSpPr/>
         <p:nvPr/>
       </p:nvGrpSpPr>
@@ -2830,7 +2829,7 @@
       </p:grpSpPr>
       <p:sp>
         <p:nvSpPr>
-          <p:cNvPr id="351" name="Google Shape;351;gd51e87aa91_0_13:notes"/>
+          <p:cNvPr id="350" name="Google Shape;350;gd51e87aa91_0_18:notes"/>
           <p:cNvSpPr/>
           <p:nvPr>
             <p:ph idx="2" type="sldImg"/>
@@ -2865,7 +2864,7 @@
       </p:sp>
       <p:sp>
         <p:nvSpPr>
-          <p:cNvPr id="352" name="Google Shape;352;gd51e87aa91_0_13:notes"/>
+          <p:cNvPr id="351" name="Google Shape;351;gd51e87aa91_0_18:notes"/>
           <p:cNvSpPr txBox="1"/>
           <p:nvPr>
             <p:ph idx="1" type="body"/>
@@ -3014,7 +3013,7 @@
   <p:cSld>
     <p:spTree>
       <p:nvGrpSpPr>
-        <p:cNvPr id="357" name="Shape 357"/>
+        <p:cNvPr id="355" name="Shape 355"/>
         <p:cNvGrpSpPr/>
         <p:nvPr/>
       </p:nvGrpSpPr>
@@ -3028,7 +3027,7 @@
       </p:grpSpPr>
       <p:sp>
         <p:nvSpPr>
-          <p:cNvPr id="358" name="Google Shape;358;gd51e87aa91_0_18:notes"/>
+          <p:cNvPr id="356" name="Google Shape;356;gcd8045cc97_0_12:notes"/>
           <p:cNvSpPr/>
           <p:nvPr>
             <p:ph idx="2" type="sldImg"/>
@@ -3063,106 +3062,7 @@
       </p:sp>
       <p:sp>
         <p:nvSpPr>
-          <p:cNvPr id="359" name="Google Shape;359;gd51e87aa91_0_18:notes"/>
-          <p:cNvSpPr txBox="1"/>
-          <p:nvPr>
-            <p:ph idx="1" type="body"/>
-          </p:nvPr>
-        </p:nvSpPr>
-        <p:spPr>
-          <a:xfrm>
-            <a:off x="685800" y="4343400"/>
-            <a:ext cx="5486400" cy="4114800"/>
-          </a:xfrm>
-          <a:prstGeom prst="rect">
-            <a:avLst/>
-          </a:prstGeom>
-        </p:spPr>
-        <p:txBody>
-          <a:bodyPr anchorCtr="0" anchor="t" bIns="91425" lIns="91425" spcFirstLastPara="1" rIns="91425" wrap="square" tIns="91425">
-            <a:noAutofit/>
-          </a:bodyPr>
-          <a:lstStyle/>
-          <a:p>
-            <a:pPr indent="0" lvl="0" marL="0" rtl="0" algn="l">
-              <a:spcBef>
-                <a:spcPts val="0"/>
-              </a:spcBef>
-              <a:spcAft>
-                <a:spcPts val="0"/>
-              </a:spcAft>
-              <a:buNone/>
-            </a:pPr>
-            <a:r>
-              <a:t/>
-            </a:r>
-            <a:endParaRPr/>
-          </a:p>
-        </p:txBody>
-      </p:sp>
-    </p:spTree>
-  </p:cSld>
-  <p:clrMapOvr>
-    <a:masterClrMapping/>
-  </p:clrMapOvr>
-</p:notes>
-</file>
-
-<file path=ppt/notesSlides/notesSlide31.xml><?xml version="1.0" encoding="utf-8"?>
-<p:notes xmlns:a="http://schemas.openxmlformats.org/drawingml/2006/main" xmlns:r="http://schemas.openxmlformats.org/officeDocument/2006/relationships" xmlns:mc="http://schemas.openxmlformats.org/markup-compatibility/2006" xmlns:mv="urn:schemas-microsoft-com:mac:vml" xmlns:p="http://schemas.openxmlformats.org/presentationml/2006/main" xmlns:c="http://schemas.openxmlformats.org/drawingml/2006/chart" xmlns:dgm="http://schemas.openxmlformats.org/drawingml/2006/diagram" xmlns:o="urn:schemas-microsoft-com:office:office" xmlns:v="urn:schemas-microsoft-com:vml" xmlns:pvml="urn:schemas-microsoft-com:office:powerpoint" xmlns:com="http://schemas.openxmlformats.org/drawingml/2006/compatibility" xmlns:p14="http://schemas.microsoft.com/office/powerpoint/2010/main" xmlns:p15="http://schemas.microsoft.com/office/powerpoint/2012/main" xmlns:ahyp="http://schemas.microsoft.com/office/drawing/2018/hyperlinkcolor" showMasterPhAnim="0" showMasterSp="0">
-  <p:cSld>
-    <p:spTree>
-      <p:nvGrpSpPr>
-        <p:cNvPr id="363" name="Shape 363"/>
-        <p:cNvGrpSpPr/>
-        <p:nvPr/>
-      </p:nvGrpSpPr>
-      <p:grpSpPr>
-        <a:xfrm>
-          <a:off x="0" y="0"/>
-          <a:ext cx="0" cy="0"/>
-          <a:chOff x="0" y="0"/>
-          <a:chExt cx="0" cy="0"/>
-        </a:xfrm>
-      </p:grpSpPr>
-      <p:sp>
-        <p:nvSpPr>
-          <p:cNvPr id="364" name="Google Shape;364;gcd8045cc97_0_12:notes"/>
-          <p:cNvSpPr/>
-          <p:nvPr>
-            <p:ph idx="2" type="sldImg"/>
-          </p:nvPr>
-        </p:nvSpPr>
-        <p:spPr>
-          <a:xfrm>
-            <a:off x="381300" y="685800"/>
-            <a:ext cx="6096000" cy="3429000"/>
-          </a:xfrm>
-          <a:custGeom>
-            <a:rect b="b" l="l" r="r" t="t"/>
-            <a:pathLst>
-              <a:path extrusionOk="0" h="120000" w="120000">
-                <a:moveTo>
-                  <a:pt x="0" y="0"/>
-                </a:moveTo>
-                <a:lnTo>
-                  <a:pt x="120000" y="0"/>
-                </a:lnTo>
-                <a:lnTo>
-                  <a:pt x="120000" y="120000"/>
-                </a:lnTo>
-                <a:lnTo>
-                  <a:pt x="0" y="120000"/>
-                </a:lnTo>
-                <a:close/>
-              </a:path>
-            </a:pathLst>
-          </a:custGeom>
-        </p:spPr>
-      </p:sp>
-      <p:sp>
-        <p:nvSpPr>
-          <p:cNvPr id="365" name="Google Shape;365;gcd8045cc97_0_12:notes"/>
+          <p:cNvPr id="357" name="Google Shape;357;gcd8045cc97_0_12:notes"/>
           <p:cNvSpPr txBox="1"/>
           <p:nvPr>
             <p:ph idx="1" type="body"/>
@@ -14132,7 +14032,7 @@
         </p:spPr>
         <p:txBody>
           <a:bodyPr anchorCtr="0" anchor="t" bIns="91425" lIns="91425" spcFirstLastPara="1" rIns="91425" wrap="square" tIns="91425">
-            <a:normAutofit/>
+            <a:normAutofit fontScale="90000"/>
           </a:bodyPr>
           <a:lstStyle/>
           <a:p>
@@ -14146,10 +14046,25 @@
               <a:buNone/>
             </a:pPr>
             <a:r>
-              <a:rPr lang="en"/>
+              <a:rPr lang="en" sz="2511"/>
               <a:t>Sign-up Page cont’d</a:t>
             </a:r>
-            <a:endParaRPr/>
+            <a:endParaRPr sz="2511"/>
+          </a:p>
+          <a:p>
+            <a:pPr indent="0" lvl="0" marL="0" rtl="0" algn="l">
+              <a:spcBef>
+                <a:spcPts val="0"/>
+              </a:spcBef>
+              <a:spcAft>
+                <a:spcPts val="0"/>
+              </a:spcAft>
+              <a:buNone/>
+            </a:pPr>
+            <a:r>
+              <a:t/>
+            </a:r>
+            <a:endParaRPr sz="2511"/>
           </a:p>
         </p:txBody>
       </p:sp>
@@ -14211,6 +14126,54 @@
       <p:sp>
         <p:nvSpPr>
           <p:cNvPr id="279" name="Google Shape;279;p31"/>
+          <p:cNvSpPr txBox="1"/>
+          <p:nvPr>
+            <p:ph idx="1" type="body"/>
+          </p:nvPr>
+        </p:nvSpPr>
+        <p:spPr>
+          <a:xfrm>
+            <a:off x="1341300" y="1069375"/>
+            <a:ext cx="7038900" cy="521700"/>
+          </a:xfrm>
+          <a:prstGeom prst="rect">
+            <a:avLst/>
+          </a:prstGeom>
+        </p:spPr>
+        <p:txBody>
+          <a:bodyPr anchorCtr="0" anchor="t" bIns="91425" lIns="91425" spcFirstLastPara="1" rIns="91425" wrap="square" tIns="91425">
+            <a:normAutofit/>
+          </a:bodyPr>
+          <a:lstStyle/>
+          <a:p>
+            <a:pPr indent="0" lvl="0" marL="0" rtl="0" algn="l">
+              <a:spcBef>
+                <a:spcPts val="0"/>
+              </a:spcBef>
+              <a:spcAft>
+                <a:spcPts val="1200"/>
+              </a:spcAft>
+              <a:buNone/>
+            </a:pPr>
+            <a:r>
+              <a:rPr lang="en" sz="1800"/>
+              <a:t>onSignUpClick():  This </a:t>
+            </a:r>
+            <a:r>
+              <a:rPr lang="en" sz="1800"/>
+              <a:t>function</a:t>
+            </a:r>
+            <a:r>
+              <a:rPr lang="en" sz="1800"/>
+              <a:t> handles the signup actions.</a:t>
+            </a:r>
+            <a:endParaRPr sz="1800"/>
+          </a:p>
+        </p:txBody>
+      </p:sp>
+      <p:sp>
+        <p:nvSpPr>
+          <p:cNvPr id="280" name="Google Shape;280;p31"/>
           <p:cNvSpPr txBox="1"/>
           <p:nvPr>
             <p:ph idx="12" type="sldNum"/>
@@ -14422,7 +14385,7 @@
   <p:cSld>
     <p:spTree>
       <p:nvGrpSpPr>
-        <p:cNvPr id="283" name="Shape 283"/>
+        <p:cNvPr id="284" name="Shape 284"/>
         <p:cNvGrpSpPr/>
         <p:nvPr/>
       </p:nvGrpSpPr>
@@ -14436,7 +14399,7 @@
       </p:grpSpPr>
       <p:sp>
         <p:nvSpPr>
-          <p:cNvPr id="284" name="Google Shape;284;p32"/>
+          <p:cNvPr id="285" name="Google Shape;285;p32"/>
           <p:cNvSpPr txBox="1"/>
           <p:nvPr>
             <p:ph type="title"/>
@@ -14476,7 +14439,7 @@
       </p:sp>
       <p:pic>
         <p:nvPicPr>
-          <p:cNvPr id="285" name="Google Shape;285;p32"/>
+          <p:cNvPr id="286" name="Google Shape;286;p32"/>
           <p:cNvPicPr preferRelativeResize="0"/>
           <p:nvPr/>
         </p:nvPicPr>
@@ -14504,7 +14467,7 @@
       </p:pic>
       <p:sp>
         <p:nvSpPr>
-          <p:cNvPr id="286" name="Google Shape;286;p32"/>
+          <p:cNvPr id="287" name="Google Shape;287;p32"/>
           <p:cNvSpPr txBox="1"/>
           <p:nvPr>
             <p:ph idx="1" type="body"/>
@@ -14536,7 +14499,7 @@
             </a:pPr>
             <a:r>
               <a:rPr lang="en" sz="1800"/>
-              <a:t>The Admin Dashboard encompasses all of the actions that can be performed by a user, in addition to having the ability to edit items, users and accept/reject requests.</a:t>
+              <a:t>The Admin Dashboard encompasses all of the actions that can be performed by a user, in addition to having the ability to edit items, users, and accept/reject requests.</a:t>
             </a:r>
             <a:endParaRPr sz="1800"/>
           </a:p>
@@ -14544,7 +14507,7 @@
       </p:sp>
       <p:sp>
         <p:nvSpPr>
-          <p:cNvPr id="287" name="Google Shape;287;p32"/>
+          <p:cNvPr id="288" name="Google Shape;288;p32"/>
           <p:cNvSpPr txBox="1"/>
           <p:nvPr>
             <p:ph idx="12" type="sldNum"/>
@@ -14595,7 +14558,7 @@
   <p:cSld>
     <p:spTree>
       <p:nvGrpSpPr>
-        <p:cNvPr id="291" name="Shape 291"/>
+        <p:cNvPr id="292" name="Shape 292"/>
         <p:cNvGrpSpPr/>
         <p:nvPr/>
       </p:nvGrpSpPr>
@@ -14609,7 +14572,7 @@
       </p:grpSpPr>
       <p:sp>
         <p:nvSpPr>
-          <p:cNvPr id="292" name="Google Shape;292;p33"/>
+          <p:cNvPr id="293" name="Google Shape;293;p33"/>
           <p:cNvSpPr txBox="1"/>
           <p:nvPr>
             <p:ph type="title"/>
@@ -14647,23 +14610,65 @@
           </a:p>
         </p:txBody>
       </p:sp>
+      <p:sp>
+        <p:nvSpPr>
+          <p:cNvPr id="294" name="Google Shape;294;p33"/>
+          <p:cNvSpPr txBox="1"/>
+          <p:nvPr>
+            <p:ph idx="1" type="body"/>
+          </p:nvPr>
+        </p:nvSpPr>
+        <p:spPr>
+          <a:xfrm>
+            <a:off x="1338275" y="1069375"/>
+            <a:ext cx="8415300" cy="521700"/>
+          </a:xfrm>
+          <a:prstGeom prst="rect">
+            <a:avLst/>
+          </a:prstGeom>
+        </p:spPr>
+        <p:txBody>
+          <a:bodyPr anchorCtr="0" anchor="t" bIns="91425" lIns="91425" spcFirstLastPara="1" rIns="91425" wrap="square" tIns="91425">
+            <a:noAutofit/>
+          </a:bodyPr>
+          <a:lstStyle/>
+          <a:p>
+            <a:pPr indent="0" lvl="0" marL="0" rtl="0" algn="l">
+              <a:spcBef>
+                <a:spcPts val="0"/>
+              </a:spcBef>
+              <a:spcAft>
+                <a:spcPts val="1200"/>
+              </a:spcAft>
+              <a:buSzPts val="770"/>
+              <a:buNone/>
+            </a:pPr>
+            <a:r>
+              <a:rPr lang="en" sz="1530"/>
+              <a:t>onAddUser(): This function handles adding users when the Add User Button is pressed</a:t>
+            </a:r>
+            <a:endParaRPr sz="1530"/>
+          </a:p>
+        </p:txBody>
+      </p:sp>
       <p:pic>
         <p:nvPicPr>
-          <p:cNvPr id="293" name="Google Shape;293;p33"/>
+          <p:cNvPr id="295" name="Google Shape;295;p33"/>
           <p:cNvPicPr preferRelativeResize="0"/>
           <p:nvPr/>
         </p:nvPicPr>
-        <p:blipFill rotWithShape="1">
+        <p:blipFill>
           <a:blip r:embed="rId3">
             <a:alphaModFix/>
           </a:blip>
-          <a:srcRect b="24772" l="0" r="22178" t="0"/>
-          <a:stretch/>
+          <a:stretch>
+            <a:fillRect/>
+          </a:stretch>
         </p:blipFill>
         <p:spPr>
           <a:xfrm>
-            <a:off x="264900" y="1821850"/>
-            <a:ext cx="3945524" cy="2703299"/>
+            <a:off x="2522775" y="1591075"/>
+            <a:ext cx="3908296" cy="3247627"/>
           </a:xfrm>
           <a:prstGeom prst="rect">
             <a:avLst/>
@@ -14674,82 +14679,6 @@
           </a:ln>
         </p:spPr>
       </p:pic>
-      <p:pic>
-        <p:nvPicPr>
-          <p:cNvPr id="294" name="Google Shape;294;p33"/>
-          <p:cNvPicPr preferRelativeResize="0"/>
-          <p:nvPr/>
-        </p:nvPicPr>
-        <p:blipFill>
-          <a:blip r:embed="rId4">
-            <a:alphaModFix/>
-          </a:blip>
-          <a:stretch>
-            <a:fillRect/>
-          </a:stretch>
-        </p:blipFill>
-        <p:spPr>
-          <a:xfrm>
-            <a:off x="4572000" y="1983238"/>
-            <a:ext cx="4427426" cy="2380525"/>
-          </a:xfrm>
-          <a:prstGeom prst="rect">
-            <a:avLst/>
-          </a:prstGeom>
-          <a:noFill/>
-          <a:ln>
-            <a:noFill/>
-          </a:ln>
-        </p:spPr>
-      </p:pic>
-      <p:sp>
-        <p:nvSpPr>
-          <p:cNvPr id="295" name="Google Shape;295;p33"/>
-          <p:cNvSpPr txBox="1"/>
-          <p:nvPr>
-            <p:ph idx="1" type="body"/>
-          </p:nvPr>
-        </p:nvSpPr>
-        <p:spPr>
-          <a:xfrm>
-            <a:off x="1341300" y="1069375"/>
-            <a:ext cx="7038900" cy="521700"/>
-          </a:xfrm>
-          <a:prstGeom prst="rect">
-            <a:avLst/>
-          </a:prstGeom>
-        </p:spPr>
-        <p:txBody>
-          <a:bodyPr anchorCtr="0" anchor="t" bIns="91425" lIns="91425" spcFirstLastPara="1" rIns="91425" wrap="square" tIns="91425">
-            <a:normAutofit/>
-          </a:bodyPr>
-          <a:lstStyle/>
-          <a:p>
-            <a:pPr indent="0" lvl="0" marL="0" rtl="0" algn="l">
-              <a:spcBef>
-                <a:spcPts val="0"/>
-              </a:spcBef>
-              <a:spcAft>
-                <a:spcPts val="1200"/>
-              </a:spcAft>
-              <a:buNone/>
-            </a:pPr>
-            <a:r>
-              <a:rPr lang="en" sz="1900"/>
-              <a:t>onSignUpClick():  This </a:t>
-            </a:r>
-            <a:r>
-              <a:rPr lang="en" sz="1900"/>
-              <a:t>function</a:t>
-            </a:r>
-            <a:r>
-              <a:rPr lang="en" sz="1900"/>
-              <a:t> handles the signup actions.</a:t>
-            </a:r>
-            <a:endParaRPr sz="1900"/>
-          </a:p>
-        </p:txBody>
-      </p:sp>
       <p:sp>
         <p:nvSpPr>
           <p:cNvPr id="296" name="Google Shape;296;p33"/>
@@ -14849,56 +14778,15 @@
             </a:pPr>
             <a:r>
               <a:rPr lang="en"/>
-              <a:t>Admin Dashboard cont’d</a:t>
+              <a:t>User Dashboard</a:t>
             </a:r>
             <a:endParaRPr/>
           </a:p>
         </p:txBody>
       </p:sp>
-      <p:sp>
-        <p:nvSpPr>
-          <p:cNvPr id="302" name="Google Shape;302;p34"/>
-          <p:cNvSpPr txBox="1"/>
-          <p:nvPr>
-            <p:ph idx="1" type="body"/>
-          </p:nvPr>
-        </p:nvSpPr>
-        <p:spPr>
-          <a:xfrm>
-            <a:off x="1338275" y="1069375"/>
-            <a:ext cx="8415300" cy="521700"/>
-          </a:xfrm>
-          <a:prstGeom prst="rect">
-            <a:avLst/>
-          </a:prstGeom>
-        </p:spPr>
-        <p:txBody>
-          <a:bodyPr anchorCtr="0" anchor="t" bIns="91425" lIns="91425" spcFirstLastPara="1" rIns="91425" wrap="square" tIns="91425">
-            <a:noAutofit/>
-          </a:bodyPr>
-          <a:lstStyle/>
-          <a:p>
-            <a:pPr indent="0" lvl="0" marL="0" rtl="0" algn="l">
-              <a:spcBef>
-                <a:spcPts val="0"/>
-              </a:spcBef>
-              <a:spcAft>
-                <a:spcPts val="1200"/>
-              </a:spcAft>
-              <a:buSzPts val="770"/>
-              <a:buNone/>
-            </a:pPr>
-            <a:r>
-              <a:rPr lang="en" sz="1530"/>
-              <a:t>onAddUser(): This function handles adding users when the Add User Button is pressed</a:t>
-            </a:r>
-            <a:endParaRPr sz="1530"/>
-          </a:p>
-        </p:txBody>
-      </p:sp>
       <p:pic>
         <p:nvPicPr>
-          <p:cNvPr id="303" name="Google Shape;303;p34"/>
+          <p:cNvPr id="302" name="Google Shape;302;p34"/>
           <p:cNvPicPr preferRelativeResize="0"/>
           <p:nvPr/>
         </p:nvPicPr>
@@ -14912,8 +14800,8 @@
         </p:blipFill>
         <p:spPr>
           <a:xfrm>
-            <a:off x="2522775" y="1591075"/>
-            <a:ext cx="3908296" cy="3247627"/>
+            <a:off x="3998225" y="1307850"/>
+            <a:ext cx="4760100" cy="3391099"/>
           </a:xfrm>
           <a:prstGeom prst="rect">
             <a:avLst/>
@@ -14924,6 +14812,67 @@
           </a:ln>
         </p:spPr>
       </p:pic>
+      <p:sp>
+        <p:nvSpPr>
+          <p:cNvPr id="303" name="Google Shape;303;p34"/>
+          <p:cNvSpPr txBox="1"/>
+          <p:nvPr/>
+        </p:nvSpPr>
+        <p:spPr>
+          <a:xfrm>
+            <a:off x="870025" y="1550350"/>
+            <a:ext cx="2960100" cy="2692200"/>
+          </a:xfrm>
+          <a:prstGeom prst="rect">
+            <a:avLst/>
+          </a:prstGeom>
+          <a:noFill/>
+          <a:ln>
+            <a:noFill/>
+          </a:ln>
+        </p:spPr>
+        <p:txBody>
+          <a:bodyPr anchorCtr="0" anchor="t" bIns="91425" lIns="91425" spcFirstLastPara="1" rIns="91425" wrap="square" tIns="91425">
+            <a:spAutoFit/>
+          </a:bodyPr>
+          <a:lstStyle/>
+          <a:p>
+            <a:pPr indent="0" lvl="0" marL="0" rtl="0" algn="l">
+              <a:lnSpc>
+                <a:spcPct val="115000"/>
+              </a:lnSpc>
+              <a:spcBef>
+                <a:spcPts val="0"/>
+              </a:spcBef>
+              <a:spcAft>
+                <a:spcPts val="1200"/>
+              </a:spcAft>
+              <a:buNone/>
+            </a:pPr>
+            <a:r>
+              <a:rPr lang="en" sz="1800">
+                <a:solidFill>
+                  <a:schemeClr val="lt1"/>
+                </a:solidFill>
+                <a:latin typeface="Lato"/>
+                <a:ea typeface="Lato"/>
+                <a:cs typeface="Lato"/>
+                <a:sym typeface="Lato"/>
+              </a:rPr>
+              <a:t>The User Dashboard class encompasses all user functionality. Things like requesting/borrowing items, adding personalized favorite items, displaying different table information and more.</a:t>
+            </a:r>
+            <a:endParaRPr sz="1900">
+              <a:solidFill>
+                <a:schemeClr val="lt1"/>
+              </a:solidFill>
+              <a:latin typeface="Lato"/>
+              <a:ea typeface="Lato"/>
+              <a:cs typeface="Lato"/>
+              <a:sym typeface="Lato"/>
+            </a:endParaRPr>
+          </a:p>
+        </p:txBody>
+      </p:sp>
       <p:sp>
         <p:nvSpPr>
           <p:cNvPr id="304" name="Google Shape;304;p34"/>
@@ -15023,15 +14972,55 @@
             </a:pPr>
             <a:r>
               <a:rPr lang="en"/>
-              <a:t>User Dashboard</a:t>
+              <a:t>User Dashboard cont’d</a:t>
             </a:r>
             <a:endParaRPr/>
           </a:p>
         </p:txBody>
       </p:sp>
+      <p:sp>
+        <p:nvSpPr>
+          <p:cNvPr id="310" name="Google Shape;310;p35"/>
+          <p:cNvSpPr txBox="1"/>
+          <p:nvPr>
+            <p:ph idx="1" type="body"/>
+          </p:nvPr>
+        </p:nvSpPr>
+        <p:spPr>
+          <a:xfrm>
+            <a:off x="898650" y="1585875"/>
+            <a:ext cx="2961600" cy="3061500"/>
+          </a:xfrm>
+          <a:prstGeom prst="rect">
+            <a:avLst/>
+          </a:prstGeom>
+        </p:spPr>
+        <p:txBody>
+          <a:bodyPr anchorCtr="0" anchor="t" bIns="91425" lIns="91425" spcFirstLastPara="1" rIns="91425" wrap="square" tIns="91425">
+            <a:normAutofit/>
+          </a:bodyPr>
+          <a:lstStyle/>
+          <a:p>
+            <a:pPr indent="0" lvl="0" marL="0" rtl="0" algn="l">
+              <a:spcBef>
+                <a:spcPts val="0"/>
+              </a:spcBef>
+              <a:spcAft>
+                <a:spcPts val="1200"/>
+              </a:spcAft>
+              <a:buNone/>
+            </a:pPr>
+            <a:r>
+              <a:rPr lang="en" sz="1900"/>
+              <a:t>This function handled the request functionality - in which each user can select an item from the database and request to borrow for an allotted time.</a:t>
+            </a:r>
+            <a:endParaRPr sz="1900"/>
+          </a:p>
+        </p:txBody>
+      </p:sp>
       <p:pic>
         <p:nvPicPr>
-          <p:cNvPr id="310" name="Google Shape;310;p35"/>
+          <p:cNvPr id="311" name="Google Shape;311;p35"/>
           <p:cNvPicPr preferRelativeResize="0"/>
           <p:nvPr/>
         </p:nvPicPr>
@@ -15045,8 +15034,8 @@
         </p:blipFill>
         <p:spPr>
           <a:xfrm>
-            <a:off x="3998225" y="1307850"/>
-            <a:ext cx="4760100" cy="3391099"/>
+            <a:off x="4012650" y="985475"/>
+            <a:ext cx="4897976" cy="3677750"/>
           </a:xfrm>
           <a:prstGeom prst="rect">
             <a:avLst/>
@@ -15057,67 +15046,6 @@
           </a:ln>
         </p:spPr>
       </p:pic>
-      <p:sp>
-        <p:nvSpPr>
-          <p:cNvPr id="311" name="Google Shape;311;p35"/>
-          <p:cNvSpPr txBox="1"/>
-          <p:nvPr/>
-        </p:nvSpPr>
-        <p:spPr>
-          <a:xfrm>
-            <a:off x="870025" y="1550350"/>
-            <a:ext cx="2960100" cy="2692200"/>
-          </a:xfrm>
-          <a:prstGeom prst="rect">
-            <a:avLst/>
-          </a:prstGeom>
-          <a:noFill/>
-          <a:ln>
-            <a:noFill/>
-          </a:ln>
-        </p:spPr>
-        <p:txBody>
-          <a:bodyPr anchorCtr="0" anchor="t" bIns="91425" lIns="91425" spcFirstLastPara="1" rIns="91425" wrap="square" tIns="91425">
-            <a:spAutoFit/>
-          </a:bodyPr>
-          <a:lstStyle/>
-          <a:p>
-            <a:pPr indent="0" lvl="0" marL="0" rtl="0" algn="l">
-              <a:lnSpc>
-                <a:spcPct val="115000"/>
-              </a:lnSpc>
-              <a:spcBef>
-                <a:spcPts val="0"/>
-              </a:spcBef>
-              <a:spcAft>
-                <a:spcPts val="1200"/>
-              </a:spcAft>
-              <a:buNone/>
-            </a:pPr>
-            <a:r>
-              <a:rPr lang="en" sz="1800">
-                <a:solidFill>
-                  <a:schemeClr val="lt1"/>
-                </a:solidFill>
-                <a:latin typeface="Lato"/>
-                <a:ea typeface="Lato"/>
-                <a:cs typeface="Lato"/>
-                <a:sym typeface="Lato"/>
-              </a:rPr>
-              <a:t>The User Dashboard class encompasses all user functionality. Things like requesting/borrowing items, adding personalized favorite items, displaying different table information and more.</a:t>
-            </a:r>
-            <a:endParaRPr sz="1900">
-              <a:solidFill>
-                <a:schemeClr val="lt1"/>
-              </a:solidFill>
-              <a:latin typeface="Lato"/>
-              <a:ea typeface="Lato"/>
-              <a:cs typeface="Lato"/>
-              <a:sym typeface="Lato"/>
-            </a:endParaRPr>
-          </a:p>
-        </p:txBody>
-      </p:sp>
       <p:sp>
         <p:nvSpPr>
           <p:cNvPr id="312" name="Google Shape;312;p35"/>
@@ -15217,7 +15145,7 @@
             </a:pPr>
             <a:r>
               <a:rPr lang="en"/>
-              <a:t>User Dashboard cont’d</a:t>
+              <a:t>New Features</a:t>
             </a:r>
             <a:endParaRPr/>
           </a:p>
@@ -15233,8 +15161,8 @@
         </p:nvSpPr>
         <p:spPr>
           <a:xfrm>
-            <a:off x="898650" y="1585875"/>
-            <a:ext cx="2961600" cy="3061500"/>
+            <a:off x="1297500" y="1567550"/>
+            <a:ext cx="7038900" cy="2911200"/>
           </a:xfrm>
           <a:prstGeom prst="rect">
             <a:avLst/>
@@ -15251,49 +15179,72 @@
                 <a:spcPts val="0"/>
               </a:spcBef>
               <a:spcAft>
-                <a:spcPts val="1200"/>
+                <a:spcPts val="0"/>
               </a:spcAft>
               <a:buNone/>
             </a:pPr>
             <a:r>
               <a:rPr lang="en" sz="1900"/>
-              <a:t>This function handled the request functionality - in which each user can select an item from the database and request to borrow for an allotted time.</a:t>
+              <a:t>Throughout the course of our project, we implemented a few additional features to add to the enjoyment and security of the User Experience:</a:t>
+            </a:r>
+            <a:endParaRPr sz="1900"/>
+          </a:p>
+          <a:p>
+            <a:pPr indent="-349250" lvl="0" marL="457200" rtl="0" algn="l">
+              <a:spcBef>
+                <a:spcPts val="1200"/>
+              </a:spcBef>
+              <a:spcAft>
+                <a:spcPts val="0"/>
+              </a:spcAft>
+              <a:buSzPts val="1900"/>
+              <a:buChar char="●"/>
+            </a:pPr>
+            <a:r>
+              <a:rPr lang="en" sz="1900"/>
+              <a:t>The Sign up and Sign in Option</a:t>
+            </a:r>
+            <a:endParaRPr sz="1900"/>
+          </a:p>
+          <a:p>
+            <a:pPr indent="-349250" lvl="0" marL="457200" rtl="0" algn="l">
+              <a:spcBef>
+                <a:spcPts val="0"/>
+              </a:spcBef>
+              <a:spcAft>
+                <a:spcPts val="0"/>
+              </a:spcAft>
+              <a:buSzPts val="1900"/>
+              <a:buChar char="●"/>
+            </a:pPr>
+            <a:r>
+              <a:rPr lang="en" sz="1900"/>
+              <a:t>MD5 Hashing of User Passwords</a:t>
+            </a:r>
+            <a:endParaRPr sz="1900"/>
+          </a:p>
+          <a:p>
+            <a:pPr indent="-349250" lvl="0" marL="457200" rtl="0" algn="l">
+              <a:spcBef>
+                <a:spcPts val="0"/>
+              </a:spcBef>
+              <a:spcAft>
+                <a:spcPts val="0"/>
+              </a:spcAft>
+              <a:buSzPts val="1900"/>
+              <a:buChar char="●"/>
+            </a:pPr>
+            <a:r>
+              <a:rPr lang="en" sz="1900"/>
+              <a:t>Loading/Exit GIF for starting and closing the application</a:t>
             </a:r>
             <a:endParaRPr sz="1900"/>
           </a:p>
         </p:txBody>
       </p:sp>
-      <p:pic>
-        <p:nvPicPr>
-          <p:cNvPr id="319" name="Google Shape;319;p36"/>
-          <p:cNvPicPr preferRelativeResize="0"/>
-          <p:nvPr/>
-        </p:nvPicPr>
-        <p:blipFill>
-          <a:blip r:embed="rId3">
-            <a:alphaModFix/>
-          </a:blip>
-          <a:stretch>
-            <a:fillRect/>
-          </a:stretch>
-        </p:blipFill>
-        <p:spPr>
-          <a:xfrm>
-            <a:off x="4012650" y="985475"/>
-            <a:ext cx="4897976" cy="3677750"/>
-          </a:xfrm>
-          <a:prstGeom prst="rect">
-            <a:avLst/>
-          </a:prstGeom>
-          <a:noFill/>
-          <a:ln>
-            <a:noFill/>
-          </a:ln>
-        </p:spPr>
-      </p:pic>
       <p:sp>
         <p:nvSpPr>
-          <p:cNvPr id="320" name="Google Shape;320;p36"/>
+          <p:cNvPr id="319" name="Google Shape;319;p36"/>
           <p:cNvSpPr txBox="1"/>
           <p:nvPr>
             <p:ph idx="12" type="sldNum"/>
@@ -15344,7 +15295,7 @@
   <p:cSld>
     <p:spTree>
       <p:nvGrpSpPr>
-        <p:cNvPr id="324" name="Shape 324"/>
+        <p:cNvPr id="323" name="Shape 323"/>
         <p:cNvGrpSpPr/>
         <p:nvPr/>
       </p:nvGrpSpPr>
@@ -15358,7 +15309,7 @@
       </p:grpSpPr>
       <p:sp>
         <p:nvSpPr>
-          <p:cNvPr id="325" name="Google Shape;325;p37"/>
+          <p:cNvPr id="324" name="Google Shape;324;p37"/>
           <p:cNvSpPr txBox="1"/>
           <p:nvPr>
             <p:ph type="title"/>
@@ -15390,7 +15341,7 @@
             </a:pPr>
             <a:r>
               <a:rPr lang="en"/>
-              <a:t>New Features</a:t>
+              <a:t>MD5 Hashing of User Passwords</a:t>
             </a:r>
             <a:endParaRPr/>
           </a:p>
@@ -15398,7 +15349,7 @@
       </p:sp>
       <p:sp>
         <p:nvSpPr>
-          <p:cNvPr id="326" name="Google Shape;326;p37"/>
+          <p:cNvPr id="325" name="Google Shape;325;p37"/>
           <p:cNvSpPr txBox="1"/>
           <p:nvPr>
             <p:ph idx="1" type="body"/>
@@ -15430,7 +15381,31 @@
             </a:pPr>
             <a:r>
               <a:rPr lang="en" sz="1900"/>
-              <a:t>Throughout the course of our project, we implemented a few additional features to add to the enjoyment and security of the User Experience:</a:t>
+              <a:t>To </a:t>
+            </a:r>
+            <a:r>
+              <a:rPr lang="en" sz="1900"/>
+              <a:t>enhance</a:t>
+            </a:r>
+            <a:r>
+              <a:rPr lang="en" sz="1900"/>
+              <a:t> user security, the team decided to hash user passwords using MD5 and stored these values in the database instead of plain-text passwords. </a:t>
+            </a:r>
+            <a:endParaRPr sz="1900"/>
+          </a:p>
+          <a:p>
+            <a:pPr indent="0" lvl="0" marL="0" rtl="0" algn="l">
+              <a:spcBef>
+                <a:spcPts val="1200"/>
+              </a:spcBef>
+              <a:spcAft>
+                <a:spcPts val="0"/>
+              </a:spcAft>
+              <a:buNone/>
+            </a:pPr>
+            <a:r>
+              <a:rPr lang="en" sz="1900"/>
+              <a:t>The process to verify that passwords match:</a:t>
             </a:r>
             <a:endParaRPr sz="1900"/>
           </a:p>
@@ -15447,7 +15422,7 @@
             </a:pPr>
             <a:r>
               <a:rPr lang="en" sz="1900"/>
-              <a:t>The Sign up and Sign in Option</a:t>
+              <a:t>Take user input</a:t>
             </a:r>
             <a:endParaRPr sz="1900"/>
           </a:p>
@@ -15464,7 +15439,7 @@
             </a:pPr>
             <a:r>
               <a:rPr lang="en" sz="1900"/>
-              <a:t>MD5 Hashing of User Passwords</a:t>
+              <a:t>Hashes it</a:t>
             </a:r>
             <a:endParaRPr sz="1900"/>
           </a:p>
@@ -15481,7 +15456,15 @@
             </a:pPr>
             <a:r>
               <a:rPr lang="en" sz="1900"/>
-              <a:t>Loading/Exit GIF for starting and closing the application</a:t>
+              <a:t>Compares it to the </a:t>
+            </a:r>
+            <a:r>
+              <a:rPr lang="en" sz="1900"/>
+              <a:t>stored</a:t>
+            </a:r>
+            <a:r>
+              <a:rPr lang="en" sz="1900"/>
+              <a:t> data to make sure it matches</a:t>
             </a:r>
             <a:endParaRPr sz="1900"/>
           </a:p>
@@ -15489,7 +15472,7 @@
       </p:sp>
       <p:sp>
         <p:nvSpPr>
-          <p:cNvPr id="327" name="Google Shape;327;p37"/>
+          <p:cNvPr id="326" name="Google Shape;326;p37"/>
           <p:cNvSpPr txBox="1"/>
           <p:nvPr>
             <p:ph idx="12" type="sldNum"/>
@@ -15540,7 +15523,7 @@
   <p:cSld>
     <p:spTree>
       <p:nvGrpSpPr>
-        <p:cNvPr id="331" name="Shape 331"/>
+        <p:cNvPr id="330" name="Shape 330"/>
         <p:cNvGrpSpPr/>
         <p:nvPr/>
       </p:nvGrpSpPr>
@@ -15554,7 +15537,7 @@
       </p:grpSpPr>
       <p:sp>
         <p:nvSpPr>
-          <p:cNvPr id="332" name="Google Shape;332;p38"/>
+          <p:cNvPr id="331" name="Google Shape;331;p38"/>
           <p:cNvSpPr txBox="1"/>
           <p:nvPr>
             <p:ph type="title"/>
@@ -15586,138 +15569,43 @@
             </a:pPr>
             <a:r>
               <a:rPr lang="en"/>
-              <a:t>MD5 Hashing of User Passwords</a:t>
+              <a:t>MD5 Hashing cont’d</a:t>
             </a:r>
             <a:endParaRPr/>
           </a:p>
         </p:txBody>
       </p:sp>
+      <p:pic>
+        <p:nvPicPr>
+          <p:cNvPr id="332" name="Google Shape;332;p38"/>
+          <p:cNvPicPr preferRelativeResize="0"/>
+          <p:nvPr/>
+        </p:nvPicPr>
+        <p:blipFill>
+          <a:blip r:embed="rId3">
+            <a:alphaModFix/>
+          </a:blip>
+          <a:stretch>
+            <a:fillRect/>
+          </a:stretch>
+        </p:blipFill>
+        <p:spPr>
+          <a:xfrm>
+            <a:off x="2226600" y="1251325"/>
+            <a:ext cx="5180705" cy="3530850"/>
+          </a:xfrm>
+          <a:prstGeom prst="rect">
+            <a:avLst/>
+          </a:prstGeom>
+          <a:noFill/>
+          <a:ln>
+            <a:noFill/>
+          </a:ln>
+        </p:spPr>
+      </p:pic>
       <p:sp>
         <p:nvSpPr>
           <p:cNvPr id="333" name="Google Shape;333;p38"/>
-          <p:cNvSpPr txBox="1"/>
-          <p:nvPr>
-            <p:ph idx="1" type="body"/>
-          </p:nvPr>
-        </p:nvSpPr>
-        <p:spPr>
-          <a:xfrm>
-            <a:off x="1297500" y="1567550"/>
-            <a:ext cx="7038900" cy="2911200"/>
-          </a:xfrm>
-          <a:prstGeom prst="rect">
-            <a:avLst/>
-          </a:prstGeom>
-        </p:spPr>
-        <p:txBody>
-          <a:bodyPr anchorCtr="0" anchor="t" bIns="91425" lIns="91425" spcFirstLastPara="1" rIns="91425" wrap="square" tIns="91425">
-            <a:normAutofit/>
-          </a:bodyPr>
-          <a:lstStyle/>
-          <a:p>
-            <a:pPr indent="0" lvl="0" marL="0" rtl="0" algn="l">
-              <a:spcBef>
-                <a:spcPts val="0"/>
-              </a:spcBef>
-              <a:spcAft>
-                <a:spcPts val="0"/>
-              </a:spcAft>
-              <a:buNone/>
-            </a:pPr>
-            <a:r>
-              <a:rPr lang="en" sz="1900"/>
-              <a:t>To </a:t>
-            </a:r>
-            <a:r>
-              <a:rPr lang="en" sz="1900"/>
-              <a:t>enhance</a:t>
-            </a:r>
-            <a:r>
-              <a:rPr lang="en" sz="1900"/>
-              <a:t> user security, the team decided to hash user passwords using MD5 and stored these values in the database instead of plain-text passwords. </a:t>
-            </a:r>
-            <a:endParaRPr sz="1900"/>
-          </a:p>
-          <a:p>
-            <a:pPr indent="0" lvl="0" marL="0" rtl="0" algn="l">
-              <a:spcBef>
-                <a:spcPts val="1200"/>
-              </a:spcBef>
-              <a:spcAft>
-                <a:spcPts val="0"/>
-              </a:spcAft>
-              <a:buNone/>
-            </a:pPr>
-            <a:r>
-              <a:rPr lang="en" sz="1900"/>
-              <a:t>The process to verify that passwords match:</a:t>
-            </a:r>
-            <a:endParaRPr sz="1900"/>
-          </a:p>
-          <a:p>
-            <a:pPr indent="-349250" lvl="0" marL="457200" rtl="0" algn="l">
-              <a:spcBef>
-                <a:spcPts val="1200"/>
-              </a:spcBef>
-              <a:spcAft>
-                <a:spcPts val="0"/>
-              </a:spcAft>
-              <a:buSzPts val="1900"/>
-              <a:buChar char="●"/>
-            </a:pPr>
-            <a:r>
-              <a:rPr lang="en" sz="1900"/>
-              <a:t>Take user input</a:t>
-            </a:r>
-            <a:endParaRPr sz="1900"/>
-          </a:p>
-          <a:p>
-            <a:pPr indent="-349250" lvl="0" marL="457200" rtl="0" algn="l">
-              <a:spcBef>
-                <a:spcPts val="0"/>
-              </a:spcBef>
-              <a:spcAft>
-                <a:spcPts val="0"/>
-              </a:spcAft>
-              <a:buSzPts val="1900"/>
-              <a:buChar char="●"/>
-            </a:pPr>
-            <a:r>
-              <a:rPr lang="en" sz="1900"/>
-              <a:t>Hashes it</a:t>
-            </a:r>
-            <a:endParaRPr sz="1900"/>
-          </a:p>
-          <a:p>
-            <a:pPr indent="-349250" lvl="0" marL="457200" rtl="0" algn="l">
-              <a:spcBef>
-                <a:spcPts val="0"/>
-              </a:spcBef>
-              <a:spcAft>
-                <a:spcPts val="0"/>
-              </a:spcAft>
-              <a:buSzPts val="1900"/>
-              <a:buChar char="●"/>
-            </a:pPr>
-            <a:r>
-              <a:rPr lang="en" sz="1900"/>
-              <a:t>Compares it to the </a:t>
-            </a:r>
-            <a:r>
-              <a:rPr lang="en" sz="1900"/>
-              <a:t>stored</a:t>
-            </a:r>
-            <a:r>
-              <a:rPr lang="en" sz="1900"/>
-              <a:t> data to make sure it matches</a:t>
-            </a:r>
-            <a:endParaRPr sz="1900"/>
-          </a:p>
-        </p:txBody>
-      </p:sp>
-      <p:sp>
-        <p:nvSpPr>
-          <p:cNvPr id="334" name="Google Shape;334;p38"/>
           <p:cNvSpPr txBox="1"/>
           <p:nvPr>
             <p:ph idx="12" type="sldNum"/>
@@ -15768,7 +15656,7 @@
   <p:cSld>
     <p:spTree>
       <p:nvGrpSpPr>
-        <p:cNvPr id="338" name="Shape 338"/>
+        <p:cNvPr id="337" name="Shape 337"/>
         <p:cNvGrpSpPr/>
         <p:nvPr/>
       </p:nvGrpSpPr>
@@ -15782,7 +15670,7 @@
       </p:grpSpPr>
       <p:sp>
         <p:nvSpPr>
-          <p:cNvPr id="339" name="Google Shape;339;p39"/>
+          <p:cNvPr id="338" name="Google Shape;338;p39"/>
           <p:cNvSpPr txBox="1"/>
           <p:nvPr>
             <p:ph type="title"/>
@@ -15814,9 +15702,49 @@
             </a:pPr>
             <a:r>
               <a:rPr lang="en"/>
-              <a:t>MD5 Hashing cont’d</a:t>
+              <a:t>Pushing to GitHub</a:t>
             </a:r>
             <a:endParaRPr/>
+          </a:p>
+        </p:txBody>
+      </p:sp>
+      <p:sp>
+        <p:nvSpPr>
+          <p:cNvPr id="339" name="Google Shape;339;p39"/>
+          <p:cNvSpPr txBox="1"/>
+          <p:nvPr>
+            <p:ph idx="1" type="body"/>
+          </p:nvPr>
+        </p:nvSpPr>
+        <p:spPr>
+          <a:xfrm>
+            <a:off x="1297500" y="1123850"/>
+            <a:ext cx="7038900" cy="1004100"/>
+          </a:xfrm>
+          <a:prstGeom prst="rect">
+            <a:avLst/>
+          </a:prstGeom>
+        </p:spPr>
+        <p:txBody>
+          <a:bodyPr anchorCtr="0" anchor="t" bIns="91425" lIns="91425" spcFirstLastPara="1" rIns="91425" wrap="square" tIns="91425">
+            <a:normAutofit/>
+          </a:bodyPr>
+          <a:lstStyle/>
+          <a:p>
+            <a:pPr indent="0" lvl="0" marL="0" rtl="0" algn="l">
+              <a:spcBef>
+                <a:spcPts val="0"/>
+              </a:spcBef>
+              <a:spcAft>
+                <a:spcPts val="1200"/>
+              </a:spcAft>
+              <a:buNone/>
+            </a:pPr>
+            <a:r>
+              <a:rPr lang="en" sz="1900"/>
+              <a:t>During the course of our project, we used GitHub to collaborate on the code and divide the work. </a:t>
+            </a:r>
+            <a:endParaRPr sz="1900"/>
           </a:p>
         </p:txBody>
       </p:sp>
@@ -15836,8 +15764,8 @@
         </p:blipFill>
         <p:spPr>
           <a:xfrm>
-            <a:off x="2226600" y="1251325"/>
-            <a:ext cx="5180705" cy="3530850"/>
+            <a:off x="2653075" y="1977350"/>
+            <a:ext cx="3837852" cy="2919224"/>
           </a:xfrm>
           <a:prstGeom prst="rect">
             <a:avLst/>
@@ -15947,179 +15875,6 @@
             </a:pPr>
             <a:r>
               <a:rPr lang="en"/>
-              <a:t>Pushing to GitHub</a:t>
-            </a:r>
-            <a:endParaRPr/>
-          </a:p>
-        </p:txBody>
-      </p:sp>
-      <p:sp>
-        <p:nvSpPr>
-          <p:cNvPr id="347" name="Google Shape;347;p40"/>
-          <p:cNvSpPr txBox="1"/>
-          <p:nvPr>
-            <p:ph idx="1" type="body"/>
-          </p:nvPr>
-        </p:nvSpPr>
-        <p:spPr>
-          <a:xfrm>
-            <a:off x="1297500" y="1123850"/>
-            <a:ext cx="7038900" cy="1004100"/>
-          </a:xfrm>
-          <a:prstGeom prst="rect">
-            <a:avLst/>
-          </a:prstGeom>
-        </p:spPr>
-        <p:txBody>
-          <a:bodyPr anchorCtr="0" anchor="t" bIns="91425" lIns="91425" spcFirstLastPara="1" rIns="91425" wrap="square" tIns="91425">
-            <a:normAutofit/>
-          </a:bodyPr>
-          <a:lstStyle/>
-          <a:p>
-            <a:pPr indent="0" lvl="0" marL="0" rtl="0" algn="l">
-              <a:spcBef>
-                <a:spcPts val="0"/>
-              </a:spcBef>
-              <a:spcAft>
-                <a:spcPts val="1200"/>
-              </a:spcAft>
-              <a:buNone/>
-            </a:pPr>
-            <a:r>
-              <a:rPr lang="en" sz="1900"/>
-              <a:t>During the course of our project, we used GitHub to collaborate on the code and divide the work. </a:t>
-            </a:r>
-            <a:endParaRPr sz="1900"/>
-          </a:p>
-        </p:txBody>
-      </p:sp>
-      <p:pic>
-        <p:nvPicPr>
-          <p:cNvPr id="348" name="Google Shape;348;p40"/>
-          <p:cNvPicPr preferRelativeResize="0"/>
-          <p:nvPr/>
-        </p:nvPicPr>
-        <p:blipFill>
-          <a:blip r:embed="rId3">
-            <a:alphaModFix/>
-          </a:blip>
-          <a:stretch>
-            <a:fillRect/>
-          </a:stretch>
-        </p:blipFill>
-        <p:spPr>
-          <a:xfrm>
-            <a:off x="2653075" y="1977350"/>
-            <a:ext cx="3837852" cy="2919224"/>
-          </a:xfrm>
-          <a:prstGeom prst="rect">
-            <a:avLst/>
-          </a:prstGeom>
-          <a:noFill/>
-          <a:ln>
-            <a:noFill/>
-          </a:ln>
-        </p:spPr>
-      </p:pic>
-      <p:sp>
-        <p:nvSpPr>
-          <p:cNvPr id="349" name="Google Shape;349;p40"/>
-          <p:cNvSpPr txBox="1"/>
-          <p:nvPr>
-            <p:ph idx="12" type="sldNum"/>
-          </p:nvPr>
-        </p:nvSpPr>
-        <p:spPr>
-          <a:xfrm>
-            <a:off x="8472458" y="4663217"/>
-            <a:ext cx="548700" cy="393600"/>
-          </a:xfrm>
-          <a:prstGeom prst="rect">
-            <a:avLst/>
-          </a:prstGeom>
-        </p:spPr>
-        <p:txBody>
-          <a:bodyPr anchorCtr="0" anchor="ctr" bIns="91425" lIns="91425" spcFirstLastPara="1" rIns="91425" wrap="square" tIns="91425">
-            <a:normAutofit/>
-          </a:bodyPr>
-          <a:lstStyle/>
-          <a:p>
-            <a:pPr indent="0" lvl="0" marL="0" rtl="0" algn="r">
-              <a:spcBef>
-                <a:spcPts val="0"/>
-              </a:spcBef>
-              <a:spcAft>
-                <a:spcPts val="0"/>
-              </a:spcAft>
-              <a:buNone/>
-            </a:pPr>
-            <a:fld id="{00000000-1234-1234-1234-123412341234}" type="slidenum">
-              <a:rPr lang="en"/>
-              <a:t>‹#›</a:t>
-            </a:fld>
-            <a:endParaRPr/>
-          </a:p>
-        </p:txBody>
-      </p:sp>
-    </p:spTree>
-  </p:cSld>
-  <p:clrMapOvr>
-    <a:masterClrMapping/>
-  </p:clrMapOvr>
-</p:sld>
-</file>
-
-<file path=ppt/slides/slide29.xml><?xml version="1.0" encoding="utf-8"?>
-<p:sld xmlns:a="http://schemas.openxmlformats.org/drawingml/2006/main" xmlns:r="http://schemas.openxmlformats.org/officeDocument/2006/relationships" xmlns:mc="http://schemas.openxmlformats.org/markup-compatibility/2006" xmlns:mv="urn:schemas-microsoft-com:mac:vml" xmlns:p="http://schemas.openxmlformats.org/presentationml/2006/main" xmlns:c="http://schemas.openxmlformats.org/drawingml/2006/chart" xmlns:dgm="http://schemas.openxmlformats.org/drawingml/2006/diagram" xmlns:o="urn:schemas-microsoft-com:office:office" xmlns:v="urn:schemas-microsoft-com:vml" xmlns:pvml="urn:schemas-microsoft-com:office:powerpoint" xmlns:com="http://schemas.openxmlformats.org/drawingml/2006/compatibility" xmlns:p14="http://schemas.microsoft.com/office/powerpoint/2010/main" xmlns:p15="http://schemas.microsoft.com/office/powerpoint/2012/main" xmlns:ahyp="http://schemas.microsoft.com/office/drawing/2018/hyperlinkcolor">
-  <p:cSld>
-    <p:spTree>
-      <p:nvGrpSpPr>
-        <p:cNvPr id="353" name="Shape 353"/>
-        <p:cNvGrpSpPr/>
-        <p:nvPr/>
-      </p:nvGrpSpPr>
-      <p:grpSpPr>
-        <a:xfrm>
-          <a:off x="0" y="0"/>
-          <a:ext cx="0" cy="0"/>
-          <a:chOff x="0" y="0"/>
-          <a:chExt cx="0" cy="0"/>
-        </a:xfrm>
-      </p:grpSpPr>
-      <p:sp>
-        <p:nvSpPr>
-          <p:cNvPr id="354" name="Google Shape;354;p41"/>
-          <p:cNvSpPr txBox="1"/>
-          <p:nvPr>
-            <p:ph type="title"/>
-          </p:nvPr>
-        </p:nvSpPr>
-        <p:spPr>
-          <a:xfrm>
-            <a:off x="1297500" y="393750"/>
-            <a:ext cx="7038900" cy="914100"/>
-          </a:xfrm>
-          <a:prstGeom prst="rect">
-            <a:avLst/>
-          </a:prstGeom>
-        </p:spPr>
-        <p:txBody>
-          <a:bodyPr anchorCtr="0" anchor="t" bIns="91425" lIns="91425" spcFirstLastPara="1" rIns="91425" wrap="square" tIns="91425">
-            <a:normAutofit/>
-          </a:bodyPr>
-          <a:lstStyle/>
-          <a:p>
-            <a:pPr indent="0" lvl="0" marL="0" rtl="0" algn="l">
-              <a:spcBef>
-                <a:spcPts val="0"/>
-              </a:spcBef>
-              <a:spcAft>
-                <a:spcPts val="0"/>
-              </a:spcAft>
-              <a:buNone/>
-            </a:pPr>
-            <a:r>
-              <a:rPr lang="en"/>
               <a:t>Demo</a:t>
             </a:r>
             <a:endParaRPr/>
@@ -16128,7 +15883,7 @@
       </p:sp>
       <p:pic>
         <p:nvPicPr>
-          <p:cNvPr descr="ITS TIME FOR THE EPIC DEMO" id="355" name="Google Shape;355;p41" title="EPIC DEMO TIME">
+          <p:cNvPr descr="ITS TIME FOR THE EPIC DEMO" id="347" name="Google Shape;347;p40" title="EPIC DEMO TIME">
             <a:hlinkClick r:id="rId3"/>
           </p:cNvPr>
           <p:cNvPicPr preferRelativeResize="0"/>
@@ -16165,7 +15920,7 @@
       </p:pic>
       <p:sp>
         <p:nvSpPr>
-          <p:cNvPr id="356" name="Google Shape;356;p41"/>
+          <p:cNvPr id="348" name="Google Shape;348;p40"/>
           <p:cNvSpPr txBox="1"/>
           <p:nvPr>
             <p:ph idx="12" type="sldNum"/>
@@ -16245,7 +16000,7 @@
                                           </p:stCondLst>
                                         </p:cTn>
                                         <p:tgtEl>
-                                          <p:spTgt spid="355"/>
+                                          <p:spTgt spid="347"/>
                                         </p:tgtEl>
                                         <p:attrNameLst>
                                           <p:attrName>style.visibility</p:attrName>
@@ -16259,7 +16014,7 @@
                                       <p:cBhvr>
                                         <p:cTn dur="1000"/>
                                         <p:tgtEl>
-                                          <p:spTgt spid="355"/>
+                                          <p:spTgt spid="347"/>
                                         </p:tgtEl>
                                       </p:cBhvr>
                                     </p:animEffect>
@@ -16297,6 +16052,112 @@
 </p:sld>
 </file>
 
+<file path=ppt/slides/slide29.xml><?xml version="1.0" encoding="utf-8"?>
+<p:sld xmlns:a="http://schemas.openxmlformats.org/drawingml/2006/main" xmlns:r="http://schemas.openxmlformats.org/officeDocument/2006/relationships" xmlns:mc="http://schemas.openxmlformats.org/markup-compatibility/2006" xmlns:mv="urn:schemas-microsoft-com:mac:vml" xmlns:p="http://schemas.openxmlformats.org/presentationml/2006/main" xmlns:c="http://schemas.openxmlformats.org/drawingml/2006/chart" xmlns:dgm="http://schemas.openxmlformats.org/drawingml/2006/diagram" xmlns:o="urn:schemas-microsoft-com:office:office" xmlns:v="urn:schemas-microsoft-com:vml" xmlns:pvml="urn:schemas-microsoft-com:office:powerpoint" xmlns:com="http://schemas.openxmlformats.org/drawingml/2006/compatibility" xmlns:p14="http://schemas.microsoft.com/office/powerpoint/2010/main" xmlns:p15="http://schemas.microsoft.com/office/powerpoint/2012/main" xmlns:ahyp="http://schemas.microsoft.com/office/drawing/2018/hyperlinkcolor">
+  <p:cSld>
+    <p:spTree>
+      <p:nvGrpSpPr>
+        <p:cNvPr id="352" name="Shape 352"/>
+        <p:cNvGrpSpPr/>
+        <p:nvPr/>
+      </p:nvGrpSpPr>
+      <p:grpSpPr>
+        <a:xfrm>
+          <a:off x="0" y="0"/>
+          <a:ext cx="0" cy="0"/>
+          <a:chOff x="0" y="0"/>
+          <a:chExt cx="0" cy="0"/>
+        </a:xfrm>
+      </p:grpSpPr>
+      <p:sp>
+        <p:nvSpPr>
+          <p:cNvPr id="353" name="Google Shape;353;p41"/>
+          <p:cNvSpPr txBox="1"/>
+          <p:nvPr>
+            <p:ph type="title"/>
+          </p:nvPr>
+        </p:nvSpPr>
+        <p:spPr>
+          <a:xfrm>
+            <a:off x="311700" y="1999050"/>
+            <a:ext cx="8520600" cy="572700"/>
+          </a:xfrm>
+          <a:prstGeom prst="rect">
+            <a:avLst/>
+          </a:prstGeom>
+        </p:spPr>
+        <p:txBody>
+          <a:bodyPr anchorCtr="0" anchor="t" bIns="91425" lIns="91425" spcFirstLastPara="1" rIns="91425" wrap="square" tIns="91425">
+            <a:noAutofit/>
+          </a:bodyPr>
+          <a:lstStyle/>
+          <a:p>
+            <a:pPr indent="0" lvl="0" marL="0" rtl="0" algn="ctr">
+              <a:spcBef>
+                <a:spcPts val="0"/>
+              </a:spcBef>
+              <a:spcAft>
+                <a:spcPts val="0"/>
+              </a:spcAft>
+              <a:buSzPts val="990"/>
+              <a:buNone/>
+            </a:pPr>
+            <a:r>
+              <a:rPr lang="en" sz="4020"/>
+              <a:t>Questions?</a:t>
+            </a:r>
+            <a:endParaRPr sz="4020"/>
+          </a:p>
+        </p:txBody>
+      </p:sp>
+      <p:sp>
+        <p:nvSpPr>
+          <p:cNvPr id="354" name="Google Shape;354;p41"/>
+          <p:cNvSpPr txBox="1"/>
+          <p:nvPr>
+            <p:ph idx="12" type="sldNum"/>
+          </p:nvPr>
+        </p:nvSpPr>
+        <p:spPr>
+          <a:xfrm>
+            <a:off x="8472458" y="4663217"/>
+            <a:ext cx="548700" cy="393600"/>
+          </a:xfrm>
+          <a:prstGeom prst="rect">
+            <a:avLst/>
+          </a:prstGeom>
+        </p:spPr>
+        <p:txBody>
+          <a:bodyPr anchorCtr="0" anchor="ctr" bIns="91425" lIns="91425" spcFirstLastPara="1" rIns="91425" wrap="square" tIns="91425">
+            <a:normAutofit/>
+          </a:bodyPr>
+          <a:lstStyle/>
+          <a:p>
+            <a:pPr indent="0" lvl="0" marL="0" rtl="0" algn="r">
+              <a:spcBef>
+                <a:spcPts val="0"/>
+              </a:spcBef>
+              <a:spcAft>
+                <a:spcPts val="0"/>
+              </a:spcAft>
+              <a:buNone/>
+            </a:pPr>
+            <a:fld id="{00000000-1234-1234-1234-123412341234}" type="slidenum">
+              <a:rPr lang="en"/>
+              <a:t>‹#›</a:t>
+            </a:fld>
+            <a:endParaRPr/>
+          </a:p>
+        </p:txBody>
+      </p:sp>
+    </p:spTree>
+  </p:cSld>
+  <p:clrMapOvr>
+    <a:masterClrMapping/>
+  </p:clrMapOvr>
+</p:sld>
+</file>
+
 <file path=ppt/slides/slide3.xml><?xml version="1.0" encoding="utf-8"?>
 <p:sld xmlns:a="http://schemas.openxmlformats.org/drawingml/2006/main" xmlns:r="http://schemas.openxmlformats.org/officeDocument/2006/relationships" xmlns:mc="http://schemas.openxmlformats.org/markup-compatibility/2006" xmlns:mv="urn:schemas-microsoft-com:mac:vml" xmlns:p="http://schemas.openxmlformats.org/presentationml/2006/main" xmlns:c="http://schemas.openxmlformats.org/drawingml/2006/chart" xmlns:dgm="http://schemas.openxmlformats.org/drawingml/2006/diagram" xmlns:o="urn:schemas-microsoft-com:office:office" xmlns:v="urn:schemas-microsoft-com:vml" xmlns:pvml="urn:schemas-microsoft-com:office:powerpoint" xmlns:com="http://schemas.openxmlformats.org/drawingml/2006/compatibility" xmlns:p14="http://schemas.microsoft.com/office/powerpoint/2010/main" xmlns:p15="http://schemas.microsoft.com/office/powerpoint/2012/main" xmlns:ahyp="http://schemas.microsoft.com/office/drawing/2018/hyperlinkcolor">
   <p:cSld>
@@ -16490,7 +16351,7 @@
   <p:cSld>
     <p:spTree>
       <p:nvGrpSpPr>
-        <p:cNvPr id="360" name="Shape 360"/>
+        <p:cNvPr id="358" name="Shape 358"/>
         <p:cNvGrpSpPr/>
         <p:nvPr/>
       </p:nvGrpSpPr>
@@ -16504,113 +16365,7 @@
       </p:grpSpPr>
       <p:sp>
         <p:nvSpPr>
-          <p:cNvPr id="361" name="Google Shape;361;p42"/>
-          <p:cNvSpPr txBox="1"/>
-          <p:nvPr>
-            <p:ph type="title"/>
-          </p:nvPr>
-        </p:nvSpPr>
-        <p:spPr>
-          <a:xfrm>
-            <a:off x="311700" y="1999050"/>
-            <a:ext cx="8520600" cy="572700"/>
-          </a:xfrm>
-          <a:prstGeom prst="rect">
-            <a:avLst/>
-          </a:prstGeom>
-        </p:spPr>
-        <p:txBody>
-          <a:bodyPr anchorCtr="0" anchor="t" bIns="91425" lIns="91425" spcFirstLastPara="1" rIns="91425" wrap="square" tIns="91425">
-            <a:noAutofit/>
-          </a:bodyPr>
-          <a:lstStyle/>
-          <a:p>
-            <a:pPr indent="0" lvl="0" marL="0" rtl="0" algn="ctr">
-              <a:spcBef>
-                <a:spcPts val="0"/>
-              </a:spcBef>
-              <a:spcAft>
-                <a:spcPts val="0"/>
-              </a:spcAft>
-              <a:buSzPts val="990"/>
-              <a:buNone/>
-            </a:pPr>
-            <a:r>
-              <a:rPr lang="en" sz="4020"/>
-              <a:t>Questions?</a:t>
-            </a:r>
-            <a:endParaRPr sz="4020"/>
-          </a:p>
-        </p:txBody>
-      </p:sp>
-      <p:sp>
-        <p:nvSpPr>
-          <p:cNvPr id="362" name="Google Shape;362;p42"/>
-          <p:cNvSpPr txBox="1"/>
-          <p:nvPr>
-            <p:ph idx="12" type="sldNum"/>
-          </p:nvPr>
-        </p:nvSpPr>
-        <p:spPr>
-          <a:xfrm>
-            <a:off x="8472458" y="4663217"/>
-            <a:ext cx="548700" cy="393600"/>
-          </a:xfrm>
-          <a:prstGeom prst="rect">
-            <a:avLst/>
-          </a:prstGeom>
-        </p:spPr>
-        <p:txBody>
-          <a:bodyPr anchorCtr="0" anchor="ctr" bIns="91425" lIns="91425" spcFirstLastPara="1" rIns="91425" wrap="square" tIns="91425">
-            <a:normAutofit/>
-          </a:bodyPr>
-          <a:lstStyle/>
-          <a:p>
-            <a:pPr indent="0" lvl="0" marL="0" rtl="0" algn="r">
-              <a:spcBef>
-                <a:spcPts val="0"/>
-              </a:spcBef>
-              <a:spcAft>
-                <a:spcPts val="0"/>
-              </a:spcAft>
-              <a:buNone/>
-            </a:pPr>
-            <a:fld id="{00000000-1234-1234-1234-123412341234}" type="slidenum">
-              <a:rPr lang="en"/>
-              <a:t>‹#›</a:t>
-            </a:fld>
-            <a:endParaRPr/>
-          </a:p>
-        </p:txBody>
-      </p:sp>
-    </p:spTree>
-  </p:cSld>
-  <p:clrMapOvr>
-    <a:masterClrMapping/>
-  </p:clrMapOvr>
-</p:sld>
-</file>
-
-<file path=ppt/slides/slide31.xml><?xml version="1.0" encoding="utf-8"?>
-<p:sld xmlns:a="http://schemas.openxmlformats.org/drawingml/2006/main" xmlns:r="http://schemas.openxmlformats.org/officeDocument/2006/relationships" xmlns:mc="http://schemas.openxmlformats.org/markup-compatibility/2006" xmlns:mv="urn:schemas-microsoft-com:mac:vml" xmlns:p="http://schemas.openxmlformats.org/presentationml/2006/main" xmlns:c="http://schemas.openxmlformats.org/drawingml/2006/chart" xmlns:dgm="http://schemas.openxmlformats.org/drawingml/2006/diagram" xmlns:o="urn:schemas-microsoft-com:office:office" xmlns:v="urn:schemas-microsoft-com:vml" xmlns:pvml="urn:schemas-microsoft-com:office:powerpoint" xmlns:com="http://schemas.openxmlformats.org/drawingml/2006/compatibility" xmlns:p14="http://schemas.microsoft.com/office/powerpoint/2010/main" xmlns:p15="http://schemas.microsoft.com/office/powerpoint/2012/main" xmlns:ahyp="http://schemas.microsoft.com/office/drawing/2018/hyperlinkcolor">
-  <p:cSld>
-    <p:spTree>
-      <p:nvGrpSpPr>
-        <p:cNvPr id="366" name="Shape 366"/>
-        <p:cNvGrpSpPr/>
-        <p:nvPr/>
-      </p:nvGrpSpPr>
-      <p:grpSpPr>
-        <a:xfrm>
-          <a:off x="0" y="0"/>
-          <a:ext cx="0" cy="0"/>
-          <a:chOff x="0" y="0"/>
-          <a:chExt cx="0" cy="0"/>
-        </a:xfrm>
-      </p:grpSpPr>
-      <p:sp>
-        <p:nvSpPr>
-          <p:cNvPr id="367" name="Google Shape;367;p43"/>
+          <p:cNvPr id="359" name="Google Shape;359;p42"/>
           <p:cNvSpPr txBox="1"/>
           <p:nvPr>
             <p:ph type="title"/>
@@ -16650,7 +16405,7 @@
       </p:sp>
       <p:sp>
         <p:nvSpPr>
-          <p:cNvPr id="368" name="Google Shape;368;p43"/>
+          <p:cNvPr id="360" name="Google Shape;360;p42"/>
           <p:cNvSpPr txBox="1"/>
           <p:nvPr>
             <p:ph idx="1" type="body"/>
@@ -16796,7 +16551,7 @@
       </p:sp>
       <p:sp>
         <p:nvSpPr>
-          <p:cNvPr id="369" name="Google Shape;369;p43"/>
+          <p:cNvPr id="361" name="Google Shape;361;p42"/>
           <p:cNvSpPr txBox="1"/>
           <p:nvPr>
             <p:ph idx="12" type="sldNum"/>
@@ -18364,6 +18119,285 @@
 </file>
 
 <file path=ppt/theme/theme1.xml><?xml version="1.0" encoding="utf-8"?>
+<a:theme xmlns:a="http://schemas.openxmlformats.org/drawingml/2006/main" xmlns:r="http://schemas.openxmlformats.org/officeDocument/2006/relationships" name="Focus">
+  <a:themeElements>
+    <a:clrScheme name="Focus">
+      <a:dk1>
+        <a:srgbClr val="1B212C"/>
+      </a:dk1>
+      <a:lt1>
+        <a:srgbClr val="FFFFFF"/>
+      </a:lt1>
+      <a:dk2>
+        <a:srgbClr val="D9D9D9"/>
+      </a:dk2>
+      <a:lt2>
+        <a:srgbClr val="82C7A5"/>
+      </a:lt2>
+      <a:accent1>
+        <a:srgbClr val="0145AC"/>
+      </a:accent1>
+      <a:accent2>
+        <a:srgbClr val="EECE1A"/>
+      </a:accent2>
+      <a:accent3>
+        <a:srgbClr val="4E5567"/>
+      </a:accent3>
+      <a:accent4>
+        <a:srgbClr val="F4D6AD"/>
+      </a:accent4>
+      <a:accent5>
+        <a:srgbClr val="7890CD"/>
+      </a:accent5>
+      <a:accent6>
+        <a:srgbClr val="F15E22"/>
+      </a:accent6>
+      <a:hlink>
+        <a:srgbClr val="7890CD"/>
+      </a:hlink>
+      <a:folHlink>
+        <a:srgbClr val="7890CD"/>
+      </a:folHlink>
+    </a:clrScheme>
+    <a:fontScheme name="Office">
+      <a:majorFont>
+        <a:latin typeface="Arial"/>
+        <a:ea typeface=""/>
+        <a:cs typeface=""/>
+        <a:font script="Jpan" typeface="ＭＳ Ｐゴシック"/>
+        <a:font script="Hang" typeface="맑은 고딕"/>
+        <a:font script="Hans" typeface="宋体"/>
+        <a:font script="Hant" typeface="新細明體"/>
+        <a:font script="Arab" typeface="Times New Roman"/>
+        <a:font script="Hebr" typeface="Times New Roman"/>
+        <a:font script="Thai" typeface="Angsana New"/>
+        <a:font script="Ethi" typeface="Nyala"/>
+        <a:font script="Beng" typeface="Vrinda"/>
+        <a:font script="Gujr" typeface="Shruti"/>
+        <a:font script="Khmr" typeface="MoolBoran"/>
+        <a:font script="Knda" typeface="Tunga"/>
+        <a:font script="Guru" typeface="Raavi"/>
+        <a:font script="Cans" typeface="Euphemia"/>
+        <a:font script="Cher" typeface="Plantagenet Cherokee"/>
+        <a:font script="Yiii" typeface="Microsoft Yi Baiti"/>
+        <a:font script="Tibt" typeface="Microsoft Himalaya"/>
+        <a:font script="Thaa" typeface="MV Boli"/>
+        <a:font script="Deva" typeface="Mangal"/>
+        <a:font script="Telu" typeface="Gautami"/>
+        <a:font script="Taml" typeface="Latha"/>
+        <a:font script="Syrc" typeface="Estrangelo Edessa"/>
+        <a:font script="Orya" typeface="Kalinga"/>
+        <a:font script="Mlym" typeface="Kartika"/>
+        <a:font script="Laoo" typeface="DokChampa"/>
+        <a:font script="Sinh" typeface="Iskoola Pota"/>
+        <a:font script="Mong" typeface="Mongolian Baiti"/>
+        <a:font script="Viet" typeface="Times New Roman"/>
+        <a:font script="Uigh" typeface="Microsoft Uighur"/>
+        <a:font script="Geor" typeface="Sylfaen"/>
+      </a:majorFont>
+      <a:minorFont>
+        <a:latin typeface="Arial"/>
+        <a:ea typeface=""/>
+        <a:cs typeface=""/>
+        <a:font script="Jpan" typeface="ＭＳ Ｐゴシック"/>
+        <a:font script="Hang" typeface="맑은 고딕"/>
+        <a:font script="Hans" typeface="宋体"/>
+        <a:font script="Hant" typeface="新細明體"/>
+        <a:font script="Arab" typeface="Arial"/>
+        <a:font script="Hebr" typeface="Arial"/>
+        <a:font script="Thai" typeface="Cordia New"/>
+        <a:font script="Ethi" typeface="Nyala"/>
+        <a:font script="Beng" typeface="Vrinda"/>
+        <a:font script="Gujr" typeface="Shruti"/>
+        <a:font script="Khmr" typeface="DaunPenh"/>
+        <a:font script="Knda" typeface="Tunga"/>
+        <a:font script="Guru" typeface="Raavi"/>
+        <a:font script="Cans" typeface="Euphemia"/>
+        <a:font script="Cher" typeface="Plantagenet Cherokee"/>
+        <a:font script="Yiii" typeface="Microsoft Yi Baiti"/>
+        <a:font script="Tibt" typeface="Microsoft Himalaya"/>
+        <a:font script="Thaa" typeface="MV Boli"/>
+        <a:font script="Deva" typeface="Mangal"/>
+        <a:font script="Telu" typeface="Gautami"/>
+        <a:font script="Taml" typeface="Latha"/>
+        <a:font script="Syrc" typeface="Estrangelo Edessa"/>
+        <a:font script="Orya" typeface="Kalinga"/>
+        <a:font script="Mlym" typeface="Kartika"/>
+        <a:font script="Laoo" typeface="DokChampa"/>
+        <a:font script="Sinh" typeface="Iskoola Pota"/>
+        <a:font script="Mong" typeface="Mongolian Baiti"/>
+        <a:font script="Viet" typeface="Arial"/>
+        <a:font script="Uigh" typeface="Microsoft Uighur"/>
+        <a:font script="Geor" typeface="Sylfaen"/>
+      </a:minorFont>
+    </a:fontScheme>
+    <a:fmtScheme name="Office">
+      <a:fillStyleLst>
+        <a:solidFill>
+          <a:schemeClr val="phClr"/>
+        </a:solidFill>
+        <a:gradFill rotWithShape="1">
+          <a:gsLst>
+            <a:gs pos="0">
+              <a:schemeClr val="phClr">
+                <a:tint val="50000"/>
+                <a:satMod val="300000"/>
+              </a:schemeClr>
+            </a:gs>
+            <a:gs pos="35000">
+              <a:schemeClr val="phClr">
+                <a:tint val="37000"/>
+                <a:satMod val="300000"/>
+              </a:schemeClr>
+            </a:gs>
+            <a:gs pos="100000">
+              <a:schemeClr val="phClr">
+                <a:tint val="15000"/>
+                <a:satMod val="350000"/>
+              </a:schemeClr>
+            </a:gs>
+          </a:gsLst>
+          <a:lin ang="16200000" scaled="1"/>
+        </a:gradFill>
+        <a:gradFill rotWithShape="1">
+          <a:gsLst>
+            <a:gs pos="0">
+              <a:schemeClr val="phClr">
+                <a:tint val="100000"/>
+                <a:shade val="100000"/>
+                <a:satMod val="130000"/>
+              </a:schemeClr>
+            </a:gs>
+            <a:gs pos="100000">
+              <a:schemeClr val="phClr">
+                <a:tint val="50000"/>
+                <a:shade val="100000"/>
+                <a:satMod val="350000"/>
+              </a:schemeClr>
+            </a:gs>
+          </a:gsLst>
+          <a:lin ang="16200000" scaled="0"/>
+        </a:gradFill>
+      </a:fillStyleLst>
+      <a:lnStyleLst>
+        <a:ln w="9525" cap="flat" cmpd="sng" algn="ctr">
+          <a:solidFill>
+            <a:schemeClr val="phClr">
+              <a:shade val="95000"/>
+              <a:satMod val="105000"/>
+            </a:schemeClr>
+          </a:solidFill>
+          <a:prstDash val="solid"/>
+        </a:ln>
+        <a:ln w="25400" cap="flat" cmpd="sng" algn="ctr">
+          <a:solidFill>
+            <a:schemeClr val="phClr"/>
+          </a:solidFill>
+          <a:prstDash val="solid"/>
+        </a:ln>
+        <a:ln w="38100" cap="flat" cmpd="sng" algn="ctr">
+          <a:solidFill>
+            <a:schemeClr val="phClr"/>
+          </a:solidFill>
+          <a:prstDash val="solid"/>
+        </a:ln>
+      </a:lnStyleLst>
+      <a:effectStyleLst>
+        <a:effectStyle>
+          <a:effectLst>
+            <a:outerShdw blurRad="40000" dist="20000" dir="5400000" rotWithShape="0">
+              <a:srgbClr val="000000">
+                <a:alpha val="38000"/>
+              </a:srgbClr>
+            </a:outerShdw>
+          </a:effectLst>
+        </a:effectStyle>
+        <a:effectStyle>
+          <a:effectLst>
+            <a:outerShdw blurRad="40000" dist="23000" dir="5400000" rotWithShape="0">
+              <a:srgbClr val="000000">
+                <a:alpha val="35000"/>
+              </a:srgbClr>
+            </a:outerShdw>
+          </a:effectLst>
+        </a:effectStyle>
+        <a:effectStyle>
+          <a:effectLst>
+            <a:outerShdw blurRad="40000" dist="23000" dir="5400000" rotWithShape="0">
+              <a:srgbClr val="000000">
+                <a:alpha val="35000"/>
+              </a:srgbClr>
+            </a:outerShdw>
+          </a:effectLst>
+          <a:scene3d>
+            <a:camera prst="orthographicFront">
+              <a:rot lat="0" lon="0" rev="0"/>
+            </a:camera>
+            <a:lightRig rig="threePt" dir="t">
+              <a:rot lat="0" lon="0" rev="1200000"/>
+            </a:lightRig>
+          </a:scene3d>
+          <a:sp3d>
+            <a:bevelT w="63500" h="25400"/>
+          </a:sp3d>
+        </a:effectStyle>
+      </a:effectStyleLst>
+      <a:bgFillStyleLst>
+        <a:solidFill>
+          <a:schemeClr val="phClr"/>
+        </a:solidFill>
+        <a:gradFill rotWithShape="1">
+          <a:gsLst>
+            <a:gs pos="0">
+              <a:schemeClr val="phClr">
+                <a:tint val="40000"/>
+                <a:satMod val="350000"/>
+              </a:schemeClr>
+            </a:gs>
+            <a:gs pos="40000">
+              <a:schemeClr val="phClr">
+                <a:tint val="45000"/>
+                <a:shade val="99000"/>
+                <a:satMod val="350000"/>
+              </a:schemeClr>
+            </a:gs>
+            <a:gs pos="100000">
+              <a:schemeClr val="phClr">
+                <a:shade val="20000"/>
+                <a:satMod val="255000"/>
+              </a:schemeClr>
+            </a:gs>
+          </a:gsLst>
+          <a:path path="circle">
+            <a:fillToRect l="50000" t="-80000" r="50000" b="180000"/>
+          </a:path>
+        </a:gradFill>
+        <a:gradFill rotWithShape="1">
+          <a:gsLst>
+            <a:gs pos="0">
+              <a:schemeClr val="phClr">
+                <a:tint val="80000"/>
+                <a:satMod val="300000"/>
+              </a:schemeClr>
+            </a:gs>
+            <a:gs pos="100000">
+              <a:schemeClr val="phClr">
+                <a:shade val="30000"/>
+                <a:satMod val="200000"/>
+              </a:schemeClr>
+            </a:gs>
+          </a:gsLst>
+          <a:path path="circle">
+            <a:fillToRect l="50000" t="50000" r="50000" b="50000"/>
+          </a:path>
+        </a:gradFill>
+      </a:bgFillStyleLst>
+    </a:fmtScheme>
+  </a:themeElements>
+</a:theme>
+</file>
+
+<file path=ppt/theme/theme2.xml><?xml version="1.0" encoding="utf-8"?>
 <a:theme xmlns:a="http://schemas.openxmlformats.org/drawingml/2006/main" xmlns:r="http://schemas.openxmlformats.org/officeDocument/2006/relationships">
   <a:themeElements>
     <a:clrScheme name="Default">
@@ -18640,283 +18674,4 @@
     </a:fmtScheme>
   </a:themeElements>
 </a:theme>
-</file>
-
-<file path=ppt/theme/theme2.xml><?xml version="1.0" encoding="utf-8"?>
-<a:theme xmlns:a="http://schemas.openxmlformats.org/drawingml/2006/main" xmlns:r="http://schemas.openxmlformats.org/officeDocument/2006/relationships" name="Focus">
-  <a:themeElements>
-    <a:clrScheme name="Focus">
-      <a:dk1>
-        <a:srgbClr val="1B212C"/>
-      </a:dk1>
-      <a:lt1>
-        <a:srgbClr val="FFFFFF"/>
-      </a:lt1>
-      <a:dk2>
-        <a:srgbClr val="D9D9D9"/>
-      </a:dk2>
-      <a:lt2>
-        <a:srgbClr val="82C7A5"/>
-      </a:lt2>
-      <a:accent1>
-        <a:srgbClr val="0145AC"/>
-      </a:accent1>
-      <a:accent2>
-        <a:srgbClr val="EECE1A"/>
-      </a:accent2>
-      <a:accent3>
-        <a:srgbClr val="4E5567"/>
-      </a:accent3>
-      <a:accent4>
-        <a:srgbClr val="F4D6AD"/>
-      </a:accent4>
-      <a:accent5>
-        <a:srgbClr val="7890CD"/>
-      </a:accent5>
-      <a:accent6>
-        <a:srgbClr val="F15E22"/>
-      </a:accent6>
-      <a:hlink>
-        <a:srgbClr val="7890CD"/>
-      </a:hlink>
-      <a:folHlink>
-        <a:srgbClr val="7890CD"/>
-      </a:folHlink>
-    </a:clrScheme>
-    <a:fontScheme name="Office">
-      <a:majorFont>
-        <a:latin typeface="Arial"/>
-        <a:ea typeface=""/>
-        <a:cs typeface=""/>
-        <a:font script="Jpan" typeface="ＭＳ Ｐゴシック"/>
-        <a:font script="Hang" typeface="맑은 고딕"/>
-        <a:font script="Hans" typeface="宋体"/>
-        <a:font script="Hant" typeface="新細明體"/>
-        <a:font script="Arab" typeface="Times New Roman"/>
-        <a:font script="Hebr" typeface="Times New Roman"/>
-        <a:font script="Thai" typeface="Angsana New"/>
-        <a:font script="Ethi" typeface="Nyala"/>
-        <a:font script="Beng" typeface="Vrinda"/>
-        <a:font script="Gujr" typeface="Shruti"/>
-        <a:font script="Khmr" typeface="MoolBoran"/>
-        <a:font script="Knda" typeface="Tunga"/>
-        <a:font script="Guru" typeface="Raavi"/>
-        <a:font script="Cans" typeface="Euphemia"/>
-        <a:font script="Cher" typeface="Plantagenet Cherokee"/>
-        <a:font script="Yiii" typeface="Microsoft Yi Baiti"/>
-        <a:font script="Tibt" typeface="Microsoft Himalaya"/>
-        <a:font script="Thaa" typeface="MV Boli"/>
-        <a:font script="Deva" typeface="Mangal"/>
-        <a:font script="Telu" typeface="Gautami"/>
-        <a:font script="Taml" typeface="Latha"/>
-        <a:font script="Syrc" typeface="Estrangelo Edessa"/>
-        <a:font script="Orya" typeface="Kalinga"/>
-        <a:font script="Mlym" typeface="Kartika"/>
-        <a:font script="Laoo" typeface="DokChampa"/>
-        <a:font script="Sinh" typeface="Iskoola Pota"/>
-        <a:font script="Mong" typeface="Mongolian Baiti"/>
-        <a:font script="Viet" typeface="Times New Roman"/>
-        <a:font script="Uigh" typeface="Microsoft Uighur"/>
-        <a:font script="Geor" typeface="Sylfaen"/>
-      </a:majorFont>
-      <a:minorFont>
-        <a:latin typeface="Arial"/>
-        <a:ea typeface=""/>
-        <a:cs typeface=""/>
-        <a:font script="Jpan" typeface="ＭＳ Ｐゴシック"/>
-        <a:font script="Hang" typeface="맑은 고딕"/>
-        <a:font script="Hans" typeface="宋体"/>
-        <a:font script="Hant" typeface="新細明體"/>
-        <a:font script="Arab" typeface="Arial"/>
-        <a:font script="Hebr" typeface="Arial"/>
-        <a:font script="Thai" typeface="Cordia New"/>
-        <a:font script="Ethi" typeface="Nyala"/>
-        <a:font script="Beng" typeface="Vrinda"/>
-        <a:font script="Gujr" typeface="Shruti"/>
-        <a:font script="Khmr" typeface="DaunPenh"/>
-        <a:font script="Knda" typeface="Tunga"/>
-        <a:font script="Guru" typeface="Raavi"/>
-        <a:font script="Cans" typeface="Euphemia"/>
-        <a:font script="Cher" typeface="Plantagenet Cherokee"/>
-        <a:font script="Yiii" typeface="Microsoft Yi Baiti"/>
-        <a:font script="Tibt" typeface="Microsoft Himalaya"/>
-        <a:font script="Thaa" typeface="MV Boli"/>
-        <a:font script="Deva" typeface="Mangal"/>
-        <a:font script="Telu" typeface="Gautami"/>
-        <a:font script="Taml" typeface="Latha"/>
-        <a:font script="Syrc" typeface="Estrangelo Edessa"/>
-        <a:font script="Orya" typeface="Kalinga"/>
-        <a:font script="Mlym" typeface="Kartika"/>
-        <a:font script="Laoo" typeface="DokChampa"/>
-        <a:font script="Sinh" typeface="Iskoola Pota"/>
-        <a:font script="Mong" typeface="Mongolian Baiti"/>
-        <a:font script="Viet" typeface="Arial"/>
-        <a:font script="Uigh" typeface="Microsoft Uighur"/>
-        <a:font script="Geor" typeface="Sylfaen"/>
-      </a:minorFont>
-    </a:fontScheme>
-    <a:fmtScheme name="Office">
-      <a:fillStyleLst>
-        <a:solidFill>
-          <a:schemeClr val="phClr"/>
-        </a:solidFill>
-        <a:gradFill rotWithShape="1">
-          <a:gsLst>
-            <a:gs pos="0">
-              <a:schemeClr val="phClr">
-                <a:tint val="50000"/>
-                <a:satMod val="300000"/>
-              </a:schemeClr>
-            </a:gs>
-            <a:gs pos="35000">
-              <a:schemeClr val="phClr">
-                <a:tint val="37000"/>
-                <a:satMod val="300000"/>
-              </a:schemeClr>
-            </a:gs>
-            <a:gs pos="100000">
-              <a:schemeClr val="phClr">
-                <a:tint val="15000"/>
-                <a:satMod val="350000"/>
-              </a:schemeClr>
-            </a:gs>
-          </a:gsLst>
-          <a:lin ang="16200000" scaled="1"/>
-        </a:gradFill>
-        <a:gradFill rotWithShape="1">
-          <a:gsLst>
-            <a:gs pos="0">
-              <a:schemeClr val="phClr">
-                <a:tint val="100000"/>
-                <a:shade val="100000"/>
-                <a:satMod val="130000"/>
-              </a:schemeClr>
-            </a:gs>
-            <a:gs pos="100000">
-              <a:schemeClr val="phClr">
-                <a:tint val="50000"/>
-                <a:shade val="100000"/>
-                <a:satMod val="350000"/>
-              </a:schemeClr>
-            </a:gs>
-          </a:gsLst>
-          <a:lin ang="16200000" scaled="0"/>
-        </a:gradFill>
-      </a:fillStyleLst>
-      <a:lnStyleLst>
-        <a:ln w="9525" cap="flat" cmpd="sng" algn="ctr">
-          <a:solidFill>
-            <a:schemeClr val="phClr">
-              <a:shade val="95000"/>
-              <a:satMod val="105000"/>
-            </a:schemeClr>
-          </a:solidFill>
-          <a:prstDash val="solid"/>
-        </a:ln>
-        <a:ln w="25400" cap="flat" cmpd="sng" algn="ctr">
-          <a:solidFill>
-            <a:schemeClr val="phClr"/>
-          </a:solidFill>
-          <a:prstDash val="solid"/>
-        </a:ln>
-        <a:ln w="38100" cap="flat" cmpd="sng" algn="ctr">
-          <a:solidFill>
-            <a:schemeClr val="phClr"/>
-          </a:solidFill>
-          <a:prstDash val="solid"/>
-        </a:ln>
-      </a:lnStyleLst>
-      <a:effectStyleLst>
-        <a:effectStyle>
-          <a:effectLst>
-            <a:outerShdw blurRad="40000" dist="20000" dir="5400000" rotWithShape="0">
-              <a:srgbClr val="000000">
-                <a:alpha val="38000"/>
-              </a:srgbClr>
-            </a:outerShdw>
-          </a:effectLst>
-        </a:effectStyle>
-        <a:effectStyle>
-          <a:effectLst>
-            <a:outerShdw blurRad="40000" dist="23000" dir="5400000" rotWithShape="0">
-              <a:srgbClr val="000000">
-                <a:alpha val="35000"/>
-              </a:srgbClr>
-            </a:outerShdw>
-          </a:effectLst>
-        </a:effectStyle>
-        <a:effectStyle>
-          <a:effectLst>
-            <a:outerShdw blurRad="40000" dist="23000" dir="5400000" rotWithShape="0">
-              <a:srgbClr val="000000">
-                <a:alpha val="35000"/>
-              </a:srgbClr>
-            </a:outerShdw>
-          </a:effectLst>
-          <a:scene3d>
-            <a:camera prst="orthographicFront">
-              <a:rot lat="0" lon="0" rev="0"/>
-            </a:camera>
-            <a:lightRig rig="threePt" dir="t">
-              <a:rot lat="0" lon="0" rev="1200000"/>
-            </a:lightRig>
-          </a:scene3d>
-          <a:sp3d>
-            <a:bevelT w="63500" h="25400"/>
-          </a:sp3d>
-        </a:effectStyle>
-      </a:effectStyleLst>
-      <a:bgFillStyleLst>
-        <a:solidFill>
-          <a:schemeClr val="phClr"/>
-        </a:solidFill>
-        <a:gradFill rotWithShape="1">
-          <a:gsLst>
-            <a:gs pos="0">
-              <a:schemeClr val="phClr">
-                <a:tint val="40000"/>
-                <a:satMod val="350000"/>
-              </a:schemeClr>
-            </a:gs>
-            <a:gs pos="40000">
-              <a:schemeClr val="phClr">
-                <a:tint val="45000"/>
-                <a:shade val="99000"/>
-                <a:satMod val="350000"/>
-              </a:schemeClr>
-            </a:gs>
-            <a:gs pos="100000">
-              <a:schemeClr val="phClr">
-                <a:shade val="20000"/>
-                <a:satMod val="255000"/>
-              </a:schemeClr>
-            </a:gs>
-          </a:gsLst>
-          <a:path path="circle">
-            <a:fillToRect l="50000" t="-80000" r="50000" b="180000"/>
-          </a:path>
-        </a:gradFill>
-        <a:gradFill rotWithShape="1">
-          <a:gsLst>
-            <a:gs pos="0">
-              <a:schemeClr val="phClr">
-                <a:tint val="80000"/>
-                <a:satMod val="300000"/>
-              </a:schemeClr>
-            </a:gs>
-            <a:gs pos="100000">
-              <a:schemeClr val="phClr">
-                <a:shade val="30000"/>
-                <a:satMod val="200000"/>
-              </a:schemeClr>
-            </a:gs>
-          </a:gsLst>
-          <a:path path="circle">
-            <a:fillToRect l="50000" t="50000" r="50000" b="50000"/>
-          </a:path>
-        </a:gradFill>
-      </a:bgFillStyleLst>
-    </a:fmtScheme>
-  </a:themeElements>
-</a:theme>
 </file>